--- a/Presentación - Agustina Di Pinto.pptx
+++ b/Presentación - Agustina Di Pinto.pptx
@@ -2,44 +2,43 @@
 <file path=ppt/presentation.xml><?xml version="1.0" encoding="utf-8"?>
 <p:presentation xmlns:a="http://schemas.openxmlformats.org/drawingml/2006/main" xmlns:r="http://schemas.openxmlformats.org/officeDocument/2006/relationships" xmlns:mc="http://schemas.openxmlformats.org/markup-compatibility/2006" xmlns:mv="urn:schemas-microsoft-com:mac:vml" xmlns:p="http://schemas.openxmlformats.org/presentationml/2006/main" xmlns:c="http://schemas.openxmlformats.org/drawingml/2006/chart" xmlns:dgm="http://schemas.openxmlformats.org/drawingml/2006/diagram" xmlns:o="urn:schemas-microsoft-com:office:office" xmlns:v="urn:schemas-microsoft-com:vml" xmlns:pvml="urn:schemas-microsoft-com:office:powerpoint" xmlns:com="http://schemas.openxmlformats.org/drawingml/2006/compatibility" xmlns:p14="http://schemas.microsoft.com/office/powerpoint/2010/main" xmlns:p15="http://schemas.microsoft.com/office/powerpoint/2012/main" xmlns:ahyp="http://schemas.microsoft.com/office/drawing/2018/hyperlinkcolor" autoCompressPictures="0" embedTrueTypeFonts="1" strictFirstAndLastChars="0" saveSubsetFonts="1">
   <p:sldMasterIdLst>
-    <p:sldMasterId id="2147483659" r:id="rId5"/>
+    <p:sldMasterId id="2147483659" r:id="rId4"/>
   </p:sldMasterIdLst>
   <p:notesMasterIdLst>
-    <p:notesMasterId r:id="rId6"/>
+    <p:notesMasterId r:id="rId5"/>
   </p:notesMasterIdLst>
   <p:sldIdLst>
-    <p:sldId id="256" r:id="rId7"/>
-    <p:sldId id="257" r:id="rId8"/>
-    <p:sldId id="258" r:id="rId9"/>
-    <p:sldId id="259" r:id="rId10"/>
-    <p:sldId id="260" r:id="rId11"/>
-    <p:sldId id="261" r:id="rId12"/>
-    <p:sldId id="262" r:id="rId13"/>
-    <p:sldId id="263" r:id="rId14"/>
-    <p:sldId id="264" r:id="rId15"/>
-    <p:sldId id="265" r:id="rId16"/>
+    <p:sldId id="256" r:id="rId6"/>
+    <p:sldId id="257" r:id="rId7"/>
+    <p:sldId id="258" r:id="rId8"/>
+    <p:sldId id="259" r:id="rId9"/>
+    <p:sldId id="260" r:id="rId10"/>
+    <p:sldId id="261" r:id="rId11"/>
+    <p:sldId id="262" r:id="rId12"/>
+    <p:sldId id="263" r:id="rId13"/>
+    <p:sldId id="264" r:id="rId14"/>
   </p:sldIdLst>
   <p:sldSz cy="5143500" cx="9144000"/>
   <p:notesSz cx="6858000" cy="9144000"/>
   <p:embeddedFontLst>
     <p:embeddedFont>
       <p:font typeface="Open Sans ExtraBold"/>
-      <p:bold r:id="rId17"/>
-      <p:boldItalic r:id="rId18"/>
+      <p:bold r:id="rId15"/>
+      <p:boldItalic r:id="rId16"/>
     </p:embeddedFont>
     <p:embeddedFont>
       <p:font typeface="Open Sans Light"/>
-      <p:regular r:id="rId19"/>
-      <p:bold r:id="rId20"/>
-      <p:italic r:id="rId21"/>
-      <p:boldItalic r:id="rId22"/>
+      <p:regular r:id="rId17"/>
+      <p:bold r:id="rId18"/>
+      <p:italic r:id="rId19"/>
+      <p:boldItalic r:id="rId20"/>
     </p:embeddedFont>
     <p:embeddedFont>
       <p:font typeface="Open Sans"/>
-      <p:regular r:id="rId23"/>
-      <p:bold r:id="rId24"/>
-      <p:italic r:id="rId25"/>
-      <p:boldItalic r:id="rId26"/>
+      <p:regular r:id="rId21"/>
+      <p:bold r:id="rId22"/>
+      <p:italic r:id="rId23"/>
+      <p:boldItalic r:id="rId24"/>
     </p:embeddedFont>
   </p:embeddedFontLst>
   <p:defaultTextStyle>
@@ -815,12 +814,12 @@
 </p:notes>
 </file>
 
-<file path=ppt/notesSlides/notesSlide10.xml><?xml version="1.0" encoding="utf-8"?>
+<file path=ppt/notesSlides/notesSlide2.xml><?xml version="1.0" encoding="utf-8"?>
 <p:notes xmlns:a="http://schemas.openxmlformats.org/drawingml/2006/main" xmlns:r="http://schemas.openxmlformats.org/officeDocument/2006/relationships" xmlns:mc="http://schemas.openxmlformats.org/markup-compatibility/2006" xmlns:mv="urn:schemas-microsoft-com:mac:vml" xmlns:p="http://schemas.openxmlformats.org/presentationml/2006/main" xmlns:c="http://schemas.openxmlformats.org/drawingml/2006/chart" xmlns:dgm="http://schemas.openxmlformats.org/drawingml/2006/diagram" xmlns:o="urn:schemas-microsoft-com:office:office" xmlns:v="urn:schemas-microsoft-com:vml" xmlns:pvml="urn:schemas-microsoft-com:office:powerpoint" xmlns:com="http://schemas.openxmlformats.org/drawingml/2006/compatibility" xmlns:p14="http://schemas.microsoft.com/office/powerpoint/2010/main" xmlns:p15="http://schemas.microsoft.com/office/powerpoint/2012/main" xmlns:ahyp="http://schemas.microsoft.com/office/drawing/2018/hyperlinkcolor" showMasterPhAnim="0" showMasterSp="0">
   <p:cSld>
     <p:spTree>
       <p:nvGrpSpPr>
-        <p:cNvPr id="113" name="Shape 113"/>
+        <p:cNvPr id="57" name="Shape 57"/>
         <p:cNvGrpSpPr/>
         <p:nvPr/>
       </p:nvGrpSpPr>
@@ -834,7 +833,7 @@
       </p:grpSpPr>
       <p:sp>
         <p:nvSpPr>
-          <p:cNvPr id="114" name="Google Shape;114;g366d9295c0f_0_21:notes"/>
+          <p:cNvPr id="58" name="Google Shape;58;g361fd49a947_0_92:notes"/>
           <p:cNvSpPr/>
           <p:nvPr>
             <p:ph idx="2" type="sldImg"/>
@@ -869,7 +868,7 @@
       </p:sp>
       <p:sp>
         <p:nvSpPr>
-          <p:cNvPr id="115" name="Google Shape;115;g366d9295c0f_0_21:notes"/>
+          <p:cNvPr id="59" name="Google Shape;59;g361fd49a947_0_92:notes"/>
           <p:cNvSpPr txBox="1"/>
           <p:nvPr>
             <p:ph idx="1" type="body"/>
@@ -914,12 +913,12 @@
 </p:notes>
 </file>
 
-<file path=ppt/notesSlides/notesSlide2.xml><?xml version="1.0" encoding="utf-8"?>
+<file path=ppt/notesSlides/notesSlide3.xml><?xml version="1.0" encoding="utf-8"?>
 <p:notes xmlns:a="http://schemas.openxmlformats.org/drawingml/2006/main" xmlns:r="http://schemas.openxmlformats.org/officeDocument/2006/relationships" xmlns:mc="http://schemas.openxmlformats.org/markup-compatibility/2006" xmlns:mv="urn:schemas-microsoft-com:mac:vml" xmlns:p="http://schemas.openxmlformats.org/presentationml/2006/main" xmlns:c="http://schemas.openxmlformats.org/drawingml/2006/chart" xmlns:dgm="http://schemas.openxmlformats.org/drawingml/2006/diagram" xmlns:o="urn:schemas-microsoft-com:office:office" xmlns:v="urn:schemas-microsoft-com:vml" xmlns:pvml="urn:schemas-microsoft-com:office:powerpoint" xmlns:com="http://schemas.openxmlformats.org/drawingml/2006/compatibility" xmlns:p14="http://schemas.microsoft.com/office/powerpoint/2010/main" xmlns:p15="http://schemas.microsoft.com/office/powerpoint/2012/main" xmlns:ahyp="http://schemas.microsoft.com/office/drawing/2018/hyperlinkcolor" showMasterPhAnim="0" showMasterSp="0">
   <p:cSld>
     <p:spTree>
       <p:nvGrpSpPr>
-        <p:cNvPr id="56" name="Shape 56"/>
+        <p:cNvPr id="64" name="Shape 64"/>
         <p:cNvGrpSpPr/>
         <p:nvPr/>
       </p:nvGrpSpPr>
@@ -933,7 +932,7 @@
       </p:grpSpPr>
       <p:sp>
         <p:nvSpPr>
-          <p:cNvPr id="57" name="Google Shape;57;g361fd49a947_0_92:notes"/>
+          <p:cNvPr id="65" name="Google Shape;65;g361fd49a947_0_98:notes"/>
           <p:cNvSpPr/>
           <p:nvPr>
             <p:ph idx="2" type="sldImg"/>
@@ -968,7 +967,7 @@
       </p:sp>
       <p:sp>
         <p:nvSpPr>
-          <p:cNvPr id="58" name="Google Shape;58;g361fd49a947_0_92:notes"/>
+          <p:cNvPr id="66" name="Google Shape;66;g361fd49a947_0_98:notes"/>
           <p:cNvSpPr txBox="1"/>
           <p:nvPr>
             <p:ph idx="1" type="body"/>
@@ -1013,12 +1012,12 @@
 </p:notes>
 </file>
 
-<file path=ppt/notesSlides/notesSlide3.xml><?xml version="1.0" encoding="utf-8"?>
+<file path=ppt/notesSlides/notesSlide4.xml><?xml version="1.0" encoding="utf-8"?>
 <p:notes xmlns:a="http://schemas.openxmlformats.org/drawingml/2006/main" xmlns:r="http://schemas.openxmlformats.org/officeDocument/2006/relationships" xmlns:mc="http://schemas.openxmlformats.org/markup-compatibility/2006" xmlns:mv="urn:schemas-microsoft-com:mac:vml" xmlns:p="http://schemas.openxmlformats.org/presentationml/2006/main" xmlns:c="http://schemas.openxmlformats.org/drawingml/2006/chart" xmlns:dgm="http://schemas.openxmlformats.org/drawingml/2006/diagram" xmlns:o="urn:schemas-microsoft-com:office:office" xmlns:v="urn:schemas-microsoft-com:vml" xmlns:pvml="urn:schemas-microsoft-com:office:powerpoint" xmlns:com="http://schemas.openxmlformats.org/drawingml/2006/compatibility" xmlns:p14="http://schemas.microsoft.com/office/powerpoint/2010/main" xmlns:p15="http://schemas.microsoft.com/office/powerpoint/2012/main" xmlns:ahyp="http://schemas.microsoft.com/office/drawing/2018/hyperlinkcolor" showMasterPhAnim="0" showMasterSp="0">
   <p:cSld>
     <p:spTree>
       <p:nvGrpSpPr>
-        <p:cNvPr id="63" name="Shape 63"/>
+        <p:cNvPr id="70" name="Shape 70"/>
         <p:cNvGrpSpPr/>
         <p:nvPr/>
       </p:nvGrpSpPr>
@@ -1032,7 +1031,7 @@
       </p:grpSpPr>
       <p:sp>
         <p:nvSpPr>
-          <p:cNvPr id="64" name="Google Shape;64;g361fd49a947_0_98:notes"/>
+          <p:cNvPr id="71" name="Google Shape;71;g361fd49a947_0_107:notes"/>
           <p:cNvSpPr/>
           <p:nvPr>
             <p:ph idx="2" type="sldImg"/>
@@ -1067,7 +1066,7 @@
       </p:sp>
       <p:sp>
         <p:nvSpPr>
-          <p:cNvPr id="65" name="Google Shape;65;g361fd49a947_0_98:notes"/>
+          <p:cNvPr id="72" name="Google Shape;72;g361fd49a947_0_107:notes"/>
           <p:cNvSpPr txBox="1"/>
           <p:nvPr>
             <p:ph idx="1" type="body"/>
@@ -1112,12 +1111,12 @@
 </p:notes>
 </file>
 
-<file path=ppt/notesSlides/notesSlide4.xml><?xml version="1.0" encoding="utf-8"?>
+<file path=ppt/notesSlides/notesSlide5.xml><?xml version="1.0" encoding="utf-8"?>
 <p:notes xmlns:a="http://schemas.openxmlformats.org/drawingml/2006/main" xmlns:r="http://schemas.openxmlformats.org/officeDocument/2006/relationships" xmlns:mc="http://schemas.openxmlformats.org/markup-compatibility/2006" xmlns:mv="urn:schemas-microsoft-com:mac:vml" xmlns:p="http://schemas.openxmlformats.org/presentationml/2006/main" xmlns:c="http://schemas.openxmlformats.org/drawingml/2006/chart" xmlns:dgm="http://schemas.openxmlformats.org/drawingml/2006/diagram" xmlns:o="urn:schemas-microsoft-com:office:office" xmlns:v="urn:schemas-microsoft-com:vml" xmlns:pvml="urn:schemas-microsoft-com:office:powerpoint" xmlns:com="http://schemas.openxmlformats.org/drawingml/2006/compatibility" xmlns:p14="http://schemas.microsoft.com/office/powerpoint/2010/main" xmlns:p15="http://schemas.microsoft.com/office/powerpoint/2012/main" xmlns:ahyp="http://schemas.microsoft.com/office/drawing/2018/hyperlinkcolor" showMasterPhAnim="0" showMasterSp="0">
   <p:cSld>
     <p:spTree>
       <p:nvGrpSpPr>
-        <p:cNvPr id="69" name="Shape 69"/>
+        <p:cNvPr id="77" name="Shape 77"/>
         <p:cNvGrpSpPr/>
         <p:nvPr/>
       </p:nvGrpSpPr>
@@ -1131,7 +1130,7 @@
       </p:grpSpPr>
       <p:sp>
         <p:nvSpPr>
-          <p:cNvPr id="70" name="Google Shape;70;g361fd49a947_0_107:notes"/>
+          <p:cNvPr id="78" name="Google Shape;78;g371790cee2f_0_15:notes"/>
           <p:cNvSpPr/>
           <p:nvPr>
             <p:ph idx="2" type="sldImg"/>
@@ -1166,7 +1165,7 @@
       </p:sp>
       <p:sp>
         <p:nvSpPr>
-          <p:cNvPr id="71" name="Google Shape;71;g361fd49a947_0_107:notes"/>
+          <p:cNvPr id="79" name="Google Shape;79;g371790cee2f_0_15:notes"/>
           <p:cNvSpPr txBox="1"/>
           <p:nvPr>
             <p:ph idx="1" type="body"/>
@@ -1211,12 +1210,12 @@
 </p:notes>
 </file>
 
-<file path=ppt/notesSlides/notesSlide5.xml><?xml version="1.0" encoding="utf-8"?>
+<file path=ppt/notesSlides/notesSlide6.xml><?xml version="1.0" encoding="utf-8"?>
 <p:notes xmlns:a="http://schemas.openxmlformats.org/drawingml/2006/main" xmlns:r="http://schemas.openxmlformats.org/officeDocument/2006/relationships" xmlns:mc="http://schemas.openxmlformats.org/markup-compatibility/2006" xmlns:mv="urn:schemas-microsoft-com:mac:vml" xmlns:p="http://schemas.openxmlformats.org/presentationml/2006/main" xmlns:c="http://schemas.openxmlformats.org/drawingml/2006/chart" xmlns:dgm="http://schemas.openxmlformats.org/drawingml/2006/diagram" xmlns:o="urn:schemas-microsoft-com:office:office" xmlns:v="urn:schemas-microsoft-com:vml" xmlns:pvml="urn:schemas-microsoft-com:office:powerpoint" xmlns:com="http://schemas.openxmlformats.org/drawingml/2006/compatibility" xmlns:p14="http://schemas.microsoft.com/office/powerpoint/2010/main" xmlns:p15="http://schemas.microsoft.com/office/powerpoint/2012/main" xmlns:ahyp="http://schemas.microsoft.com/office/drawing/2018/hyperlinkcolor" showMasterPhAnim="0" showMasterSp="0">
   <p:cSld>
     <p:spTree>
       <p:nvGrpSpPr>
-        <p:cNvPr id="76" name="Shape 76"/>
+        <p:cNvPr id="85" name="Shape 85"/>
         <p:cNvGrpSpPr/>
         <p:nvPr/>
       </p:nvGrpSpPr>
@@ -1230,7 +1229,7 @@
       </p:grpSpPr>
       <p:sp>
         <p:nvSpPr>
-          <p:cNvPr id="77" name="Google Shape;77;g3669c74924f_0_13:notes"/>
+          <p:cNvPr id="86" name="Google Shape;86;g366d9295c0f_0_3:notes"/>
           <p:cNvSpPr/>
           <p:nvPr>
             <p:ph idx="2" type="sldImg"/>
@@ -1265,7 +1264,7 @@
       </p:sp>
       <p:sp>
         <p:nvSpPr>
-          <p:cNvPr id="78" name="Google Shape;78;g3669c74924f_0_13:notes"/>
+          <p:cNvPr id="87" name="Google Shape;87;g366d9295c0f_0_3:notes"/>
           <p:cNvSpPr txBox="1"/>
           <p:nvPr>
             <p:ph idx="1" type="body"/>
@@ -1310,12 +1309,12 @@
 </p:notes>
 </file>
 
-<file path=ppt/notesSlides/notesSlide6.xml><?xml version="1.0" encoding="utf-8"?>
+<file path=ppt/notesSlides/notesSlide7.xml><?xml version="1.0" encoding="utf-8"?>
 <p:notes xmlns:a="http://schemas.openxmlformats.org/drawingml/2006/main" xmlns:r="http://schemas.openxmlformats.org/officeDocument/2006/relationships" xmlns:mc="http://schemas.openxmlformats.org/markup-compatibility/2006" xmlns:mv="urn:schemas-microsoft-com:mac:vml" xmlns:p="http://schemas.openxmlformats.org/presentationml/2006/main" xmlns:c="http://schemas.openxmlformats.org/drawingml/2006/chart" xmlns:dgm="http://schemas.openxmlformats.org/drawingml/2006/diagram" xmlns:o="urn:schemas-microsoft-com:office:office" xmlns:v="urn:schemas-microsoft-com:vml" xmlns:pvml="urn:schemas-microsoft-com:office:powerpoint" xmlns:com="http://schemas.openxmlformats.org/drawingml/2006/compatibility" xmlns:p14="http://schemas.microsoft.com/office/powerpoint/2010/main" xmlns:p15="http://schemas.microsoft.com/office/powerpoint/2012/main" xmlns:ahyp="http://schemas.microsoft.com/office/drawing/2018/hyperlinkcolor" showMasterPhAnim="0" showMasterSp="0">
   <p:cSld>
     <p:spTree>
       <p:nvGrpSpPr>
-        <p:cNvPr id="84" name="Shape 84"/>
+        <p:cNvPr id="98" name="Shape 98"/>
         <p:cNvGrpSpPr/>
         <p:nvPr/>
       </p:nvGrpSpPr>
@@ -1329,7 +1328,7 @@
       </p:grpSpPr>
       <p:sp>
         <p:nvSpPr>
-          <p:cNvPr id="85" name="Google Shape;85;g366d9295c0f_0_3:notes"/>
+          <p:cNvPr id="99" name="Google Shape;99;g366d9295c0f_0_16:notes"/>
           <p:cNvSpPr/>
           <p:nvPr>
             <p:ph idx="2" type="sldImg"/>
@@ -1364,7 +1363,7 @@
       </p:sp>
       <p:sp>
         <p:nvSpPr>
-          <p:cNvPr id="86" name="Google Shape;86;g366d9295c0f_0_3:notes"/>
+          <p:cNvPr id="100" name="Google Shape;100;g366d9295c0f_0_16:notes"/>
           <p:cNvSpPr txBox="1"/>
           <p:nvPr>
             <p:ph idx="1" type="body"/>
@@ -1409,12 +1408,12 @@
 </p:notes>
 </file>
 
-<file path=ppt/notesSlides/notesSlide7.xml><?xml version="1.0" encoding="utf-8"?>
+<file path=ppt/notesSlides/notesSlide8.xml><?xml version="1.0" encoding="utf-8"?>
 <p:notes xmlns:a="http://schemas.openxmlformats.org/drawingml/2006/main" xmlns:r="http://schemas.openxmlformats.org/officeDocument/2006/relationships" xmlns:mc="http://schemas.openxmlformats.org/markup-compatibility/2006" xmlns:mv="urn:schemas-microsoft-com:mac:vml" xmlns:p="http://schemas.openxmlformats.org/presentationml/2006/main" xmlns:c="http://schemas.openxmlformats.org/drawingml/2006/chart" xmlns:dgm="http://schemas.openxmlformats.org/drawingml/2006/diagram" xmlns:o="urn:schemas-microsoft-com:office:office" xmlns:v="urn:schemas-microsoft-com:vml" xmlns:pvml="urn:schemas-microsoft-com:office:powerpoint" xmlns:com="http://schemas.openxmlformats.org/drawingml/2006/compatibility" xmlns:p14="http://schemas.microsoft.com/office/powerpoint/2010/main" xmlns:p15="http://schemas.microsoft.com/office/powerpoint/2012/main" xmlns:ahyp="http://schemas.microsoft.com/office/drawing/2018/hyperlinkcolor" showMasterPhAnim="0" showMasterSp="0">
   <p:cSld>
     <p:spTree>
       <p:nvGrpSpPr>
-        <p:cNvPr id="92" name="Shape 92"/>
+        <p:cNvPr id="107" name="Shape 107"/>
         <p:cNvGrpSpPr/>
         <p:nvPr/>
       </p:nvGrpSpPr>
@@ -1428,7 +1427,7 @@
       </p:grpSpPr>
       <p:sp>
         <p:nvSpPr>
-          <p:cNvPr id="93" name="Google Shape;93;g366d9295c0f_0_16:notes"/>
+          <p:cNvPr id="108" name="Google Shape;108;g366d9295c0f_0_26:notes"/>
           <p:cNvSpPr/>
           <p:nvPr>
             <p:ph idx="2" type="sldImg"/>
@@ -1463,7 +1462,7 @@
       </p:sp>
       <p:sp>
         <p:nvSpPr>
-          <p:cNvPr id="94" name="Google Shape;94;g366d9295c0f_0_16:notes"/>
+          <p:cNvPr id="109" name="Google Shape;109;g366d9295c0f_0_26:notes"/>
           <p:cNvSpPr txBox="1"/>
           <p:nvPr>
             <p:ph idx="1" type="body"/>
@@ -1508,12 +1507,12 @@
 </p:notes>
 </file>
 
-<file path=ppt/notesSlides/notesSlide8.xml><?xml version="1.0" encoding="utf-8"?>
+<file path=ppt/notesSlides/notesSlide9.xml><?xml version="1.0" encoding="utf-8"?>
 <p:notes xmlns:a="http://schemas.openxmlformats.org/drawingml/2006/main" xmlns:r="http://schemas.openxmlformats.org/officeDocument/2006/relationships" xmlns:mc="http://schemas.openxmlformats.org/markup-compatibility/2006" xmlns:mv="urn:schemas-microsoft-com:mac:vml" xmlns:p="http://schemas.openxmlformats.org/presentationml/2006/main" xmlns:c="http://schemas.openxmlformats.org/drawingml/2006/chart" xmlns:dgm="http://schemas.openxmlformats.org/drawingml/2006/diagram" xmlns:o="urn:schemas-microsoft-com:office:office" xmlns:v="urn:schemas-microsoft-com:vml" xmlns:pvml="urn:schemas-microsoft-com:office:powerpoint" xmlns:com="http://schemas.openxmlformats.org/drawingml/2006/compatibility" xmlns:p14="http://schemas.microsoft.com/office/powerpoint/2010/main" xmlns:p15="http://schemas.microsoft.com/office/powerpoint/2012/main" xmlns:ahyp="http://schemas.microsoft.com/office/drawing/2018/hyperlinkcolor" showMasterPhAnim="0" showMasterSp="0">
   <p:cSld>
     <p:spTree>
       <p:nvGrpSpPr>
-        <p:cNvPr id="99" name="Shape 99"/>
+        <p:cNvPr id="115" name="Shape 115"/>
         <p:cNvGrpSpPr/>
         <p:nvPr/>
       </p:nvGrpSpPr>
@@ -1527,7 +1526,7 @@
       </p:grpSpPr>
       <p:sp>
         <p:nvSpPr>
-          <p:cNvPr id="100" name="Google Shape;100;g366d9295c0f_0_26:notes"/>
+          <p:cNvPr id="116" name="Google Shape;116;g366d9295c0f_0_31:notes"/>
           <p:cNvSpPr/>
           <p:nvPr>
             <p:ph idx="2" type="sldImg"/>
@@ -1562,106 +1561,7 @@
       </p:sp>
       <p:sp>
         <p:nvSpPr>
-          <p:cNvPr id="101" name="Google Shape;101;g366d9295c0f_0_26:notes"/>
-          <p:cNvSpPr txBox="1"/>
-          <p:nvPr>
-            <p:ph idx="1" type="body"/>
-          </p:nvPr>
-        </p:nvSpPr>
-        <p:spPr>
-          <a:xfrm>
-            <a:off x="685800" y="4343400"/>
-            <a:ext cx="5486400" cy="4114800"/>
-          </a:xfrm>
-          <a:prstGeom prst="rect">
-            <a:avLst/>
-          </a:prstGeom>
-        </p:spPr>
-        <p:txBody>
-          <a:bodyPr anchorCtr="0" anchor="t" bIns="91425" lIns="91425" spcFirstLastPara="1" rIns="91425" wrap="square" tIns="91425">
-            <a:noAutofit/>
-          </a:bodyPr>
-          <a:lstStyle/>
-          <a:p>
-            <a:pPr indent="0" lvl="0" marL="0" rtl="0" algn="l">
-              <a:spcBef>
-                <a:spcPts val="0"/>
-              </a:spcBef>
-              <a:spcAft>
-                <a:spcPts val="0"/>
-              </a:spcAft>
-              <a:buNone/>
-            </a:pPr>
-            <a:r>
-              <a:t/>
-            </a:r>
-            <a:endParaRPr/>
-          </a:p>
-        </p:txBody>
-      </p:sp>
-    </p:spTree>
-  </p:cSld>
-  <p:clrMapOvr>
-    <a:masterClrMapping/>
-  </p:clrMapOvr>
-</p:notes>
-</file>
-
-<file path=ppt/notesSlides/notesSlide9.xml><?xml version="1.0" encoding="utf-8"?>
-<p:notes xmlns:a="http://schemas.openxmlformats.org/drawingml/2006/main" xmlns:r="http://schemas.openxmlformats.org/officeDocument/2006/relationships" xmlns:mc="http://schemas.openxmlformats.org/markup-compatibility/2006" xmlns:mv="urn:schemas-microsoft-com:mac:vml" xmlns:p="http://schemas.openxmlformats.org/presentationml/2006/main" xmlns:c="http://schemas.openxmlformats.org/drawingml/2006/chart" xmlns:dgm="http://schemas.openxmlformats.org/drawingml/2006/diagram" xmlns:o="urn:schemas-microsoft-com:office:office" xmlns:v="urn:schemas-microsoft-com:vml" xmlns:pvml="urn:schemas-microsoft-com:office:powerpoint" xmlns:com="http://schemas.openxmlformats.org/drawingml/2006/compatibility" xmlns:p14="http://schemas.microsoft.com/office/powerpoint/2010/main" xmlns:p15="http://schemas.microsoft.com/office/powerpoint/2012/main" xmlns:ahyp="http://schemas.microsoft.com/office/drawing/2018/hyperlinkcolor" showMasterPhAnim="0" showMasterSp="0">
-  <p:cSld>
-    <p:spTree>
-      <p:nvGrpSpPr>
-        <p:cNvPr id="106" name="Shape 106"/>
-        <p:cNvGrpSpPr/>
-        <p:nvPr/>
-      </p:nvGrpSpPr>
-      <p:grpSpPr>
-        <a:xfrm>
-          <a:off x="0" y="0"/>
-          <a:ext cx="0" cy="0"/>
-          <a:chOff x="0" y="0"/>
-          <a:chExt cx="0" cy="0"/>
-        </a:xfrm>
-      </p:grpSpPr>
-      <p:sp>
-        <p:nvSpPr>
-          <p:cNvPr id="107" name="Google Shape;107;g366d9295c0f_0_31:notes"/>
-          <p:cNvSpPr/>
-          <p:nvPr>
-            <p:ph idx="2" type="sldImg"/>
-          </p:nvPr>
-        </p:nvSpPr>
-        <p:spPr>
-          <a:xfrm>
-            <a:off x="381300" y="685800"/>
-            <a:ext cx="6096000" cy="3429000"/>
-          </a:xfrm>
-          <a:custGeom>
-            <a:rect b="b" l="l" r="r" t="t"/>
-            <a:pathLst>
-              <a:path extrusionOk="0" h="120000" w="120000">
-                <a:moveTo>
-                  <a:pt x="0" y="0"/>
-                </a:moveTo>
-                <a:lnTo>
-                  <a:pt x="120000" y="0"/>
-                </a:lnTo>
-                <a:lnTo>
-                  <a:pt x="120000" y="120000"/>
-                </a:lnTo>
-                <a:lnTo>
-                  <a:pt x="0" y="120000"/>
-                </a:lnTo>
-                <a:close/>
-              </a:path>
-            </a:pathLst>
-          </a:custGeom>
-        </p:spPr>
-      </p:sp>
-      <p:sp>
-        <p:nvSpPr>
-          <p:cNvPr id="108" name="Google Shape;108;g366d9295c0f_0_31:notes"/>
+          <p:cNvPr id="117" name="Google Shape;117;g366d9295c0f_0_31:notes"/>
           <p:cNvSpPr txBox="1"/>
           <p:nvPr>
             <p:ph idx="1" type="body"/>
@@ -6389,8 +6289,8 @@
         </p:nvSpPr>
         <p:spPr>
           <a:xfrm>
-            <a:off x="247325" y="841800"/>
-            <a:ext cx="8520600" cy="1789200"/>
+            <a:off x="236650" y="860425"/>
+            <a:ext cx="8520600" cy="708900"/>
           </a:xfrm>
           <a:prstGeom prst="rect">
             <a:avLst/>
@@ -6402,7 +6302,7 @@
           </a:bodyPr>
           <a:lstStyle/>
           <a:p>
-            <a:pPr indent="457200" lvl="0" marL="2286000" rtl="0" algn="l">
+            <a:pPr indent="0" lvl="0" marL="0" rtl="0" algn="ctr">
               <a:spcBef>
                 <a:spcPts val="0"/>
               </a:spcBef>
@@ -6413,7 +6313,7 @@
               <a:buNone/>
             </a:pPr>
             <a:r>
-              <a:rPr lang="es" sz="4111">
+              <a:rPr lang="es" sz="2711">
                 <a:solidFill>
                   <a:schemeClr val="lt1"/>
                 </a:solidFill>
@@ -6422,42 +6322,9 @@
                 <a:cs typeface="Open Sans ExtraBold"/>
                 <a:sym typeface="Open Sans ExtraBold"/>
               </a:rPr>
-              <a:t>Hábitos vs. </a:t>
-            </a:r>
-            <a:endParaRPr sz="4111">
-              <a:solidFill>
-                <a:schemeClr val="lt1"/>
-              </a:solidFill>
-              <a:latin typeface="Open Sans ExtraBold"/>
-              <a:ea typeface="Open Sans ExtraBold"/>
-              <a:cs typeface="Open Sans ExtraBold"/>
-              <a:sym typeface="Open Sans ExtraBold"/>
-            </a:endParaRPr>
-          </a:p>
-          <a:p>
-            <a:pPr indent="0" lvl="0" marL="0" rtl="0" algn="ctr">
-              <a:spcBef>
-                <a:spcPts val="0"/>
-              </a:spcBef>
-              <a:spcAft>
-                <a:spcPts val="0"/>
-              </a:spcAft>
-              <a:buSzPts val="990"/>
-              <a:buNone/>
-            </a:pPr>
-            <a:r>
-              <a:rPr lang="es" sz="4111">
-                <a:solidFill>
-                  <a:schemeClr val="lt1"/>
-                </a:solidFill>
-                <a:latin typeface="Open Sans ExtraBold"/>
-                <a:ea typeface="Open Sans ExtraBold"/>
-                <a:cs typeface="Open Sans ExtraBold"/>
-                <a:sym typeface="Open Sans ExtraBold"/>
-              </a:rPr>
-              <a:t>Rendimiento académico </a:t>
-            </a:r>
-            <a:endParaRPr sz="4111">
+              <a:t>Hábitos vs. Rendimiento académico </a:t>
+            </a:r>
+            <a:endParaRPr sz="2711">
               <a:solidFill>
                 <a:schemeClr val="lt1"/>
               </a:solidFill>
@@ -6479,8 +6346,8 @@
         </p:nvSpPr>
         <p:spPr>
           <a:xfrm>
-            <a:off x="311700" y="2515125"/>
-            <a:ext cx="8520600" cy="1737600"/>
+            <a:off x="311700" y="1668700"/>
+            <a:ext cx="8520600" cy="2273700"/>
           </a:xfrm>
           <a:prstGeom prst="rect">
             <a:avLst/>
@@ -6503,7 +6370,7 @@
               <a:buNone/>
             </a:pPr>
             <a:r>
-              <a:rPr lang="es" sz="2460">
+              <a:rPr lang="es" sz="2700">
                 <a:solidFill>
                   <a:schemeClr val="lt1"/>
                 </a:solidFill>
@@ -6512,9 +6379,9 @@
                 <a:cs typeface="Open Sans"/>
                 <a:sym typeface="Open Sans"/>
               </a:rPr>
-              <a:t>¿Qué impacto tienen los hábitos en el resultado de los exámenes?</a:t>
-            </a:r>
-            <a:endParaRPr sz="2460">
+              <a:t>¿Qué impacto tienen los </a:t>
+            </a:r>
+            <a:endParaRPr sz="2700">
               <a:solidFill>
                 <a:schemeClr val="lt1"/>
               </a:solidFill>
@@ -6536,9 +6403,30 @@
               <a:buNone/>
             </a:pPr>
             <a:r>
-              <a:t/>
-            </a:r>
-            <a:endParaRPr sz="1560">
+              <a:rPr lang="es" sz="2700">
+                <a:solidFill>
+                  <a:schemeClr val="lt1"/>
+                </a:solidFill>
+                <a:latin typeface="Open Sans"/>
+                <a:ea typeface="Open Sans"/>
+                <a:cs typeface="Open Sans"/>
+                <a:sym typeface="Open Sans"/>
+              </a:rPr>
+              <a:t>📖💪H</a:t>
+            </a:r>
+            <a:r>
+              <a:rPr lang="es" sz="2700">
+                <a:solidFill>
+                  <a:schemeClr val="lt1"/>
+                </a:solidFill>
+                <a:latin typeface="Open Sans"/>
+                <a:ea typeface="Open Sans"/>
+                <a:cs typeface="Open Sans"/>
+                <a:sym typeface="Open Sans"/>
+              </a:rPr>
+              <a:t>ábitos 🥬💤 en el</a:t>
+            </a:r>
+            <a:endParaRPr sz="2700">
               <a:solidFill>
                 <a:schemeClr val="lt1"/>
               </a:solidFill>
@@ -6549,7 +6437,7 @@
             </a:endParaRPr>
           </a:p>
           <a:p>
-            <a:pPr indent="0" lvl="0" marL="2286000" rtl="0" algn="l">
+            <a:pPr indent="0" lvl="0" marL="0" rtl="0" algn="ctr">
               <a:spcBef>
                 <a:spcPts val="0"/>
               </a:spcBef>
@@ -6560,7 +6448,7 @@
               <a:buNone/>
             </a:pPr>
             <a:r>
-              <a:rPr b="1" lang="es" sz="2060">
+              <a:rPr lang="es" sz="2700">
                 <a:solidFill>
                   <a:schemeClr val="lt1"/>
                 </a:solidFill>
@@ -6569,10 +6457,22 @@
                 <a:cs typeface="Open Sans"/>
                 <a:sym typeface="Open Sans"/>
               </a:rPr>
-              <a:t>Autora:</a:t>
-            </a:r>
-            <a:r>
-              <a:rPr lang="es" sz="2060">
+              <a:t> </a:t>
+            </a:r>
+            <a:r>
+              <a:rPr lang="es" sz="2700">
+                <a:solidFill>
+                  <a:schemeClr val="lt1"/>
+                </a:solidFill>
+                <a:latin typeface="Open Sans ExtraBold"/>
+                <a:ea typeface="Open Sans ExtraBold"/>
+                <a:cs typeface="Open Sans ExtraBold"/>
+                <a:sym typeface="Open Sans ExtraBold"/>
+              </a:rPr>
+              <a:t>👩‍🎓</a:t>
+            </a:r>
+            <a:r>
+              <a:rPr lang="es" sz="2700">
                 <a:solidFill>
                   <a:schemeClr val="lt1"/>
                 </a:solidFill>
@@ -6581,9 +6481,45 @@
                 <a:cs typeface="Open Sans"/>
                 <a:sym typeface="Open Sans"/>
               </a:rPr>
-              <a:t> Agustina Di Pinto</a:t>
-            </a:r>
-            <a:endParaRPr sz="2060">
+              <a:t>R</a:t>
+            </a:r>
+            <a:r>
+              <a:rPr lang="es" sz="2700">
+                <a:solidFill>
+                  <a:schemeClr val="lt1"/>
+                </a:solidFill>
+                <a:latin typeface="Open Sans"/>
+                <a:ea typeface="Open Sans"/>
+                <a:cs typeface="Open Sans"/>
+                <a:sym typeface="Open Sans"/>
+              </a:rPr>
+              <a:t>esultado Académico</a:t>
+            </a:r>
+            <a:r>
+              <a:rPr lang="es" sz="2700">
+                <a:solidFill>
+                  <a:schemeClr val="lt1"/>
+                </a:solidFill>
+                <a:latin typeface="Open Sans ExtraBold"/>
+                <a:ea typeface="Open Sans ExtraBold"/>
+                <a:cs typeface="Open Sans ExtraBold"/>
+                <a:sym typeface="Open Sans ExtraBold"/>
+              </a:rPr>
+              <a:t>👩‍🎓</a:t>
+            </a:r>
+            <a:r>
+              <a:rPr lang="es" sz="2700">
+                <a:solidFill>
+                  <a:schemeClr val="lt1"/>
+                </a:solidFill>
+                <a:latin typeface="Open Sans"/>
+                <a:ea typeface="Open Sans"/>
+                <a:cs typeface="Open Sans"/>
+                <a:sym typeface="Open Sans"/>
+              </a:rPr>
+              <a:t>?</a:t>
+            </a:r>
+            <a:endParaRPr sz="2700">
               <a:solidFill>
                 <a:schemeClr val="lt1"/>
               </a:solidFill>
@@ -6595,51 +6531,28 @@
           </a:p>
         </p:txBody>
       </p:sp>
-    </p:spTree>
-  </p:cSld>
-  <p:clrMapOvr>
-    <a:masterClrMapping/>
-  </p:clrMapOvr>
-</p:sld>
-</file>
-
-<file path=ppt/slides/slide10.xml><?xml version="1.0" encoding="utf-8"?>
-<p:sld xmlns:a="http://schemas.openxmlformats.org/drawingml/2006/main" xmlns:r="http://schemas.openxmlformats.org/officeDocument/2006/relationships" xmlns:mc="http://schemas.openxmlformats.org/markup-compatibility/2006" xmlns:mv="urn:schemas-microsoft-com:mac:vml" xmlns:p="http://schemas.openxmlformats.org/presentationml/2006/main" xmlns:c="http://schemas.openxmlformats.org/drawingml/2006/chart" xmlns:dgm="http://schemas.openxmlformats.org/drawingml/2006/diagram" xmlns:o="urn:schemas-microsoft-com:office:office" xmlns:v="urn:schemas-microsoft-com:vml" xmlns:pvml="urn:schemas-microsoft-com:office:powerpoint" xmlns:com="http://schemas.openxmlformats.org/drawingml/2006/compatibility" xmlns:p14="http://schemas.microsoft.com/office/powerpoint/2010/main" xmlns:p15="http://schemas.microsoft.com/office/powerpoint/2012/main" xmlns:ahyp="http://schemas.microsoft.com/office/drawing/2018/hyperlinkcolor">
-  <p:cSld>
-    <p:spTree>
-      <p:nvGrpSpPr>
-        <p:cNvPr id="116" name="Shape 116"/>
-        <p:cNvGrpSpPr/>
-        <p:nvPr/>
-      </p:nvGrpSpPr>
-      <p:grpSpPr>
-        <a:xfrm>
-          <a:off x="0" y="0"/>
-          <a:ext cx="0" cy="0"/>
-          <a:chOff x="0" y="0"/>
-          <a:chExt cx="0" cy="0"/>
-        </a:xfrm>
-      </p:grpSpPr>
       <p:sp>
         <p:nvSpPr>
-          <p:cNvPr id="117" name="Google Shape;117;p22"/>
+          <p:cNvPr id="56" name="Google Shape;56;p13"/>
           <p:cNvSpPr txBox="1"/>
-          <p:nvPr>
-            <p:ph type="title"/>
-          </p:nvPr>
+          <p:nvPr/>
         </p:nvSpPr>
         <p:spPr>
           <a:xfrm>
-            <a:off x="311700" y="445025"/>
-            <a:ext cx="8520600" cy="572700"/>
+            <a:off x="506825" y="4041775"/>
+            <a:ext cx="4982400" cy="354300"/>
           </a:xfrm>
           <a:prstGeom prst="rect">
             <a:avLst/>
           </a:prstGeom>
+          <a:noFill/>
+          <a:ln>
+            <a:noFill/>
+          </a:ln>
         </p:spPr>
         <p:txBody>
           <a:bodyPr anchorCtr="0" anchor="t" bIns="91425" lIns="91425" spcFirstLastPara="1" rIns="91425" wrap="square" tIns="91425">
-            <a:normAutofit fontScale="90000"/>
+            <a:noAutofit/>
           </a:bodyPr>
           <a:lstStyle/>
           <a:p>
@@ -6653,48 +6566,38 @@
               <a:buNone/>
             </a:pPr>
             <a:r>
-              <a:t/>
-            </a:r>
-            <a:endParaRPr/>
-          </a:p>
-        </p:txBody>
-      </p:sp>
-      <p:sp>
-        <p:nvSpPr>
-          <p:cNvPr id="118" name="Google Shape;118;p22"/>
-          <p:cNvSpPr txBox="1"/>
-          <p:nvPr>
-            <p:ph idx="1" type="body"/>
-          </p:nvPr>
-        </p:nvSpPr>
-        <p:spPr>
-          <a:xfrm>
-            <a:off x="311700" y="1152475"/>
-            <a:ext cx="8520600" cy="3416400"/>
-          </a:xfrm>
-          <a:prstGeom prst="rect">
-            <a:avLst/>
-          </a:prstGeom>
-        </p:spPr>
-        <p:txBody>
-          <a:bodyPr anchorCtr="0" anchor="t" bIns="91425" lIns="91425" spcFirstLastPara="1" rIns="91425" wrap="square" tIns="91425">
-            <a:normAutofit/>
-          </a:bodyPr>
-          <a:lstStyle/>
-          <a:p>
-            <a:pPr indent="0" lvl="0" marL="0" rtl="0" algn="l">
-              <a:spcBef>
-                <a:spcPts val="0"/>
-              </a:spcBef>
-              <a:spcAft>
-                <a:spcPts val="1200"/>
-              </a:spcAft>
-              <a:buNone/>
-            </a:pPr>
-            <a:r>
-              <a:t/>
-            </a:r>
-            <a:endParaRPr/>
+              <a:rPr lang="es" sz="1911">
+                <a:solidFill>
+                  <a:schemeClr val="lt1"/>
+                </a:solidFill>
+                <a:latin typeface="Open Sans ExtraBold"/>
+                <a:ea typeface="Open Sans ExtraBold"/>
+                <a:cs typeface="Open Sans ExtraBold"/>
+                <a:sym typeface="Open Sans ExtraBold"/>
+              </a:rPr>
+              <a:t>AUTOR:</a:t>
+            </a:r>
+            <a:r>
+              <a:rPr lang="es" sz="1911">
+                <a:solidFill>
+                  <a:schemeClr val="lt1"/>
+                </a:solidFill>
+                <a:latin typeface="Open Sans"/>
+                <a:ea typeface="Open Sans"/>
+                <a:cs typeface="Open Sans"/>
+                <a:sym typeface="Open Sans"/>
+              </a:rPr>
+              <a:t> Agustina Di Pinto</a:t>
+            </a:r>
+            <a:endParaRPr sz="1911">
+              <a:solidFill>
+                <a:schemeClr val="lt1"/>
+              </a:solidFill>
+              <a:latin typeface="Open Sans"/>
+              <a:ea typeface="Open Sans"/>
+              <a:cs typeface="Open Sans"/>
+              <a:sym typeface="Open Sans"/>
+            </a:endParaRPr>
           </a:p>
         </p:txBody>
       </p:sp>
@@ -6718,7 +6621,7 @@
     </p:bg>
     <p:spTree>
       <p:nvGrpSpPr>
-        <p:cNvPr id="59" name="Shape 59"/>
+        <p:cNvPr id="60" name="Shape 60"/>
         <p:cNvGrpSpPr/>
         <p:nvPr/>
       </p:nvGrpSpPr>
@@ -6732,7 +6635,7 @@
       </p:grpSpPr>
       <p:pic>
         <p:nvPicPr>
-          <p:cNvPr descr="Woman is studying financial business documents at her desk (proporcionado por Getty Images)" id="60" name="Google Shape;60;p14"/>
+          <p:cNvPr descr="Woman is studying financial business documents at her desk (proporcionado por Getty Images)" id="61" name="Google Shape;61;p14"/>
           <p:cNvPicPr preferRelativeResize="0"/>
           <p:nvPr/>
         </p:nvPicPr>
@@ -6759,7 +6662,7 @@
       </p:pic>
       <p:sp>
         <p:nvSpPr>
-          <p:cNvPr id="61" name="Google Shape;61;p14"/>
+          <p:cNvPr id="62" name="Google Shape;62;p14"/>
           <p:cNvSpPr txBox="1"/>
           <p:nvPr>
             <p:ph type="title"/>
@@ -6791,7 +6694,7 @@
               <a:buNone/>
             </a:pPr>
             <a:r>
-              <a:rPr lang="es" sz="2420">
+              <a:rPr lang="es" sz="2020">
                 <a:solidFill>
                   <a:schemeClr val="lt1"/>
                 </a:solidFill>
@@ -6800,9 +6703,9 @@
                 <a:cs typeface="Open Sans ExtraBold"/>
                 <a:sym typeface="Open Sans ExtraBold"/>
               </a:rPr>
-              <a:t>Agenda</a:t>
-            </a:r>
-            <a:endParaRPr sz="2420">
+              <a:t>Índice</a:t>
+            </a:r>
+            <a:endParaRPr sz="2020">
               <a:solidFill>
                 <a:schemeClr val="lt1"/>
               </a:solidFill>
@@ -6816,7 +6719,7 @@
       </p:sp>
       <p:sp>
         <p:nvSpPr>
-          <p:cNvPr id="62" name="Google Shape;62;p14"/>
+          <p:cNvPr id="63" name="Google Shape;63;p14"/>
           <p:cNvSpPr txBox="1"/>
           <p:nvPr>
             <p:ph idx="1" type="body"/>
@@ -6833,13 +6736,13 @@
         </p:spPr>
         <p:txBody>
           <a:bodyPr anchorCtr="0" anchor="t" bIns="91425" lIns="91425" spcFirstLastPara="1" rIns="91425" wrap="square" tIns="91425">
-            <a:normAutofit lnSpcReduction="10000"/>
+            <a:normAutofit/>
           </a:bodyPr>
           <a:lstStyle/>
           <a:p>
-            <a:pPr indent="-342900" lvl="0" marL="457200" rtl="0" algn="l">
+            <a:pPr indent="-330200" lvl="0" marL="457200" rtl="0" algn="l">
               <a:lnSpc>
-                <a:spcPct val="150000"/>
+                <a:spcPct val="140000"/>
               </a:lnSpc>
               <a:spcBef>
                 <a:spcPts val="0"/>
@@ -6850,12 +6753,12 @@
               <a:buClr>
                 <a:schemeClr val="lt1"/>
               </a:buClr>
-              <a:buSzPts val="1800"/>
+              <a:buSzPts val="1600"/>
               <a:buFont typeface="Open Sans Light"/>
               <a:buAutoNum type="arabicPeriod"/>
             </a:pPr>
             <a:r>
-              <a:rPr lang="es">
+              <a:rPr lang="es" sz="1600">
                 <a:solidFill>
                   <a:schemeClr val="lt1"/>
                 </a:solidFill>
@@ -6864,9 +6767,9 @@
                 <a:cs typeface="Open Sans Light"/>
                 <a:sym typeface="Open Sans Light"/>
               </a:rPr>
-              <a:t>Introducción</a:t>
-            </a:r>
-            <a:endParaRPr>
+              <a:t>Motivación y audiencia</a:t>
+            </a:r>
+            <a:endParaRPr sz="1600">
               <a:solidFill>
                 <a:schemeClr val="lt1"/>
               </a:solidFill>
@@ -6877,9 +6780,9 @@
             </a:endParaRPr>
           </a:p>
           <a:p>
-            <a:pPr indent="-342900" lvl="0" marL="457200" rtl="0" algn="l">
+            <a:pPr indent="-330200" lvl="0" marL="457200" rtl="0" algn="l">
               <a:lnSpc>
-                <a:spcPct val="150000"/>
+                <a:spcPct val="140000"/>
               </a:lnSpc>
               <a:spcBef>
                 <a:spcPts val="0"/>
@@ -6890,12 +6793,12 @@
               <a:buClr>
                 <a:schemeClr val="lt1"/>
               </a:buClr>
-              <a:buSzPts val="1800"/>
+              <a:buSzPts val="1600"/>
               <a:buFont typeface="Open Sans Light"/>
               <a:buAutoNum type="arabicPeriod"/>
             </a:pPr>
             <a:r>
-              <a:rPr lang="es">
+              <a:rPr lang="es" sz="1600">
                 <a:solidFill>
                   <a:schemeClr val="lt1"/>
                 </a:solidFill>
@@ -6906,7 +6809,7 @@
               </a:rPr>
               <a:t>Hipótesis y preguntas de interés</a:t>
             </a:r>
-            <a:endParaRPr>
+            <a:endParaRPr sz="1600">
               <a:solidFill>
                 <a:schemeClr val="lt1"/>
               </a:solidFill>
@@ -6917,9 +6820,9 @@
             </a:endParaRPr>
           </a:p>
           <a:p>
-            <a:pPr indent="-342900" lvl="0" marL="457200" rtl="0" algn="l">
+            <a:pPr indent="-330200" lvl="0" marL="457200" rtl="0" algn="l">
               <a:lnSpc>
-                <a:spcPct val="150000"/>
+                <a:spcPct val="140000"/>
               </a:lnSpc>
               <a:spcBef>
                 <a:spcPts val="0"/>
@@ -6930,12 +6833,12 @@
               <a:buClr>
                 <a:schemeClr val="lt1"/>
               </a:buClr>
-              <a:buSzPts val="1800"/>
+              <a:buSzPts val="1600"/>
               <a:buFont typeface="Open Sans Light"/>
               <a:buAutoNum type="arabicPeriod"/>
             </a:pPr>
             <a:r>
-              <a:rPr lang="es">
+              <a:rPr lang="es" sz="1600">
                 <a:solidFill>
                   <a:schemeClr val="lt1"/>
                 </a:solidFill>
@@ -6944,9 +6847,9 @@
                 <a:cs typeface="Open Sans Light"/>
                 <a:sym typeface="Open Sans Light"/>
               </a:rPr>
-              <a:t>Resumen Dataset</a:t>
-            </a:r>
-            <a:endParaRPr>
+              <a:t>Resumen Metadata</a:t>
+            </a:r>
+            <a:endParaRPr sz="1600">
               <a:solidFill>
                 <a:schemeClr val="lt1"/>
               </a:solidFill>
@@ -6957,9 +6860,9 @@
             </a:endParaRPr>
           </a:p>
           <a:p>
-            <a:pPr indent="-342900" lvl="0" marL="457200" rtl="0" algn="l">
+            <a:pPr indent="-330200" lvl="0" marL="457200" rtl="0" algn="l">
               <a:lnSpc>
-                <a:spcPct val="150000"/>
+                <a:spcPct val="140000"/>
               </a:lnSpc>
               <a:spcBef>
                 <a:spcPts val="0"/>
@@ -6970,12 +6873,12 @@
               <a:buClr>
                 <a:schemeClr val="lt1"/>
               </a:buClr>
-              <a:buSzPts val="1800"/>
+              <a:buSzPts val="1600"/>
               <a:buFont typeface="Open Sans Light"/>
               <a:buAutoNum type="arabicPeriod"/>
             </a:pPr>
             <a:r>
-              <a:rPr lang="es">
+              <a:rPr lang="es" sz="1600">
                 <a:solidFill>
                   <a:schemeClr val="lt1"/>
                 </a:solidFill>
@@ -6986,7 +6889,7 @@
               </a:rPr>
               <a:t>Análisis Exploratorio de Datos</a:t>
             </a:r>
-            <a:endParaRPr>
+            <a:endParaRPr sz="1600">
               <a:solidFill>
                 <a:schemeClr val="lt1"/>
               </a:solidFill>
@@ -6997,9 +6900,9 @@
             </a:endParaRPr>
           </a:p>
           <a:p>
-            <a:pPr indent="-342900" lvl="0" marL="457200" rtl="0" algn="l">
+            <a:pPr indent="-330200" lvl="0" marL="457200" rtl="0" algn="l">
               <a:lnSpc>
-                <a:spcPct val="150000"/>
+                <a:spcPct val="140000"/>
               </a:lnSpc>
               <a:spcBef>
                 <a:spcPts val="0"/>
@@ -7010,12 +6913,12 @@
               <a:buClr>
                 <a:schemeClr val="lt1"/>
               </a:buClr>
-              <a:buSzPts val="1800"/>
+              <a:buSzPts val="1600"/>
               <a:buFont typeface="Open Sans Light"/>
               <a:buAutoNum type="arabicPeriod"/>
             </a:pPr>
             <a:r>
-              <a:rPr lang="es">
+              <a:rPr lang="es" sz="1600">
                 <a:solidFill>
                   <a:schemeClr val="lt1"/>
                 </a:solidFill>
@@ -7026,7 +6929,7 @@
               </a:rPr>
               <a:t>Insights</a:t>
             </a:r>
-            <a:endParaRPr>
+            <a:endParaRPr sz="1600">
               <a:solidFill>
                 <a:schemeClr val="lt1"/>
               </a:solidFill>
@@ -7058,7 +6961,7 @@
     </p:bg>
     <p:spTree>
       <p:nvGrpSpPr>
-        <p:cNvPr id="66" name="Shape 66"/>
+        <p:cNvPr id="67" name="Shape 67"/>
         <p:cNvGrpSpPr/>
         <p:nvPr/>
       </p:nvGrpSpPr>
@@ -7072,7 +6975,7 @@
       </p:grpSpPr>
       <p:sp>
         <p:nvSpPr>
-          <p:cNvPr id="67" name="Google Shape;67;p15"/>
+          <p:cNvPr id="68" name="Google Shape;68;p15"/>
           <p:cNvSpPr txBox="1"/>
           <p:nvPr>
             <p:ph type="title"/>
@@ -7080,7 +6983,7 @@
         </p:nvSpPr>
         <p:spPr>
           <a:xfrm>
-            <a:off x="311700" y="445025"/>
+            <a:off x="311700" y="273200"/>
             <a:ext cx="8520600" cy="572700"/>
           </a:xfrm>
           <a:prstGeom prst="rect">
@@ -7104,7 +7007,7 @@
               <a:buNone/>
             </a:pPr>
             <a:r>
-              <a:rPr lang="es" sz="2420">
+              <a:rPr lang="es" sz="2020">
                 <a:solidFill>
                   <a:schemeClr val="lt1"/>
                 </a:solidFill>
@@ -7113,9 +7016,9 @@
                 <a:cs typeface="Open Sans ExtraBold"/>
                 <a:sym typeface="Open Sans ExtraBold"/>
               </a:rPr>
-              <a:t>Introducción</a:t>
-            </a:r>
-            <a:endParaRPr sz="2420">
+              <a:t>Motivación y Audiencia</a:t>
+            </a:r>
+            <a:endParaRPr sz="2020">
               <a:solidFill>
                 <a:schemeClr val="lt1"/>
               </a:solidFill>
@@ -7129,7 +7032,7 @@
       </p:sp>
       <p:sp>
         <p:nvSpPr>
-          <p:cNvPr id="68" name="Google Shape;68;p15"/>
+          <p:cNvPr id="69" name="Google Shape;69;p15"/>
           <p:cNvSpPr txBox="1"/>
           <p:nvPr>
             <p:ph idx="1" type="body"/>
@@ -7137,8 +7040,8 @@
         </p:nvSpPr>
         <p:spPr>
           <a:xfrm>
-            <a:off x="311700" y="1017725"/>
-            <a:ext cx="8520600" cy="3416400"/>
+            <a:off x="311700" y="897750"/>
+            <a:ext cx="8223600" cy="3833100"/>
           </a:xfrm>
           <a:prstGeom prst="rect">
             <a:avLst/>
@@ -7146,21 +7049,41 @@
         </p:spPr>
         <p:txBody>
           <a:bodyPr anchorCtr="0" anchor="t" bIns="91425" lIns="91425" spcFirstLastPara="1" rIns="91425" wrap="square" tIns="91425">
-            <a:normAutofit fontScale="25000" lnSpcReduction="20000"/>
+            <a:noAutofit/>
           </a:bodyPr>
           <a:lstStyle/>
           <a:p>
             <a:pPr indent="0" lvl="0" marL="0" rtl="0" algn="just">
-              <a:spcBef>
-                <a:spcPts val="0"/>
-              </a:spcBef>
-              <a:spcAft>
-                <a:spcPts val="0"/>
-              </a:spcAft>
+              <a:lnSpc>
+                <a:spcPct val="100000"/>
+              </a:lnSpc>
+              <a:spcBef>
+                <a:spcPts val="0"/>
+              </a:spcBef>
+              <a:spcAft>
+                <a:spcPts val="0"/>
+              </a:spcAft>
+              <a:buClr>
+                <a:schemeClr val="dk1"/>
+              </a:buClr>
+              <a:buSzPts val="852"/>
+              <a:buFont typeface="Arial"/>
               <a:buNone/>
             </a:pPr>
             <a:r>
-              <a:rPr lang="es" sz="4800">
+              <a:rPr b="1" lang="es" sz="1100">
+                <a:solidFill>
+                  <a:schemeClr val="lt1"/>
+                </a:solidFill>
+                <a:latin typeface="Open Sans"/>
+                <a:ea typeface="Open Sans"/>
+                <a:cs typeface="Open Sans"/>
+                <a:sym typeface="Open Sans"/>
+              </a:rPr>
+              <a:t>¿Te has preguntado alguna vez qué factores impulsan realmente el éxito académico?🎓</a:t>
+            </a:r>
+            <a:r>
+              <a:rPr lang="es" sz="1100">
                 <a:solidFill>
                   <a:schemeClr val="lt1"/>
                 </a:solidFill>
@@ -7169,104 +7092,9 @@
                 <a:cs typeface="Open Sans Light"/>
                 <a:sym typeface="Open Sans Light"/>
               </a:rPr>
-              <a:t>A </a:t>
-            </a:r>
-            <a:r>
-              <a:rPr lang="es" sz="4800">
-                <a:solidFill>
-                  <a:schemeClr val="lt1"/>
-                </a:solidFill>
-                <a:latin typeface="Open Sans Light"/>
-                <a:ea typeface="Open Sans Light"/>
-                <a:cs typeface="Open Sans Light"/>
-                <a:sym typeface="Open Sans Light"/>
-              </a:rPr>
-              <a:t>partir del </a:t>
-            </a:r>
-            <a:r>
-              <a:rPr lang="es" sz="4800" u="sng">
-                <a:solidFill>
-                  <a:schemeClr val="lt1"/>
-                </a:solidFill>
-                <a:latin typeface="Open Sans Light"/>
-                <a:ea typeface="Open Sans Light"/>
-                <a:cs typeface="Open Sans Light"/>
-                <a:sym typeface="Open Sans Light"/>
-                <a:hlinkClick r:id="rId3">
-                  <a:extLst>
-                    <a:ext uri="{A12FA001-AC4F-418D-AE19-62706E023703}">
-                      <ahyp:hlinkClr val="tx"/>
-                    </a:ext>
-                  </a:extLst>
-                </a:hlinkClick>
-              </a:rPr>
-              <a:t>Dataset</a:t>
-            </a:r>
-            <a:r>
-              <a:rPr lang="es" sz="4800">
-                <a:solidFill>
-                  <a:schemeClr val="lt1"/>
-                </a:solidFill>
-                <a:latin typeface="Open Sans Light"/>
-                <a:ea typeface="Open Sans Light"/>
-                <a:cs typeface="Open Sans Light"/>
-                <a:sym typeface="Open Sans Light"/>
-              </a:rPr>
-              <a:t> obtenido</a:t>
-            </a:r>
-            <a:r>
-              <a:rPr lang="es" sz="4800">
-                <a:solidFill>
-                  <a:schemeClr val="lt1"/>
-                </a:solidFill>
-                <a:latin typeface="Open Sans Light"/>
-                <a:ea typeface="Open Sans Light"/>
-                <a:cs typeface="Open Sans Light"/>
-                <a:sym typeface="Open Sans Light"/>
-              </a:rPr>
-              <a:t> en Kaggle se exploran y analizan 1000 registros sintéticos de estudiantes que contienen información sobre sus hábitos durante el cursado de una materia, y el consecuente resultado del exámen final. La información se encuentra asentada en las siguientes columnas: </a:t>
-            </a:r>
-            <a:endParaRPr sz="4800">
-              <a:solidFill>
-                <a:schemeClr val="lt1"/>
-              </a:solidFill>
-              <a:highlight>
-                <a:srgbClr val="1E1E1E"/>
-              </a:highlight>
-              <a:latin typeface="Open Sans Light"/>
-              <a:ea typeface="Open Sans Light"/>
-              <a:cs typeface="Open Sans Light"/>
-              <a:sym typeface="Open Sans Light"/>
-            </a:endParaRPr>
-          </a:p>
-          <a:p>
-            <a:pPr indent="-304800" lvl="0" marL="457200" rtl="0" algn="l">
-              <a:spcBef>
-                <a:spcPts val="1200"/>
-              </a:spcBef>
-              <a:spcAft>
-                <a:spcPts val="0"/>
-              </a:spcAft>
-              <a:buClr>
-                <a:schemeClr val="lt1"/>
-              </a:buClr>
-              <a:buSzPct val="100000"/>
-              <a:buFont typeface="Open Sans Light"/>
-              <a:buChar char="●"/>
-            </a:pPr>
-            <a:r>
-              <a:rPr lang="es" sz="4800">
-                <a:solidFill>
-                  <a:schemeClr val="lt1"/>
-                </a:solidFill>
-                <a:latin typeface="Open Sans Light"/>
-                <a:ea typeface="Open Sans Light"/>
-                <a:cs typeface="Open Sans Light"/>
-                <a:sym typeface="Open Sans Light"/>
-              </a:rPr>
-              <a:t>id del estudiante</a:t>
-            </a:r>
-            <a:endParaRPr sz="4800">
+              <a:t> </a:t>
+            </a:r>
+            <a:endParaRPr sz="1100">
               <a:solidFill>
                 <a:schemeClr val="lt1"/>
               </a:solidFill>
@@ -7277,22 +7105,25 @@
             </a:endParaRPr>
           </a:p>
           <a:p>
-            <a:pPr indent="-304800" lvl="0" marL="457200" rtl="0" algn="l">
-              <a:spcBef>
-                <a:spcPts val="0"/>
+            <a:pPr indent="0" lvl="0" marL="0" rtl="0" algn="just">
+              <a:lnSpc>
+                <a:spcPct val="100000"/>
+              </a:lnSpc>
+              <a:spcBef>
+                <a:spcPts val="1200"/>
               </a:spcBef>
               <a:spcAft>
                 <a:spcPts val="0"/>
               </a:spcAft>
               <a:buClr>
-                <a:schemeClr val="lt1"/>
+                <a:schemeClr val="dk1"/>
               </a:buClr>
-              <a:buSzPct val="100000"/>
-              <a:buFont typeface="Open Sans Light"/>
-              <a:buChar char="●"/>
+              <a:buSzPts val="852"/>
+              <a:buFont typeface="Arial"/>
+              <a:buNone/>
             </a:pPr>
             <a:r>
-              <a:rPr lang="es" sz="4800">
+              <a:rPr lang="es" sz="1100">
                 <a:solidFill>
                   <a:schemeClr val="lt1"/>
                 </a:solidFill>
@@ -7301,9 +7132,9 @@
                 <a:cs typeface="Open Sans Light"/>
                 <a:sym typeface="Open Sans Light"/>
               </a:rPr>
-              <a:t>edad del estudiante</a:t>
-            </a:r>
-            <a:endParaRPr sz="4800">
+              <a:t>En un mundo donde la educación es fundamental, comprender cómo los hábitos y el estilo de vida afectan al rendimiento estudiantil es más importante que nunca. Esta presentación surge de la necesidad de explorar la complejidad de la vida de los estudiantes para identificar patrones y relaciones fundamentales en el rendimiento académico.</a:t>
+            </a:r>
+            <a:endParaRPr sz="1100">
               <a:solidFill>
                 <a:schemeClr val="lt1"/>
               </a:solidFill>
@@ -7314,33 +7145,27 @@
             </a:endParaRPr>
           </a:p>
           <a:p>
-            <a:pPr indent="-304800" lvl="0" marL="457200" rtl="0" algn="l">
-              <a:spcBef>
-                <a:spcPts val="0"/>
+            <a:pPr indent="0" lvl="0" marL="0" rtl="0" algn="just">
+              <a:lnSpc>
+                <a:spcPct val="100000"/>
+              </a:lnSpc>
+              <a:spcBef>
+                <a:spcPts val="1200"/>
               </a:spcBef>
               <a:spcAft>
                 <a:spcPts val="0"/>
               </a:spcAft>
               <a:buClr>
-                <a:schemeClr val="lt1"/>
+                <a:schemeClr val="dk1"/>
               </a:buClr>
-              <a:buSzPct val="100000"/>
-              <a:buFont typeface="Open Sans Light"/>
-              <a:buChar char="●"/>
+              <a:buSzPts val="852"/>
+              <a:buFont typeface="Arial"/>
+              <a:buNone/>
             </a:pPr>
             <a:r>
-              <a:rPr lang="es" sz="4800">
-                <a:solidFill>
-                  <a:schemeClr val="lt1"/>
-                </a:solidFill>
-                <a:latin typeface="Open Sans Light"/>
-                <a:ea typeface="Open Sans Light"/>
-                <a:cs typeface="Open Sans Light"/>
-                <a:sym typeface="Open Sans Light"/>
-              </a:rPr>
-              <a:t>género del estudiante: femenino, masculino u otro</a:t>
-            </a:r>
-            <a:endParaRPr sz="4800">
+              <a:t/>
+            </a:r>
+            <a:endParaRPr sz="1100">
               <a:solidFill>
                 <a:schemeClr val="lt1"/>
               </a:solidFill>
@@ -7351,22 +7176,61 @@
             </a:endParaRPr>
           </a:p>
           <a:p>
-            <a:pPr indent="-304800" lvl="0" marL="457200" rtl="0" algn="l">
-              <a:spcBef>
-                <a:spcPts val="0"/>
+            <a:pPr indent="0" lvl="0" marL="0" rtl="0" algn="just">
+              <a:lnSpc>
+                <a:spcPct val="100000"/>
+              </a:lnSpc>
+              <a:spcBef>
+                <a:spcPts val="1200"/>
               </a:spcBef>
               <a:spcAft>
                 <a:spcPts val="0"/>
               </a:spcAft>
               <a:buClr>
+                <a:schemeClr val="dk1"/>
+              </a:buClr>
+              <a:buSzPts val="852"/>
+              <a:buFont typeface="Arial"/>
+              <a:buNone/>
+            </a:pPr>
+            <a:r>
+              <a:rPr b="1" lang="es" sz="1100">
+                <a:solidFill>
+                  <a:schemeClr val="lt1"/>
+                </a:solidFill>
+                <a:latin typeface="Open Sans"/>
+                <a:ea typeface="Open Sans"/>
+                <a:cs typeface="Open Sans"/>
+                <a:sym typeface="Open Sans"/>
+              </a:rPr>
+              <a:t>¿A quién va dirigida esta presentación?</a:t>
+            </a:r>
+            <a:endParaRPr b="1" sz="1100">
+              <a:solidFill>
                 <a:schemeClr val="lt1"/>
-              </a:buClr>
-              <a:buSzPct val="100000"/>
-              <a:buFont typeface="Open Sans Light"/>
-              <a:buChar char="●"/>
+              </a:solidFill>
+              <a:latin typeface="Open Sans"/>
+              <a:ea typeface="Open Sans"/>
+              <a:cs typeface="Open Sans"/>
+              <a:sym typeface="Open Sans"/>
+            </a:endParaRPr>
+          </a:p>
+          <a:p>
+            <a:pPr indent="0" lvl="0" marL="0" rtl="0" algn="just">
+              <a:lnSpc>
+                <a:spcPct val="100000"/>
+              </a:lnSpc>
+              <a:spcBef>
+                <a:spcPts val="1200"/>
+              </a:spcBef>
+              <a:spcAft>
+                <a:spcPts val="0"/>
+              </a:spcAft>
+              <a:buSzPts val="852"/>
+              <a:buNone/>
             </a:pPr>
             <a:r>
-              <a:rPr lang="es" sz="4800">
+              <a:rPr lang="es" sz="1100">
                 <a:solidFill>
                   <a:schemeClr val="lt1"/>
                 </a:solidFill>
@@ -7375,9 +7239,9 @@
                 <a:cs typeface="Open Sans Light"/>
                 <a:sym typeface="Open Sans Light"/>
               </a:rPr>
-              <a:t>horas de estudio promedio por día</a:t>
-            </a:r>
-            <a:endParaRPr sz="4800">
+              <a:t>Dado el carácter sintético del Dataset, ésta presentación va dirigida a:</a:t>
+            </a:r>
+            <a:endParaRPr sz="1100">
               <a:solidFill>
                 <a:schemeClr val="lt1"/>
               </a:solidFill>
@@ -7388,9 +7252,12 @@
             </a:endParaRPr>
           </a:p>
           <a:p>
-            <a:pPr indent="-304800" lvl="0" marL="457200" rtl="0" algn="l">
-              <a:spcBef>
-                <a:spcPts val="0"/>
+            <a:pPr indent="-298450" lvl="0" marL="457200" rtl="0" algn="just">
+              <a:lnSpc>
+                <a:spcPct val="100000"/>
+              </a:lnSpc>
+              <a:spcBef>
+                <a:spcPts val="1200"/>
               </a:spcBef>
               <a:spcAft>
                 <a:spcPts val="0"/>
@@ -7398,12 +7265,12 @@
               <a:buClr>
                 <a:schemeClr val="lt1"/>
               </a:buClr>
-              <a:buSzPct val="100000"/>
+              <a:buSzPts val="1100"/>
               <a:buFont typeface="Open Sans Light"/>
               <a:buChar char="●"/>
             </a:pPr>
             <a:r>
-              <a:rPr lang="es" sz="4800">
+              <a:rPr lang="es" sz="1100">
                 <a:solidFill>
                   <a:schemeClr val="lt1"/>
                 </a:solidFill>
@@ -7412,9 +7279,57 @@
                 <a:cs typeface="Open Sans Light"/>
                 <a:sym typeface="Open Sans Light"/>
               </a:rPr>
-              <a:t>horas diarias de uso de redes sociales </a:t>
-            </a:r>
-            <a:endParaRPr sz="4800">
+              <a:t>📊</a:t>
+            </a:r>
+            <a:r>
+              <a:rPr b="1" lang="es" sz="1100">
+                <a:solidFill>
+                  <a:schemeClr val="lt1"/>
+                </a:solidFill>
+                <a:latin typeface="Open Sans"/>
+                <a:ea typeface="Open Sans"/>
+                <a:cs typeface="Open Sans"/>
+                <a:sym typeface="Open Sans"/>
+              </a:rPr>
+              <a:t>Investigadores y analistas de datos</a:t>
+            </a:r>
+            <a:r>
+              <a:rPr lang="es" sz="1100">
+                <a:solidFill>
+                  <a:schemeClr val="lt1"/>
+                </a:solidFill>
+                <a:latin typeface="Open Sans Light"/>
+                <a:ea typeface="Open Sans Light"/>
+                <a:cs typeface="Open Sans Light"/>
+                <a:sym typeface="Open Sans Light"/>
+              </a:rPr>
+              <a:t>📊 interesados en la aplicación de modelos de regresión</a:t>
+            </a:r>
+            <a:r>
+              <a:rPr lang="es" sz="1100">
+                <a:solidFill>
+                  <a:schemeClr val="lt1"/>
+                </a:solidFill>
+                <a:latin typeface="Open Sans Light"/>
+                <a:ea typeface="Open Sans Light"/>
+                <a:cs typeface="Open Sans Light"/>
+                <a:sym typeface="Open Sans Light"/>
+              </a:rPr>
+              <a:t> </a:t>
+            </a:r>
+            <a:r>
+              <a:rPr lang="es" sz="1100">
+                <a:solidFill>
+                  <a:schemeClr val="lt1"/>
+                </a:solidFill>
+                <a:latin typeface="Open Sans Light"/>
+                <a:ea typeface="Open Sans Light"/>
+                <a:cs typeface="Open Sans Light"/>
+                <a:sym typeface="Open Sans Light"/>
+              </a:rPr>
+              <a:t>para comprender fenómenos complejos en el ámbito educativo.</a:t>
+            </a:r>
+            <a:endParaRPr sz="1100">
               <a:solidFill>
                 <a:schemeClr val="lt1"/>
               </a:solidFill>
@@ -7425,7 +7340,10 @@
             </a:endParaRPr>
           </a:p>
           <a:p>
-            <a:pPr indent="-304800" lvl="0" marL="457200" rtl="0" algn="l">
+            <a:pPr indent="-298450" lvl="0" marL="457200" rtl="0" algn="just">
+              <a:lnSpc>
+                <a:spcPct val="100000"/>
+              </a:lnSpc>
               <a:spcBef>
                 <a:spcPts val="0"/>
               </a:spcBef>
@@ -7435,12 +7353,12 @@
               <a:buClr>
                 <a:schemeClr val="lt1"/>
               </a:buClr>
-              <a:buSzPct val="100000"/>
+              <a:buSzPts val="1100"/>
               <a:buFont typeface="Open Sans Light"/>
               <a:buChar char="●"/>
             </a:pPr>
             <a:r>
-              <a:rPr lang="es" sz="4800">
+              <a:rPr lang="es" sz="1100">
                 <a:solidFill>
                   <a:schemeClr val="lt1"/>
                 </a:solidFill>
@@ -7449,9 +7367,33 @@
                 <a:cs typeface="Open Sans Light"/>
                 <a:sym typeface="Open Sans Light"/>
               </a:rPr>
-              <a:t>horas diarias viendo netflix </a:t>
-            </a:r>
-            <a:endParaRPr sz="4800">
+              <a:t>🔬</a:t>
+            </a:r>
+            <a:r>
+              <a:rPr b="1" lang="es" sz="1100">
+                <a:solidFill>
+                  <a:schemeClr val="lt1"/>
+                </a:solidFill>
+                <a:latin typeface="Open Sans"/>
+                <a:ea typeface="Open Sans"/>
+                <a:cs typeface="Open Sans"/>
+                <a:sym typeface="Open Sans"/>
+              </a:rPr>
+              <a:t>Cualquier persona curiosa</a:t>
+            </a:r>
+            <a:r>
+              <a:rPr lang="es" sz="1100">
+                <a:solidFill>
+                  <a:schemeClr val="lt1"/>
+                </a:solidFill>
+                <a:latin typeface="Open Sans Light"/>
+                <a:ea typeface="Open Sans Light"/>
+                <a:cs typeface="Open Sans Light"/>
+                <a:sym typeface="Open Sans Light"/>
+              </a:rPr>
+              <a:t>🔬 sobre el poder del análisis de datos para desentrañar los secretos del rendimiento y el bienestar estudiantil.</a:t>
+            </a:r>
+            <a:endParaRPr sz="1100">
               <a:solidFill>
                 <a:schemeClr val="lt1"/>
               </a:solidFill>
@@ -7462,22 +7404,20 @@
             </a:endParaRPr>
           </a:p>
           <a:p>
-            <a:pPr indent="-304800" lvl="0" marL="457200" rtl="0" algn="l">
-              <a:spcBef>
-                <a:spcPts val="0"/>
-              </a:spcBef>
-              <a:spcAft>
-                <a:spcPts val="0"/>
-              </a:spcAft>
-              <a:buClr>
-                <a:schemeClr val="lt1"/>
-              </a:buClr>
-              <a:buSzPct val="100000"/>
-              <a:buFont typeface="Open Sans Light"/>
-              <a:buChar char="●"/>
+            <a:pPr indent="0" lvl="0" marL="0" rtl="0" algn="just">
+              <a:lnSpc>
+                <a:spcPct val="100000"/>
+              </a:lnSpc>
+              <a:spcBef>
+                <a:spcPts val="1200"/>
+              </a:spcBef>
+              <a:spcAft>
+                <a:spcPts val="1200"/>
+              </a:spcAft>
+              <a:buNone/>
             </a:pPr>
             <a:r>
-              <a:rPr lang="es" sz="4800">
+              <a:rPr lang="es" sz="1100">
                 <a:solidFill>
                   <a:schemeClr val="lt1"/>
                 </a:solidFill>
@@ -7486,9 +7426,9 @@
                 <a:cs typeface="Open Sans Light"/>
                 <a:sym typeface="Open Sans Light"/>
               </a:rPr>
-              <a:t>trabajo part time: sí o no</a:t>
-            </a:r>
-            <a:endParaRPr sz="4800">
+              <a:t>Te invito a explorar cómo una vida saludable, el uso de la tecnología, el entorno de apoyo y el bienestar mental se entrelazan para moldear el futuro académico los estudiantes. </a:t>
+            </a:r>
+            <a:endParaRPr sz="1330">
               <a:solidFill>
                 <a:schemeClr val="lt1"/>
               </a:solidFill>
@@ -7497,357 +7437,6 @@
               <a:cs typeface="Open Sans Light"/>
               <a:sym typeface="Open Sans Light"/>
             </a:endParaRPr>
-          </a:p>
-          <a:p>
-            <a:pPr indent="-304800" lvl="0" marL="457200" rtl="0" algn="l">
-              <a:spcBef>
-                <a:spcPts val="0"/>
-              </a:spcBef>
-              <a:spcAft>
-                <a:spcPts val="0"/>
-              </a:spcAft>
-              <a:buClr>
-                <a:schemeClr val="lt1"/>
-              </a:buClr>
-              <a:buSzPct val="100000"/>
-              <a:buFont typeface="Open Sans Light"/>
-              <a:buChar char="●"/>
-            </a:pPr>
-            <a:r>
-              <a:rPr lang="es" sz="4800">
-                <a:solidFill>
-                  <a:schemeClr val="lt1"/>
-                </a:solidFill>
-                <a:latin typeface="Open Sans Light"/>
-                <a:ea typeface="Open Sans Light"/>
-                <a:cs typeface="Open Sans Light"/>
-                <a:sym typeface="Open Sans Light"/>
-              </a:rPr>
-              <a:t>porcentaje de asistencia a las clases</a:t>
-            </a:r>
-            <a:endParaRPr sz="4800">
-              <a:solidFill>
-                <a:schemeClr val="lt1"/>
-              </a:solidFill>
-              <a:latin typeface="Open Sans Light"/>
-              <a:ea typeface="Open Sans Light"/>
-              <a:cs typeface="Open Sans Light"/>
-              <a:sym typeface="Open Sans Light"/>
-            </a:endParaRPr>
-          </a:p>
-          <a:p>
-            <a:pPr indent="-304800" lvl="0" marL="457200" rtl="0" algn="l">
-              <a:spcBef>
-                <a:spcPts val="0"/>
-              </a:spcBef>
-              <a:spcAft>
-                <a:spcPts val="0"/>
-              </a:spcAft>
-              <a:buClr>
-                <a:schemeClr val="lt1"/>
-              </a:buClr>
-              <a:buSzPct val="100000"/>
-              <a:buFont typeface="Open Sans Light"/>
-              <a:buChar char="●"/>
-            </a:pPr>
-            <a:r>
-              <a:rPr lang="es" sz="4800">
-                <a:solidFill>
-                  <a:schemeClr val="lt1"/>
-                </a:solidFill>
-                <a:latin typeface="Open Sans Light"/>
-                <a:ea typeface="Open Sans Light"/>
-                <a:cs typeface="Open Sans Light"/>
-                <a:sym typeface="Open Sans Light"/>
-              </a:rPr>
-              <a:t>horas de sueño </a:t>
-            </a:r>
-            <a:endParaRPr sz="4800">
-              <a:solidFill>
-                <a:schemeClr val="lt1"/>
-              </a:solidFill>
-              <a:latin typeface="Open Sans Light"/>
-              <a:ea typeface="Open Sans Light"/>
-              <a:cs typeface="Open Sans Light"/>
-              <a:sym typeface="Open Sans Light"/>
-            </a:endParaRPr>
-          </a:p>
-          <a:p>
-            <a:pPr indent="-304800" lvl="0" marL="457200" rtl="0" algn="l">
-              <a:spcBef>
-                <a:spcPts val="0"/>
-              </a:spcBef>
-              <a:spcAft>
-                <a:spcPts val="0"/>
-              </a:spcAft>
-              <a:buClr>
-                <a:schemeClr val="lt1"/>
-              </a:buClr>
-              <a:buSzPct val="100000"/>
-              <a:buFont typeface="Open Sans Light"/>
-              <a:buChar char="●"/>
-            </a:pPr>
-            <a:r>
-              <a:rPr lang="es" sz="4800">
-                <a:solidFill>
-                  <a:schemeClr val="lt1"/>
-                </a:solidFill>
-                <a:latin typeface="Open Sans Light"/>
-                <a:ea typeface="Open Sans Light"/>
-                <a:cs typeface="Open Sans Light"/>
-                <a:sym typeface="Open Sans Light"/>
-              </a:rPr>
-              <a:t>calidad de la dieta: pobre, regular, buena</a:t>
-            </a:r>
-            <a:endParaRPr sz="4800">
-              <a:solidFill>
-                <a:schemeClr val="lt1"/>
-              </a:solidFill>
-              <a:latin typeface="Open Sans Light"/>
-              <a:ea typeface="Open Sans Light"/>
-              <a:cs typeface="Open Sans Light"/>
-              <a:sym typeface="Open Sans Light"/>
-            </a:endParaRPr>
-          </a:p>
-          <a:p>
-            <a:pPr indent="-304800" lvl="0" marL="457200" rtl="0" algn="l">
-              <a:spcBef>
-                <a:spcPts val="0"/>
-              </a:spcBef>
-              <a:spcAft>
-                <a:spcPts val="0"/>
-              </a:spcAft>
-              <a:buClr>
-                <a:schemeClr val="lt1"/>
-              </a:buClr>
-              <a:buSzPct val="100000"/>
-              <a:buFont typeface="Open Sans Light"/>
-              <a:buChar char="●"/>
-            </a:pPr>
-            <a:r>
-              <a:rPr lang="es" sz="4800">
-                <a:solidFill>
-                  <a:schemeClr val="lt1"/>
-                </a:solidFill>
-                <a:latin typeface="Open Sans Light"/>
-                <a:ea typeface="Open Sans Light"/>
-                <a:cs typeface="Open Sans Light"/>
-                <a:sym typeface="Open Sans Light"/>
-              </a:rPr>
-              <a:t>frecuencia semanal de práctica de ejercicio físico</a:t>
-            </a:r>
-            <a:endParaRPr sz="4800">
-              <a:solidFill>
-                <a:schemeClr val="lt1"/>
-              </a:solidFill>
-              <a:latin typeface="Open Sans Light"/>
-              <a:ea typeface="Open Sans Light"/>
-              <a:cs typeface="Open Sans Light"/>
-              <a:sym typeface="Open Sans Light"/>
-            </a:endParaRPr>
-          </a:p>
-          <a:p>
-            <a:pPr indent="-304800" lvl="0" marL="457200" rtl="0" algn="l">
-              <a:spcBef>
-                <a:spcPts val="0"/>
-              </a:spcBef>
-              <a:spcAft>
-                <a:spcPts val="0"/>
-              </a:spcAft>
-              <a:buClr>
-                <a:schemeClr val="lt1"/>
-              </a:buClr>
-              <a:buSzPct val="100000"/>
-              <a:buFont typeface="Open Sans Light"/>
-              <a:buChar char="●"/>
-            </a:pPr>
-            <a:r>
-              <a:rPr lang="es" sz="4800">
-                <a:solidFill>
-                  <a:schemeClr val="lt1"/>
-                </a:solidFill>
-                <a:latin typeface="Open Sans Light"/>
-                <a:ea typeface="Open Sans Light"/>
-                <a:cs typeface="Open Sans Light"/>
-                <a:sym typeface="Open Sans Light"/>
-              </a:rPr>
-              <a:t>nivel educativo de los progenitores: secundario completo, bachelor, master o desconocido.</a:t>
-            </a:r>
-            <a:endParaRPr sz="4800">
-              <a:solidFill>
-                <a:schemeClr val="lt1"/>
-              </a:solidFill>
-              <a:latin typeface="Open Sans Light"/>
-              <a:ea typeface="Open Sans Light"/>
-              <a:cs typeface="Open Sans Light"/>
-              <a:sym typeface="Open Sans Light"/>
-            </a:endParaRPr>
-          </a:p>
-          <a:p>
-            <a:pPr indent="-304800" lvl="0" marL="457200" rtl="0" algn="l">
-              <a:spcBef>
-                <a:spcPts val="0"/>
-              </a:spcBef>
-              <a:spcAft>
-                <a:spcPts val="0"/>
-              </a:spcAft>
-              <a:buClr>
-                <a:schemeClr val="lt1"/>
-              </a:buClr>
-              <a:buSzPct val="100000"/>
-              <a:buFont typeface="Open Sans Light"/>
-              <a:buChar char="●"/>
-            </a:pPr>
-            <a:r>
-              <a:rPr lang="es" sz="4800">
-                <a:solidFill>
-                  <a:schemeClr val="lt1"/>
-                </a:solidFill>
-                <a:latin typeface="Open Sans Light"/>
-                <a:ea typeface="Open Sans Light"/>
-                <a:cs typeface="Open Sans Light"/>
-                <a:sym typeface="Open Sans Light"/>
-              </a:rPr>
-              <a:t>calidad de la señal de internet: buena, regular o mala </a:t>
-            </a:r>
-            <a:endParaRPr sz="4800">
-              <a:solidFill>
-                <a:schemeClr val="lt1"/>
-              </a:solidFill>
-              <a:latin typeface="Open Sans Light"/>
-              <a:ea typeface="Open Sans Light"/>
-              <a:cs typeface="Open Sans Light"/>
-              <a:sym typeface="Open Sans Light"/>
-            </a:endParaRPr>
-          </a:p>
-          <a:p>
-            <a:pPr indent="-304800" lvl="0" marL="457200" rtl="0" algn="l">
-              <a:spcBef>
-                <a:spcPts val="0"/>
-              </a:spcBef>
-              <a:spcAft>
-                <a:spcPts val="0"/>
-              </a:spcAft>
-              <a:buClr>
-                <a:schemeClr val="lt1"/>
-              </a:buClr>
-              <a:buSzPct val="100000"/>
-              <a:buFont typeface="Open Sans Light"/>
-              <a:buChar char="●"/>
-            </a:pPr>
-            <a:r>
-              <a:rPr lang="es" sz="4800">
-                <a:solidFill>
-                  <a:schemeClr val="lt1"/>
-                </a:solidFill>
-                <a:latin typeface="Open Sans Light"/>
-                <a:ea typeface="Open Sans Light"/>
-                <a:cs typeface="Open Sans Light"/>
-                <a:sym typeface="Open Sans Light"/>
-              </a:rPr>
-              <a:t>escala del 1 al 10 de estado de salud mental (1 bajo, 10 alto o bueno)</a:t>
-            </a:r>
-            <a:endParaRPr sz="4800">
-              <a:solidFill>
-                <a:schemeClr val="lt1"/>
-              </a:solidFill>
-              <a:latin typeface="Open Sans Light"/>
-              <a:ea typeface="Open Sans Light"/>
-              <a:cs typeface="Open Sans Light"/>
-              <a:sym typeface="Open Sans Light"/>
-            </a:endParaRPr>
-          </a:p>
-          <a:p>
-            <a:pPr indent="-304800" lvl="0" marL="457200" rtl="0" algn="l">
-              <a:spcBef>
-                <a:spcPts val="0"/>
-              </a:spcBef>
-              <a:spcAft>
-                <a:spcPts val="0"/>
-              </a:spcAft>
-              <a:buClr>
-                <a:schemeClr val="lt1"/>
-              </a:buClr>
-              <a:buSzPct val="100000"/>
-              <a:buFont typeface="Open Sans Light"/>
-              <a:buChar char="●"/>
-            </a:pPr>
-            <a:r>
-              <a:rPr lang="es" sz="4800">
-                <a:solidFill>
-                  <a:schemeClr val="lt1"/>
-                </a:solidFill>
-                <a:latin typeface="Open Sans Light"/>
-                <a:ea typeface="Open Sans Light"/>
-                <a:cs typeface="Open Sans Light"/>
-                <a:sym typeface="Open Sans Light"/>
-              </a:rPr>
-              <a:t>participación extracurricular: sí o no</a:t>
-            </a:r>
-            <a:endParaRPr sz="4800">
-              <a:solidFill>
-                <a:schemeClr val="lt1"/>
-              </a:solidFill>
-              <a:latin typeface="Open Sans Light"/>
-              <a:ea typeface="Open Sans Light"/>
-              <a:cs typeface="Open Sans Light"/>
-              <a:sym typeface="Open Sans Light"/>
-            </a:endParaRPr>
-          </a:p>
-          <a:p>
-            <a:pPr indent="-304800" lvl="0" marL="457200" rtl="0" algn="l">
-              <a:spcBef>
-                <a:spcPts val="0"/>
-              </a:spcBef>
-              <a:spcAft>
-                <a:spcPts val="0"/>
-              </a:spcAft>
-              <a:buClr>
-                <a:schemeClr val="lt1"/>
-              </a:buClr>
-              <a:buSzPct val="100000"/>
-              <a:buFont typeface="Open Sans Light"/>
-              <a:buChar char="●"/>
-            </a:pPr>
-            <a:r>
-              <a:rPr lang="es" sz="4800">
-                <a:solidFill>
-                  <a:schemeClr val="lt1"/>
-                </a:solidFill>
-                <a:latin typeface="Open Sans Light"/>
-                <a:ea typeface="Open Sans Light"/>
-                <a:cs typeface="Open Sans Light"/>
-                <a:sym typeface="Open Sans Light"/>
-              </a:rPr>
-              <a:t>calificación en el exámen final</a:t>
-            </a:r>
-            <a:endParaRPr sz="1050">
-              <a:solidFill>
-                <a:srgbClr val="D4D4D4"/>
-              </a:solidFill>
-              <a:highlight>
-                <a:srgbClr val="1E1E1E"/>
-              </a:highlight>
-              <a:latin typeface="Open Sans Light"/>
-              <a:ea typeface="Open Sans Light"/>
-              <a:cs typeface="Open Sans Light"/>
-              <a:sym typeface="Open Sans Light"/>
-            </a:endParaRPr>
-          </a:p>
-          <a:p>
-            <a:pPr indent="0" lvl="0" marL="0" rtl="0" algn="l">
-              <a:spcBef>
-                <a:spcPts val="1200"/>
-              </a:spcBef>
-              <a:spcAft>
-                <a:spcPts val="1200"/>
-              </a:spcAft>
-              <a:buNone/>
-            </a:pPr>
-            <a:r>
-              <a:t/>
-            </a:r>
-            <a:endParaRPr/>
           </a:p>
         </p:txBody>
       </p:sp>
@@ -7871,7 +7460,7 @@
     </p:bg>
     <p:spTree>
       <p:nvGrpSpPr>
-        <p:cNvPr id="72" name="Shape 72"/>
+        <p:cNvPr id="73" name="Shape 73"/>
         <p:cNvGrpSpPr/>
         <p:nvPr/>
       </p:nvGrpSpPr>
@@ -7885,7 +7474,7 @@
       </p:grpSpPr>
       <p:sp>
         <p:nvSpPr>
-          <p:cNvPr id="73" name="Google Shape;73;p16"/>
+          <p:cNvPr id="74" name="Google Shape;74;p16"/>
           <p:cNvSpPr txBox="1"/>
           <p:nvPr>
             <p:ph type="title"/>
@@ -7894,7 +7483,7 @@
         <p:spPr>
           <a:xfrm>
             <a:off x="311700" y="445025"/>
-            <a:ext cx="8520600" cy="572700"/>
+            <a:ext cx="4566600" cy="572700"/>
           </a:xfrm>
           <a:prstGeom prst="rect">
             <a:avLst/>
@@ -7917,7 +7506,7 @@
               <a:buNone/>
             </a:pPr>
             <a:r>
-              <a:rPr lang="es" sz="2420">
+              <a:rPr lang="es" sz="2020">
                 <a:solidFill>
                   <a:schemeClr val="lt1"/>
                 </a:solidFill>
@@ -7929,7 +7518,7 @@
               <a:t>Hipótesis</a:t>
             </a:r>
             <a:r>
-              <a:rPr lang="es" sz="2420">
+              <a:rPr lang="es" sz="2020">
                 <a:solidFill>
                   <a:schemeClr val="lt1"/>
                 </a:solidFill>
@@ -7940,7 +7529,7 @@
               </a:rPr>
               <a:t> y preguntas de interés </a:t>
             </a:r>
-            <a:endParaRPr sz="2420">
+            <a:endParaRPr sz="2020">
               <a:solidFill>
                 <a:schemeClr val="lt1"/>
               </a:solidFill>
@@ -7954,7 +7543,7 @@
       </p:sp>
       <p:sp>
         <p:nvSpPr>
-          <p:cNvPr id="74" name="Google Shape;74;p16"/>
+          <p:cNvPr id="75" name="Google Shape;75;p16"/>
           <p:cNvSpPr txBox="1"/>
           <p:nvPr>
             <p:ph idx="1" type="body"/>
@@ -7971,11 +7560,14 @@
         </p:spPr>
         <p:txBody>
           <a:bodyPr anchorCtr="0" anchor="t" bIns="91425" lIns="91425" spcFirstLastPara="1" rIns="91425" wrap="square" tIns="91425">
-            <a:normAutofit fontScale="92500" lnSpcReduction="20000"/>
+            <a:normAutofit/>
           </a:bodyPr>
           <a:lstStyle/>
           <a:p>
             <a:pPr indent="0" lvl="0" marL="0" rtl="0" algn="l">
+              <a:lnSpc>
+                <a:spcPct val="100000"/>
+              </a:lnSpc>
               <a:spcBef>
                 <a:spcPts val="1200"/>
               </a:spcBef>
@@ -7985,12 +7577,12 @@
               <a:buClr>
                 <a:schemeClr val="dk1"/>
               </a:buClr>
-              <a:buSzPct val="78571"/>
+              <a:buSzPts val="1100"/>
               <a:buFont typeface="Arial"/>
               <a:buNone/>
             </a:pPr>
             <a:r>
-              <a:rPr b="1" lang="es" sz="1400">
+              <a:rPr b="1" lang="es" sz="1100">
                 <a:solidFill>
                   <a:schemeClr val="lt1"/>
                 </a:solidFill>
@@ -8001,7 +7593,7 @@
               </a:rPr>
               <a:t>Pregunta principal:</a:t>
             </a:r>
-            <a:endParaRPr b="1" sz="1400">
+            <a:endParaRPr b="1" sz="1100">
               <a:solidFill>
                 <a:schemeClr val="lt1"/>
               </a:solidFill>
@@ -8012,7 +7604,10 @@
             </a:endParaRPr>
           </a:p>
           <a:p>
-            <a:pPr indent="-310832" lvl="0" marL="457200" rtl="0" algn="l">
+            <a:pPr indent="-298450" lvl="0" marL="457200" rtl="0" algn="l">
+              <a:lnSpc>
+                <a:spcPct val="100000"/>
+              </a:lnSpc>
               <a:spcBef>
                 <a:spcPts val="1200"/>
               </a:spcBef>
@@ -8022,12 +7617,12 @@
               <a:buClr>
                 <a:schemeClr val="lt1"/>
               </a:buClr>
-              <a:buSzPct val="100000"/>
+              <a:buSzPts val="1100"/>
               <a:buFont typeface="Open Sans Light"/>
               <a:buChar char="➔"/>
             </a:pPr>
             <a:r>
-              <a:rPr lang="es" sz="1400">
+              <a:rPr lang="es" sz="1100">
                 <a:solidFill>
                   <a:schemeClr val="lt1"/>
                 </a:solidFill>
@@ -8039,7 +7634,7 @@
               <a:t>¿Qué impacto tienen los </a:t>
             </a:r>
             <a:r>
-              <a:rPr b="1" lang="es" sz="1400">
+              <a:rPr b="1" lang="es" sz="1100">
                 <a:solidFill>
                   <a:schemeClr val="lt1"/>
                 </a:solidFill>
@@ -8051,7 +7646,7 @@
               <a:t>hábitos/estilo de vida</a:t>
             </a:r>
             <a:r>
-              <a:rPr lang="es" sz="1400">
+              <a:rPr lang="es" sz="1100">
                 <a:solidFill>
                   <a:schemeClr val="lt1"/>
                 </a:solidFill>
@@ -8060,9 +7655,33 @@
                 <a:cs typeface="Open Sans Light"/>
                 <a:sym typeface="Open Sans Light"/>
               </a:rPr>
-              <a:t> en el resultado académico de los estudiantes?</a:t>
-            </a:r>
-            <a:endParaRPr sz="1400">
+              <a:t> en el resultado académico de los estudiantes</a:t>
+            </a:r>
+            <a:r>
+              <a:rPr lang="es" sz="1100">
+                <a:solidFill>
+                  <a:schemeClr val="lt1"/>
+                </a:solidFill>
+                <a:latin typeface="Open Sans ExtraBold"/>
+                <a:ea typeface="Open Sans ExtraBold"/>
+                <a:cs typeface="Open Sans ExtraBold"/>
+                <a:sym typeface="Open Sans ExtraBold"/>
+              </a:rPr>
+              <a:t>👩‍🎓</a:t>
+            </a:r>
+            <a:r>
+              <a:rPr lang="es" sz="1100">
+                <a:solidFill>
+                  <a:schemeClr val="lt1"/>
+                </a:solidFill>
+                <a:latin typeface="Open Sans Light"/>
+                <a:ea typeface="Open Sans Light"/>
+                <a:cs typeface="Open Sans Light"/>
+                <a:sym typeface="Open Sans Light"/>
+              </a:rPr>
+              <a:t>?</a:t>
+            </a:r>
+            <a:endParaRPr sz="1100">
               <a:solidFill>
                 <a:schemeClr val="lt1"/>
               </a:solidFill>
@@ -8074,6 +7693,9 @@
           </a:p>
           <a:p>
             <a:pPr indent="0" lvl="0" marL="0" rtl="0" algn="l">
+              <a:lnSpc>
+                <a:spcPct val="100000"/>
+              </a:lnSpc>
               <a:spcBef>
                 <a:spcPts val="1200"/>
               </a:spcBef>
@@ -8083,7 +7705,7 @@
               <a:buNone/>
             </a:pPr>
             <a:r>
-              <a:rPr b="1" lang="es" sz="1400">
+              <a:rPr b="1" lang="es" sz="1100">
                 <a:solidFill>
                   <a:schemeClr val="lt1"/>
                 </a:solidFill>
@@ -8094,7 +7716,7 @@
               </a:rPr>
               <a:t>Preguntas secundarias:</a:t>
             </a:r>
-            <a:endParaRPr b="1" sz="1400">
+            <a:endParaRPr b="1" sz="1100">
               <a:solidFill>
                 <a:schemeClr val="lt1"/>
               </a:solidFill>
@@ -8105,7 +7727,10 @@
             </a:endParaRPr>
           </a:p>
           <a:p>
-            <a:pPr indent="-310832" lvl="0" marL="457200" rtl="0" algn="l">
+            <a:pPr indent="-298450" lvl="0" marL="457200" rtl="0" algn="l">
+              <a:lnSpc>
+                <a:spcPct val="100000"/>
+              </a:lnSpc>
               <a:spcBef>
                 <a:spcPts val="1200"/>
               </a:spcBef>
@@ -8115,12 +7740,12 @@
               <a:buClr>
                 <a:schemeClr val="lt1"/>
               </a:buClr>
-              <a:buSzPct val="100000"/>
+              <a:buSzPts val="1100"/>
               <a:buFont typeface="Open Sans Light"/>
               <a:buChar char="➔"/>
             </a:pPr>
             <a:r>
-              <a:rPr lang="es" sz="1400">
+              <a:rPr lang="es" sz="1100">
                 <a:solidFill>
                   <a:schemeClr val="lt1"/>
                 </a:solidFill>
@@ -8132,7 +7757,19 @@
               <a:t>¿Cómo se relaciona una </a:t>
             </a:r>
             <a:r>
-              <a:rPr b="1" lang="es" sz="1400">
+              <a:rPr lang="es" sz="1100">
+                <a:solidFill>
+                  <a:schemeClr val="lt1"/>
+                </a:solidFill>
+                <a:latin typeface="Open Sans"/>
+                <a:ea typeface="Open Sans"/>
+                <a:cs typeface="Open Sans"/>
+                <a:sym typeface="Open Sans"/>
+              </a:rPr>
+              <a:t>🥬💪</a:t>
+            </a:r>
+            <a:r>
+              <a:rPr b="1" lang="es" sz="1100">
                 <a:solidFill>
                   <a:schemeClr val="lt1"/>
                 </a:solidFill>
@@ -8144,7 +7781,19 @@
               <a:t>vida saludable</a:t>
             </a:r>
             <a:r>
-              <a:rPr lang="es" sz="1400">
+              <a:rPr lang="es" sz="1100">
+                <a:solidFill>
+                  <a:schemeClr val="lt1"/>
+                </a:solidFill>
+                <a:latin typeface="Open Sans"/>
+                <a:ea typeface="Open Sans"/>
+                <a:cs typeface="Open Sans"/>
+                <a:sym typeface="Open Sans"/>
+              </a:rPr>
+              <a:t>💪🥬</a:t>
+            </a:r>
+            <a:r>
+              <a:rPr lang="es" sz="1100">
                 <a:solidFill>
                   <a:schemeClr val="lt1"/>
                 </a:solidFill>
@@ -8155,7 +7804,7 @@
               </a:rPr>
               <a:t> (buena alimentación, ejercicio, sueño) con el éxito en los estudios?</a:t>
             </a:r>
-            <a:endParaRPr sz="1400">
+            <a:endParaRPr sz="1100">
               <a:solidFill>
                 <a:schemeClr val="lt1"/>
               </a:solidFill>
@@ -8166,7 +7815,10 @@
             </a:endParaRPr>
           </a:p>
           <a:p>
-            <a:pPr indent="-310832" lvl="0" marL="457200" rtl="0" algn="l">
+            <a:pPr indent="-298450" lvl="0" marL="457200" rtl="0" algn="l">
+              <a:lnSpc>
+                <a:spcPct val="100000"/>
+              </a:lnSpc>
               <a:spcBef>
                 <a:spcPts val="0"/>
               </a:spcBef>
@@ -8176,12 +7828,12 @@
               <a:buClr>
                 <a:schemeClr val="lt1"/>
               </a:buClr>
-              <a:buSzPct val="100000"/>
+              <a:buSzPts val="1100"/>
               <a:buFont typeface="Open Sans Light"/>
               <a:buChar char="➔"/>
             </a:pPr>
             <a:r>
-              <a:rPr lang="es" sz="1400">
+              <a:rPr lang="es" sz="1100">
                 <a:solidFill>
                   <a:schemeClr val="lt1"/>
                 </a:solidFill>
@@ -8193,7 +7845,19 @@
               <a:t>¿Cómo afecta el tiempo dedicado a las </a:t>
             </a:r>
             <a:r>
-              <a:rPr b="1" lang="es" sz="1400">
+              <a:rPr b="1" lang="es" sz="1100">
+                <a:solidFill>
+                  <a:schemeClr val="lt1"/>
+                </a:solidFill>
+                <a:latin typeface="Open Sans"/>
+                <a:ea typeface="Open Sans"/>
+                <a:cs typeface="Open Sans"/>
+                <a:sym typeface="Open Sans"/>
+              </a:rPr>
+              <a:t>📱</a:t>
+            </a:r>
+            <a:r>
+              <a:rPr b="1" lang="es" sz="1100">
                 <a:solidFill>
                   <a:schemeClr val="lt1"/>
                 </a:solidFill>
@@ -8205,7 +7869,7 @@
               <a:t>redes sociales</a:t>
             </a:r>
             <a:r>
-              <a:rPr lang="es" sz="1400">
+              <a:rPr lang="es" sz="1100">
                 <a:solidFill>
                   <a:schemeClr val="lt1"/>
                 </a:solidFill>
@@ -8217,7 +7881,7 @@
               <a:t> y  </a:t>
             </a:r>
             <a:r>
-              <a:rPr b="1" lang="es" sz="1400">
+              <a:rPr b="1" lang="es" sz="1100">
                 <a:solidFill>
                   <a:schemeClr val="lt1"/>
                 </a:solidFill>
@@ -8229,7 +7893,19 @@
               <a:t>netflix</a:t>
             </a:r>
             <a:r>
-              <a:rPr lang="es" sz="1400">
+              <a:rPr b="1" lang="es" sz="1100">
+                <a:solidFill>
+                  <a:schemeClr val="lt1"/>
+                </a:solidFill>
+                <a:latin typeface="Open Sans"/>
+                <a:ea typeface="Open Sans"/>
+                <a:cs typeface="Open Sans"/>
+                <a:sym typeface="Open Sans"/>
+              </a:rPr>
+              <a:t>📱</a:t>
+            </a:r>
+            <a:r>
+              <a:rPr lang="es" sz="1100">
                 <a:solidFill>
                   <a:schemeClr val="lt1"/>
                 </a:solidFill>
@@ -8241,7 +7917,7 @@
               <a:t> en el resultado académico? ¿Es importante tener buen </a:t>
             </a:r>
             <a:r>
-              <a:rPr b="1" lang="es" sz="1400">
+              <a:rPr b="1" lang="es" sz="1100">
                 <a:solidFill>
                   <a:schemeClr val="lt1"/>
                 </a:solidFill>
@@ -8253,7 +7929,7 @@
               <a:t>acceso a internet</a:t>
             </a:r>
             <a:r>
-              <a:rPr lang="es" sz="1400">
+              <a:rPr lang="es" sz="1100">
                 <a:solidFill>
                   <a:schemeClr val="lt1"/>
                 </a:solidFill>
@@ -8264,7 +7940,7 @@
               </a:rPr>
               <a:t> para tener buenas notas?</a:t>
             </a:r>
-            <a:endParaRPr sz="1400">
+            <a:endParaRPr sz="1100">
               <a:solidFill>
                 <a:schemeClr val="lt1"/>
               </a:solidFill>
@@ -8275,7 +7951,10 @@
             </a:endParaRPr>
           </a:p>
           <a:p>
-            <a:pPr indent="-310832" lvl="0" marL="457200" rtl="0" algn="l">
+            <a:pPr indent="-298450" lvl="0" marL="457200" rtl="0" algn="l">
+              <a:lnSpc>
+                <a:spcPct val="100000"/>
+              </a:lnSpc>
               <a:spcBef>
                 <a:spcPts val="0"/>
               </a:spcBef>
@@ -8285,12 +7964,12 @@
               <a:buClr>
                 <a:schemeClr val="lt1"/>
               </a:buClr>
-              <a:buSzPct val="100000"/>
+              <a:buSzPts val="1100"/>
               <a:buFont typeface="Open Sans Light"/>
               <a:buChar char="➔"/>
             </a:pPr>
             <a:r>
-              <a:rPr lang="es" sz="1400">
+              <a:rPr lang="es" sz="1100">
                 <a:solidFill>
                   <a:schemeClr val="lt1"/>
                 </a:solidFill>
@@ -8299,10 +7978,10 @@
                 <a:cs typeface="Open Sans Light"/>
                 <a:sym typeface="Open Sans Light"/>
               </a:rPr>
-              <a:t>¿Cuál es el </a:t>
-            </a:r>
-            <a:r>
-              <a:rPr b="1" lang="es" sz="1400">
+              <a:t>¿Cuál es el 🎯</a:t>
+            </a:r>
+            <a:r>
+              <a:rPr b="1" lang="es" sz="1100">
                 <a:solidFill>
                   <a:schemeClr val="lt1"/>
                 </a:solidFill>
@@ -8311,10 +7990,10 @@
                 <a:cs typeface="Open Sans"/>
                 <a:sym typeface="Open Sans"/>
               </a:rPr>
-              <a:t>hábito más determinante </a:t>
-            </a:r>
-            <a:r>
-              <a:rPr lang="es" sz="1400">
+              <a:t>hábito más determinante 🎯</a:t>
+            </a:r>
+            <a:r>
+              <a:rPr lang="es" sz="1100">
                 <a:solidFill>
                   <a:schemeClr val="lt1"/>
                 </a:solidFill>
@@ -8325,36 +8004,13 @@
               </a:rPr>
               <a:t>para el éxito académico?</a:t>
             </a:r>
-            <a:endParaRPr sz="1400">
-              <a:solidFill>
-                <a:schemeClr val="lt1"/>
-              </a:solidFill>
-              <a:latin typeface="Open Sans Light"/>
-              <a:ea typeface="Open Sans Light"/>
-              <a:cs typeface="Open Sans Light"/>
-              <a:sym typeface="Open Sans Light"/>
-            </a:endParaRPr>
-          </a:p>
-          <a:p>
-            <a:pPr indent="0" lvl="0" marL="0" rtl="0" algn="l">
-              <a:spcBef>
-                <a:spcPts val="1200"/>
-              </a:spcBef>
-              <a:spcAft>
-                <a:spcPts val="1200"/>
-              </a:spcAft>
-              <a:buNone/>
-            </a:pPr>
-            <a:r>
-              <a:t/>
-            </a:r>
-            <a:endParaRPr/>
+            <a:endParaRPr sz="1100"/>
           </a:p>
         </p:txBody>
       </p:sp>
       <p:pic>
         <p:nvPicPr>
-          <p:cNvPr descr="University students studying in armchairs (proporcionado por Getty Images)" id="75" name="Google Shape;75;p16"/>
+          <p:cNvPr descr="University students studying in armchairs (proporcionado por Getty Images)" id="76" name="Google Shape;76;p16"/>
           <p:cNvPicPr preferRelativeResize="0"/>
           <p:nvPr/>
         </p:nvPicPr>
@@ -8400,7 +8056,7 @@
     </p:bg>
     <p:spTree>
       <p:nvGrpSpPr>
-        <p:cNvPr id="79" name="Shape 79"/>
+        <p:cNvPr id="80" name="Shape 80"/>
         <p:cNvGrpSpPr/>
         <p:nvPr/>
       </p:nvGrpSpPr>
@@ -8414,7 +8070,7 @@
       </p:grpSpPr>
       <p:sp>
         <p:nvSpPr>
-          <p:cNvPr id="80" name="Google Shape;80;p17"/>
+          <p:cNvPr id="81" name="Google Shape;81;p17"/>
           <p:cNvSpPr txBox="1"/>
           <p:nvPr>
             <p:ph type="title"/>
@@ -8435,7 +8091,7 @@
           </a:bodyPr>
           <a:lstStyle/>
           <a:p>
-            <a:pPr indent="0" lvl="0" marL="0" rtl="0" algn="ctr">
+            <a:pPr indent="0" lvl="0" marL="0" rtl="0" algn="l">
               <a:spcBef>
                 <a:spcPts val="0"/>
               </a:spcBef>
@@ -8455,7 +8111,7 @@
                 <a:cs typeface="Open Sans ExtraBold"/>
                 <a:sym typeface="Open Sans ExtraBold"/>
               </a:rPr>
-              <a:t>Resumen Dataset </a:t>
+              <a:t>📊Resumen Metadata 📊</a:t>
             </a:r>
             <a:endParaRPr sz="2020">
               <a:solidFill>
@@ -8469,447 +8125,184 @@
           </a:p>
         </p:txBody>
       </p:sp>
-      <p:graphicFrame>
-        <p:nvGraphicFramePr>
-          <p:cNvPr id="81" name="Google Shape;81;p17"/>
-          <p:cNvGraphicFramePr/>
+      <p:sp>
+        <p:nvSpPr>
+          <p:cNvPr id="82" name="Google Shape;82;p17"/>
+          <p:cNvSpPr txBox="1"/>
+          <p:nvPr>
+            <p:ph idx="1" type="body"/>
+          </p:nvPr>
+        </p:nvSpPr>
+        <p:spPr>
+          <a:xfrm>
+            <a:off x="311700" y="1017725"/>
+            <a:ext cx="3465300" cy="1895100"/>
+          </a:xfrm>
+          <a:prstGeom prst="rect">
+            <a:avLst/>
+          </a:prstGeom>
+        </p:spPr>
+        <p:txBody>
+          <a:bodyPr anchorCtr="0" anchor="t" bIns="91425" lIns="91425" spcFirstLastPara="1" rIns="91425" wrap="square" tIns="91425">
+            <a:normAutofit fontScale="25000"/>
+          </a:bodyPr>
+          <a:lstStyle/>
+          <a:p>
+            <a:pPr indent="0" lvl="0" marL="0" rtl="0" algn="just">
+              <a:lnSpc>
+                <a:spcPct val="100000"/>
+              </a:lnSpc>
+              <a:spcBef>
+                <a:spcPts val="0"/>
+              </a:spcBef>
+              <a:spcAft>
+                <a:spcPts val="0"/>
+              </a:spcAft>
+              <a:buNone/>
+            </a:pPr>
+            <a:r>
+              <a:rPr lang="es" sz="4400">
+                <a:solidFill>
+                  <a:schemeClr val="lt1"/>
+                </a:solidFill>
+                <a:latin typeface="Open Sans Light"/>
+                <a:ea typeface="Open Sans Light"/>
+                <a:cs typeface="Open Sans Light"/>
+                <a:sym typeface="Open Sans Light"/>
+              </a:rPr>
+              <a:t>A partir del </a:t>
+            </a:r>
+            <a:r>
+              <a:rPr lang="es" sz="4400" u="sng">
+                <a:solidFill>
+                  <a:schemeClr val="lt1"/>
+                </a:solidFill>
+                <a:latin typeface="Open Sans Light"/>
+                <a:ea typeface="Open Sans Light"/>
+                <a:cs typeface="Open Sans Light"/>
+                <a:sym typeface="Open Sans Light"/>
+                <a:hlinkClick r:id="rId3">
+                  <a:extLst>
+                    <a:ext uri="{A12FA001-AC4F-418D-AE19-62706E023703}">
+                      <ahyp:hlinkClr val="tx"/>
+                    </a:ext>
+                  </a:extLst>
+                </a:hlinkClick>
+              </a:rPr>
+              <a:t>Dataset</a:t>
+            </a:r>
+            <a:r>
+              <a:rPr lang="es" sz="4400">
+                <a:solidFill>
+                  <a:schemeClr val="lt1"/>
+                </a:solidFill>
+                <a:latin typeface="Open Sans Light"/>
+                <a:ea typeface="Open Sans Light"/>
+                <a:cs typeface="Open Sans Light"/>
+                <a:sym typeface="Open Sans Light"/>
+              </a:rPr>
+              <a:t> obtenido en Kaggle se exploran y analizan 1000 registros sintéticos de estudiantes que contienen información sobre sus hábitos durante el cursado de una materia, y el consecuente resultado del exámen final. </a:t>
+            </a:r>
+            <a:endParaRPr sz="4400">
+              <a:solidFill>
+                <a:schemeClr val="lt1"/>
+              </a:solidFill>
+              <a:latin typeface="Open Sans Light"/>
+              <a:ea typeface="Open Sans Light"/>
+              <a:cs typeface="Open Sans Light"/>
+              <a:sym typeface="Open Sans Light"/>
+            </a:endParaRPr>
+          </a:p>
+          <a:p>
+            <a:pPr indent="0" lvl="0" marL="0" rtl="0" algn="just">
+              <a:lnSpc>
+                <a:spcPct val="100000"/>
+              </a:lnSpc>
+              <a:spcBef>
+                <a:spcPts val="1200"/>
+              </a:spcBef>
+              <a:spcAft>
+                <a:spcPts val="1200"/>
+              </a:spcAft>
+              <a:buNone/>
+            </a:pPr>
+            <a:r>
+              <a:rPr lang="es" sz="4400">
+                <a:solidFill>
+                  <a:schemeClr val="lt1"/>
+                </a:solidFill>
+                <a:latin typeface="Open Sans Light"/>
+                <a:ea typeface="Open Sans Light"/>
+                <a:cs typeface="Open Sans Light"/>
+                <a:sym typeface="Open Sans Light"/>
+              </a:rPr>
+              <a:t>También</a:t>
+            </a:r>
+            <a:r>
+              <a:rPr lang="es" sz="4400">
+                <a:solidFill>
+                  <a:schemeClr val="lt1"/>
+                </a:solidFill>
+                <a:latin typeface="Open Sans Light"/>
+                <a:ea typeface="Open Sans Light"/>
+                <a:cs typeface="Open Sans Light"/>
+                <a:sym typeface="Open Sans Light"/>
+              </a:rPr>
+              <a:t> se obtienen datos a través de la API pública del Banco Mundial simulando que los estudiantes provienen de distintos países con diferentes niveles socioeconómicos.</a:t>
+            </a:r>
+            <a:endParaRPr sz="600"/>
+          </a:p>
+        </p:txBody>
+      </p:sp>
+      <p:sp>
+        <p:nvSpPr>
+          <p:cNvPr id="83" name="Google Shape;83;p17"/>
+          <p:cNvSpPr txBox="1"/>
           <p:nvPr/>
-        </p:nvGraphicFramePr>
-        <p:xfrm>
-          <a:off x="383350" y="2646900"/>
-          <a:ext cx="3000000" cy="3000000"/>
-        </p:xfrm>
-        <a:graphic>
-          <a:graphicData uri="http://schemas.openxmlformats.org/drawingml/2006/table">
-            <a:tbl>
-              <a:tblPr>
-                <a:noFill/>
-                <a:tableStyleId>{8E73AB1E-6884-4545-935B-08918FBC0FD6}</a:tableStyleId>
-              </a:tblPr>
-              <a:tblGrid>
-                <a:gridCol w="1711375"/>
-                <a:gridCol w="921125"/>
-              </a:tblGrid>
-              <a:tr h="345250">
-                <a:tc gridSpan="2">
-                  <a:txBody>
-                    <a:bodyPr/>
-                    <a:lstStyle/>
-                    <a:p>
-                      <a:pPr indent="0" lvl="0" marL="0" rtl="0" algn="ctr">
-                        <a:spcBef>
-                          <a:spcPts val="0"/>
-                        </a:spcBef>
-                        <a:spcAft>
-                          <a:spcPts val="0"/>
-                        </a:spcAft>
-                        <a:buNone/>
-                      </a:pPr>
-                      <a:r>
-                        <a:rPr b="1" lang="es" sz="1200">
-                          <a:solidFill>
-                            <a:schemeClr val="lt1"/>
-                          </a:solidFill>
-                          <a:latin typeface="Open Sans"/>
-                          <a:ea typeface="Open Sans"/>
-                          <a:cs typeface="Open Sans"/>
-                          <a:sym typeface="Open Sans"/>
-                        </a:rPr>
-                        <a:t>PROMEDIOS</a:t>
-                      </a:r>
-                      <a:endParaRPr b="1" sz="1200">
-                        <a:solidFill>
-                          <a:schemeClr val="lt1"/>
-                        </a:solidFill>
-                        <a:latin typeface="Open Sans"/>
-                        <a:ea typeface="Open Sans"/>
-                        <a:cs typeface="Open Sans"/>
-                        <a:sym typeface="Open Sans"/>
-                      </a:endParaRPr>
-                    </a:p>
-                  </a:txBody>
-                  <a:tcPr marT="91425" marB="91425" marR="91425" marL="91425"/>
-                </a:tc>
-                <a:tc hMerge="1"/>
-              </a:tr>
-              <a:tr h="330275">
-                <a:tc>
-                  <a:txBody>
-                    <a:bodyPr/>
-                    <a:lstStyle/>
-                    <a:p>
-                      <a:pPr indent="0" lvl="0" marL="0" rtl="0" algn="l">
-                        <a:spcBef>
-                          <a:spcPts val="0"/>
-                        </a:spcBef>
-                        <a:spcAft>
-                          <a:spcPts val="0"/>
-                        </a:spcAft>
-                        <a:buNone/>
-                      </a:pPr>
-                      <a:r>
-                        <a:rPr lang="es" sz="1000">
-                          <a:solidFill>
-                            <a:schemeClr val="lt1"/>
-                          </a:solidFill>
-                          <a:latin typeface="Open Sans"/>
-                          <a:ea typeface="Open Sans"/>
-                          <a:cs typeface="Open Sans"/>
-                          <a:sym typeface="Open Sans"/>
-                        </a:rPr>
-                        <a:t>Nota del exámen</a:t>
-                      </a:r>
-                      <a:endParaRPr sz="1000">
-                        <a:solidFill>
-                          <a:schemeClr val="lt1"/>
-                        </a:solidFill>
-                        <a:latin typeface="Open Sans"/>
-                        <a:ea typeface="Open Sans"/>
-                        <a:cs typeface="Open Sans"/>
-                        <a:sym typeface="Open Sans"/>
-                      </a:endParaRPr>
-                    </a:p>
-                  </a:txBody>
-                  <a:tcPr marT="91425" marB="91425" marR="91425" marL="91425"/>
-                </a:tc>
-                <a:tc>
-                  <a:txBody>
-                    <a:bodyPr/>
-                    <a:lstStyle/>
-                    <a:p>
-                      <a:pPr indent="0" lvl="0" marL="0" rtl="0" algn="l">
-                        <a:spcBef>
-                          <a:spcPts val="0"/>
-                        </a:spcBef>
-                        <a:spcAft>
-                          <a:spcPts val="0"/>
-                        </a:spcAft>
-                        <a:buNone/>
-                      </a:pPr>
-                      <a:r>
-                        <a:rPr lang="es" sz="1000">
-                          <a:solidFill>
-                            <a:schemeClr val="lt1"/>
-                          </a:solidFill>
-                          <a:latin typeface="Open Sans"/>
-                          <a:ea typeface="Open Sans"/>
-                          <a:cs typeface="Open Sans"/>
-                          <a:sym typeface="Open Sans"/>
-                        </a:rPr>
-                        <a:t>69.60 %</a:t>
-                      </a:r>
-                      <a:endParaRPr sz="1000">
-                        <a:solidFill>
-                          <a:schemeClr val="lt1"/>
-                        </a:solidFill>
-                        <a:latin typeface="Open Sans"/>
-                        <a:ea typeface="Open Sans"/>
-                        <a:cs typeface="Open Sans"/>
-                        <a:sym typeface="Open Sans"/>
-                      </a:endParaRPr>
-                    </a:p>
-                  </a:txBody>
-                  <a:tcPr marT="91425" marB="91425" marR="91425" marL="91425"/>
-                </a:tc>
-              </a:tr>
-              <a:tr h="330275">
-                <a:tc>
-                  <a:txBody>
-                    <a:bodyPr/>
-                    <a:lstStyle/>
-                    <a:p>
-                      <a:pPr indent="0" lvl="0" marL="0" rtl="0" algn="l">
-                        <a:spcBef>
-                          <a:spcPts val="0"/>
-                        </a:spcBef>
-                        <a:spcAft>
-                          <a:spcPts val="0"/>
-                        </a:spcAft>
-                        <a:buNone/>
-                      </a:pPr>
-                      <a:r>
-                        <a:rPr lang="es" sz="1000">
-                          <a:solidFill>
-                            <a:schemeClr val="lt1"/>
-                          </a:solidFill>
-                          <a:latin typeface="Open Sans"/>
-                          <a:ea typeface="Open Sans"/>
-                          <a:cs typeface="Open Sans"/>
-                          <a:sym typeface="Open Sans"/>
-                        </a:rPr>
-                        <a:t>Asistencia </a:t>
-                      </a:r>
-                      <a:endParaRPr sz="1000">
-                        <a:solidFill>
-                          <a:schemeClr val="lt1"/>
-                        </a:solidFill>
-                        <a:latin typeface="Open Sans"/>
-                        <a:ea typeface="Open Sans"/>
-                        <a:cs typeface="Open Sans"/>
-                        <a:sym typeface="Open Sans"/>
-                      </a:endParaRPr>
-                    </a:p>
-                  </a:txBody>
-                  <a:tcPr marT="91425" marB="91425" marR="91425" marL="91425"/>
-                </a:tc>
-                <a:tc>
-                  <a:txBody>
-                    <a:bodyPr/>
-                    <a:lstStyle/>
-                    <a:p>
-                      <a:pPr indent="0" lvl="0" marL="0" rtl="0" algn="l">
-                        <a:spcBef>
-                          <a:spcPts val="0"/>
-                        </a:spcBef>
-                        <a:spcAft>
-                          <a:spcPts val="0"/>
-                        </a:spcAft>
-                        <a:buNone/>
-                      </a:pPr>
-                      <a:r>
-                        <a:rPr lang="es" sz="1000">
-                          <a:solidFill>
-                            <a:schemeClr val="lt1"/>
-                          </a:solidFill>
-                          <a:latin typeface="Open Sans"/>
-                          <a:ea typeface="Open Sans"/>
-                          <a:cs typeface="Open Sans"/>
-                          <a:sym typeface="Open Sans"/>
-                        </a:rPr>
-                        <a:t>84.13 %</a:t>
-                      </a:r>
-                      <a:endParaRPr sz="1000">
-                        <a:solidFill>
-                          <a:schemeClr val="lt1"/>
-                        </a:solidFill>
-                        <a:latin typeface="Open Sans"/>
-                        <a:ea typeface="Open Sans"/>
-                        <a:cs typeface="Open Sans"/>
-                        <a:sym typeface="Open Sans"/>
-                      </a:endParaRPr>
-                    </a:p>
-                  </a:txBody>
-                  <a:tcPr marT="91425" marB="91425" marR="91425" marL="91425"/>
-                </a:tc>
-              </a:tr>
-              <a:tr h="416500">
-                <a:tc>
-                  <a:txBody>
-                    <a:bodyPr/>
-                    <a:lstStyle/>
-                    <a:p>
-                      <a:pPr indent="0" lvl="0" marL="0" rtl="0" algn="l">
-                        <a:spcBef>
-                          <a:spcPts val="0"/>
-                        </a:spcBef>
-                        <a:spcAft>
-                          <a:spcPts val="0"/>
-                        </a:spcAft>
-                        <a:buNone/>
-                      </a:pPr>
-                      <a:r>
-                        <a:rPr lang="es" sz="1000">
-                          <a:solidFill>
-                            <a:schemeClr val="lt1"/>
-                          </a:solidFill>
-                          <a:latin typeface="Open Sans"/>
-                          <a:ea typeface="Open Sans"/>
-                          <a:cs typeface="Open Sans"/>
-                          <a:sym typeface="Open Sans"/>
-                        </a:rPr>
-                        <a:t>Horas de estudio al día</a:t>
-                      </a:r>
-                      <a:endParaRPr sz="1000">
-                        <a:solidFill>
-                          <a:schemeClr val="lt1"/>
-                        </a:solidFill>
-                        <a:latin typeface="Open Sans"/>
-                        <a:ea typeface="Open Sans"/>
-                        <a:cs typeface="Open Sans"/>
-                        <a:sym typeface="Open Sans"/>
-                      </a:endParaRPr>
-                    </a:p>
-                  </a:txBody>
-                  <a:tcPr marT="91425" marB="91425" marR="91425" marL="91425"/>
-                </a:tc>
-                <a:tc>
-                  <a:txBody>
-                    <a:bodyPr/>
-                    <a:lstStyle/>
-                    <a:p>
-                      <a:pPr indent="0" lvl="0" marL="0" rtl="0" algn="l">
-                        <a:spcBef>
-                          <a:spcPts val="0"/>
-                        </a:spcBef>
-                        <a:spcAft>
-                          <a:spcPts val="0"/>
-                        </a:spcAft>
-                        <a:buNone/>
-                      </a:pPr>
-                      <a:r>
-                        <a:rPr lang="es" sz="1000">
-                          <a:solidFill>
-                            <a:schemeClr val="lt1"/>
-                          </a:solidFill>
-                          <a:latin typeface="Open Sans"/>
-                          <a:ea typeface="Open Sans"/>
-                          <a:cs typeface="Open Sans"/>
-                          <a:sym typeface="Open Sans"/>
-                        </a:rPr>
-                        <a:t>2.31</a:t>
-                      </a:r>
-                      <a:endParaRPr sz="1000">
-                        <a:solidFill>
-                          <a:schemeClr val="lt1"/>
-                        </a:solidFill>
-                        <a:latin typeface="Open Sans"/>
-                        <a:ea typeface="Open Sans"/>
-                        <a:cs typeface="Open Sans"/>
-                        <a:sym typeface="Open Sans"/>
-                      </a:endParaRPr>
-                    </a:p>
-                  </a:txBody>
-                  <a:tcPr marT="91425" marB="91425" marR="91425" marL="91425"/>
-                </a:tc>
-              </a:tr>
-            </a:tbl>
-          </a:graphicData>
-        </a:graphic>
-      </p:graphicFrame>
-      <p:graphicFrame>
-        <p:nvGraphicFramePr>
-          <p:cNvPr id="82" name="Google Shape;82;p17"/>
-          <p:cNvGraphicFramePr/>
-          <p:nvPr/>
-        </p:nvGraphicFramePr>
-        <p:xfrm>
-          <a:off x="716675" y="1523550"/>
-          <a:ext cx="3000000" cy="3000000"/>
-        </p:xfrm>
-        <a:graphic>
-          <a:graphicData uri="http://schemas.openxmlformats.org/drawingml/2006/table">
-            <a:tbl>
-              <a:tblPr>
-                <a:noFill/>
-                <a:tableStyleId>{8E73AB1E-6884-4545-935B-08918FBC0FD6}</a:tableStyleId>
-              </a:tblPr>
-              <a:tblGrid>
-                <a:gridCol w="1751125"/>
-              </a:tblGrid>
-              <a:tr h="286350">
-                <a:tc>
-                  <a:txBody>
-                    <a:bodyPr/>
-                    <a:lstStyle/>
-                    <a:p>
-                      <a:pPr indent="0" lvl="0" marL="0" rtl="0" algn="ctr">
-                        <a:spcBef>
-                          <a:spcPts val="0"/>
-                        </a:spcBef>
-                        <a:spcAft>
-                          <a:spcPts val="0"/>
-                        </a:spcAft>
-                        <a:buNone/>
-                      </a:pPr>
-                      <a:r>
-                        <a:rPr b="1" lang="es" sz="1200">
-                          <a:solidFill>
-                            <a:schemeClr val="lt1"/>
-                          </a:solidFill>
-                          <a:latin typeface="Open Sans"/>
-                          <a:ea typeface="Open Sans"/>
-                          <a:cs typeface="Open Sans"/>
-                          <a:sym typeface="Open Sans"/>
-                        </a:rPr>
-                        <a:t>TOTAL ESTUDIANTES</a:t>
-                      </a:r>
-                      <a:endParaRPr b="1" sz="1200">
-                        <a:solidFill>
-                          <a:schemeClr val="lt1"/>
-                        </a:solidFill>
-                        <a:latin typeface="Open Sans"/>
-                        <a:ea typeface="Open Sans"/>
-                        <a:cs typeface="Open Sans"/>
-                        <a:sym typeface="Open Sans"/>
-                      </a:endParaRPr>
-                    </a:p>
-                  </a:txBody>
-                  <a:tcPr marT="91425" marB="91425" marR="91425" marL="91425">
-                    <a:lnB cap="flat" cmpd="sng" w="9525">
-                      <a:solidFill>
-                        <a:srgbClr val="351C75"/>
-                      </a:solidFill>
-                      <a:prstDash val="solid"/>
-                      <a:round/>
-                      <a:headEnd len="sm" w="sm" type="none"/>
-                      <a:tailEnd len="sm" w="sm" type="none"/>
-                    </a:lnB>
-                  </a:tcPr>
-                </a:tc>
-              </a:tr>
-              <a:tr h="286350">
-                <a:tc>
-                  <a:txBody>
-                    <a:bodyPr/>
-                    <a:lstStyle/>
-                    <a:p>
-                      <a:pPr indent="0" lvl="0" marL="0" rtl="0" algn="ctr">
-                        <a:spcBef>
-                          <a:spcPts val="0"/>
-                        </a:spcBef>
-                        <a:spcAft>
-                          <a:spcPts val="0"/>
-                        </a:spcAft>
-                        <a:buNone/>
-                      </a:pPr>
-                      <a:r>
-                        <a:rPr lang="es" sz="1200">
-                          <a:solidFill>
-                            <a:schemeClr val="lt1"/>
-                          </a:solidFill>
-                          <a:latin typeface="Open Sans"/>
-                          <a:ea typeface="Open Sans"/>
-                          <a:cs typeface="Open Sans"/>
-                          <a:sym typeface="Open Sans"/>
-                        </a:rPr>
-                        <a:t>1000</a:t>
-                      </a:r>
-                      <a:endParaRPr sz="1200">
-                        <a:solidFill>
-                          <a:schemeClr val="lt1"/>
-                        </a:solidFill>
-                        <a:latin typeface="Open Sans"/>
-                        <a:ea typeface="Open Sans"/>
-                        <a:cs typeface="Open Sans"/>
-                        <a:sym typeface="Open Sans"/>
-                      </a:endParaRPr>
-                    </a:p>
-                  </a:txBody>
-                  <a:tcPr marT="91425" marB="91425" marR="91425" marL="91425">
-                    <a:lnT cap="flat" cmpd="sng" w="9525">
-                      <a:solidFill>
-                        <a:srgbClr val="351C75"/>
-                      </a:solidFill>
-                      <a:prstDash val="solid"/>
-                      <a:round/>
-                      <a:headEnd len="sm" w="sm" type="none"/>
-                      <a:tailEnd len="sm" w="sm" type="none"/>
-                    </a:lnT>
-                  </a:tcPr>
-                </a:tc>
-              </a:tr>
-            </a:tbl>
-          </a:graphicData>
-        </a:graphic>
-      </p:graphicFrame>
+        </p:nvSpPr>
+        <p:spPr>
+          <a:xfrm>
+            <a:off x="406350" y="2823050"/>
+            <a:ext cx="3000000" cy="400200"/>
+          </a:xfrm>
+          <a:prstGeom prst="rect">
+            <a:avLst/>
+          </a:prstGeom>
+          <a:noFill/>
+          <a:ln>
+            <a:noFill/>
+          </a:ln>
+        </p:spPr>
+        <p:txBody>
+          <a:bodyPr anchorCtr="0" anchor="t" bIns="91425" lIns="91425" spcFirstLastPara="1" rIns="91425" wrap="square" tIns="91425">
+            <a:spAutoFit/>
+          </a:bodyPr>
+          <a:lstStyle/>
+          <a:p>
+            <a:pPr indent="0" lvl="0" marL="0" rtl="0" algn="l">
+              <a:spcBef>
+                <a:spcPts val="0"/>
+              </a:spcBef>
+              <a:spcAft>
+                <a:spcPts val="0"/>
+              </a:spcAft>
+              <a:buNone/>
+            </a:pPr>
+            <a:r>
+              <a:t/>
+            </a:r>
+            <a:endParaRPr/>
+          </a:p>
+        </p:txBody>
+      </p:sp>
       <p:pic>
         <p:nvPicPr>
-          <p:cNvPr id="83" name="Google Shape;83;p17"/>
+          <p:cNvPr id="84" name="Google Shape;84;p17"/>
           <p:cNvPicPr preferRelativeResize="0"/>
           <p:nvPr/>
         </p:nvPicPr>
         <p:blipFill>
-          <a:blip r:embed="rId3">
+          <a:blip r:embed="rId4">
             <a:alphaModFix/>
           </a:blip>
           <a:stretch>
@@ -8918,8 +8311,8 @@
         </p:blipFill>
         <p:spPr>
           <a:xfrm>
-            <a:off x="3169850" y="1187175"/>
-            <a:ext cx="5576850" cy="3324275"/>
+            <a:off x="3983025" y="1084325"/>
+            <a:ext cx="4945500" cy="3443250"/>
           </a:xfrm>
           <a:prstGeom prst="rect">
             <a:avLst/>
@@ -8950,7 +8343,7 @@
     </p:bg>
     <p:spTree>
       <p:nvGrpSpPr>
-        <p:cNvPr id="87" name="Shape 87"/>
+        <p:cNvPr id="88" name="Shape 88"/>
         <p:cNvGrpSpPr/>
         <p:nvPr/>
       </p:nvGrpSpPr>
@@ -8964,7 +8357,7 @@
       </p:grpSpPr>
       <p:sp>
         <p:nvSpPr>
-          <p:cNvPr id="88" name="Google Shape;88;p18"/>
+          <p:cNvPr id="89" name="Google Shape;89;p18"/>
           <p:cNvSpPr txBox="1"/>
           <p:nvPr>
             <p:ph type="title"/>
@@ -8986,9 +8379,6 @@
           <a:lstStyle/>
           <a:p>
             <a:pPr indent="0" lvl="0" marL="0" rtl="0" algn="ctr">
-              <a:lnSpc>
-                <a:spcPct val="115000"/>
-              </a:lnSpc>
               <a:spcBef>
                 <a:spcPts val="1200"/>
               </a:spcBef>
@@ -8998,7 +8388,7 @@
               <a:buNone/>
             </a:pPr>
             <a:r>
-              <a:rPr lang="es" sz="1700">
+              <a:rPr lang="es" sz="1400">
                 <a:solidFill>
                   <a:schemeClr val="lt1"/>
                 </a:solidFill>
@@ -9010,7 +8400,19 @@
               <a:t>¿Cómo se relaciona una </a:t>
             </a:r>
             <a:r>
-              <a:rPr b="1" lang="es" sz="1700">
+              <a:rPr lang="es" sz="1400">
+                <a:solidFill>
+                  <a:schemeClr val="lt1"/>
+                </a:solidFill>
+                <a:latin typeface="Open Sans"/>
+                <a:ea typeface="Open Sans"/>
+                <a:cs typeface="Open Sans"/>
+                <a:sym typeface="Open Sans"/>
+              </a:rPr>
+              <a:t>🥬💪</a:t>
+            </a:r>
+            <a:r>
+              <a:rPr b="1" lang="es" sz="1400">
                 <a:solidFill>
                   <a:schemeClr val="lt1"/>
                 </a:solidFill>
@@ -9022,7 +8424,19 @@
               <a:t>vida saludable</a:t>
             </a:r>
             <a:r>
-              <a:rPr lang="es" sz="1700">
+              <a:rPr lang="es" sz="1400">
+                <a:solidFill>
+                  <a:schemeClr val="lt1"/>
+                </a:solidFill>
+                <a:latin typeface="Open Sans"/>
+                <a:ea typeface="Open Sans"/>
+                <a:cs typeface="Open Sans"/>
+                <a:sym typeface="Open Sans"/>
+              </a:rPr>
+              <a:t>💪🥬</a:t>
+            </a:r>
+            <a:r>
+              <a:rPr lang="es" sz="1400">
                 <a:solidFill>
                   <a:schemeClr val="lt1"/>
                 </a:solidFill>
@@ -9033,7 +8447,7 @@
               </a:rPr>
               <a:t> con el éxito en los estudios?</a:t>
             </a:r>
-            <a:endParaRPr sz="1700">
+            <a:endParaRPr sz="2000">
               <a:solidFill>
                 <a:schemeClr val="lt1"/>
               </a:solidFill>
@@ -9045,9 +8459,54 @@
           </a:p>
         </p:txBody>
       </p:sp>
+      <p:sp>
+        <p:nvSpPr>
+          <p:cNvPr id="90" name="Google Shape;90;p18"/>
+          <p:cNvSpPr txBox="1"/>
+          <p:nvPr/>
+        </p:nvSpPr>
+        <p:spPr>
+          <a:xfrm>
+            <a:off x="5605450" y="1864925"/>
+            <a:ext cx="3558900" cy="461700"/>
+          </a:xfrm>
+          <a:prstGeom prst="rect">
+            <a:avLst/>
+          </a:prstGeom>
+          <a:noFill/>
+          <a:ln>
+            <a:noFill/>
+          </a:ln>
+        </p:spPr>
+        <p:txBody>
+          <a:bodyPr anchorCtr="0" anchor="t" bIns="91425" lIns="91425" spcFirstLastPara="1" rIns="91425" wrap="square" tIns="91425">
+            <a:spAutoFit/>
+          </a:bodyPr>
+          <a:lstStyle/>
+          <a:p>
+            <a:pPr indent="0" lvl="0" marL="0" rtl="0" algn="l">
+              <a:spcBef>
+                <a:spcPts val="0"/>
+              </a:spcBef>
+              <a:spcAft>
+                <a:spcPts val="0"/>
+              </a:spcAft>
+              <a:buNone/>
+            </a:pPr>
+            <a:r>
+              <a:t/>
+            </a:r>
+            <a:endParaRPr sz="1800">
+              <a:solidFill>
+                <a:schemeClr val="dk2"/>
+              </a:solidFill>
+            </a:endParaRPr>
+          </a:p>
+        </p:txBody>
+      </p:sp>
       <p:pic>
         <p:nvPicPr>
-          <p:cNvPr id="89" name="Google Shape;89;p18"/>
+          <p:cNvPr id="91" name="Google Shape;91;p18" title="newplot(2).png"/>
           <p:cNvPicPr preferRelativeResize="0"/>
           <p:nvPr/>
         </p:nvPicPr>
@@ -9061,8 +8520,8 @@
         </p:blipFill>
         <p:spPr>
           <a:xfrm>
-            <a:off x="420850" y="1060675"/>
-            <a:ext cx="2867395" cy="2003488"/>
+            <a:off x="3375900" y="856475"/>
+            <a:ext cx="2827850" cy="1841200"/>
           </a:xfrm>
           <a:prstGeom prst="rect">
             <a:avLst/>
@@ -9073,9 +8532,190 @@
           </a:ln>
         </p:spPr>
       </p:pic>
+      <p:sp>
+        <p:nvSpPr>
+          <p:cNvPr id="92" name="Google Shape;92;p18"/>
+          <p:cNvSpPr txBox="1"/>
+          <p:nvPr/>
+        </p:nvSpPr>
+        <p:spPr>
+          <a:xfrm>
+            <a:off x="311725" y="2919550"/>
+            <a:ext cx="2827800" cy="1223100"/>
+          </a:xfrm>
+          <a:prstGeom prst="rect">
+            <a:avLst/>
+          </a:prstGeom>
+          <a:noFill/>
+          <a:ln>
+            <a:noFill/>
+          </a:ln>
+        </p:spPr>
+        <p:txBody>
+          <a:bodyPr anchorCtr="0" anchor="t" bIns="91425" lIns="91425" spcFirstLastPara="1" rIns="91425" wrap="square" tIns="91425">
+            <a:noAutofit/>
+          </a:bodyPr>
+          <a:lstStyle/>
+          <a:p>
+            <a:pPr indent="0" lvl="0" marL="0" rtl="0" algn="just">
+              <a:lnSpc>
+                <a:spcPct val="135714"/>
+              </a:lnSpc>
+              <a:spcBef>
+                <a:spcPts val="0"/>
+              </a:spcBef>
+              <a:spcAft>
+                <a:spcPts val="0"/>
+              </a:spcAft>
+              <a:buClr>
+                <a:schemeClr val="dk1"/>
+              </a:buClr>
+              <a:buSzPts val="1100"/>
+              <a:buFont typeface="Arial"/>
+              <a:buNone/>
+            </a:pPr>
+            <a:r>
+              <a:rPr lang="es" sz="1100">
+                <a:solidFill>
+                  <a:schemeClr val="lt1"/>
+                </a:solidFill>
+                <a:latin typeface="Open Sans Light"/>
+                <a:ea typeface="Open Sans Light"/>
+                <a:cs typeface="Open Sans Light"/>
+                <a:sym typeface="Open Sans Light"/>
+              </a:rPr>
+              <a:t>Los alumnos que siguen una dieta sana</a:t>
+            </a:r>
+            <a:r>
+              <a:rPr lang="es" sz="1100">
+                <a:solidFill>
+                  <a:schemeClr val="lt1"/>
+                </a:solidFill>
+                <a:latin typeface="Open Sans"/>
+                <a:ea typeface="Open Sans"/>
+                <a:cs typeface="Open Sans"/>
+                <a:sym typeface="Open Sans"/>
+              </a:rPr>
+              <a:t>🥬🥩 </a:t>
+            </a:r>
+            <a:r>
+              <a:rPr lang="es" sz="1100">
+                <a:solidFill>
+                  <a:schemeClr val="lt1"/>
+                </a:solidFill>
+                <a:latin typeface="Open Sans Light"/>
+                <a:ea typeface="Open Sans Light"/>
+                <a:cs typeface="Open Sans Light"/>
+                <a:sym typeface="Open Sans Light"/>
+              </a:rPr>
+              <a:t>o equilibrada obtienen resultados ligeramente mejores que los alumnos que se alimentan con una dieta pobre 🍭🍕.</a:t>
+            </a:r>
+            <a:endParaRPr sz="1100">
+              <a:solidFill>
+                <a:srgbClr val="D4D4D4"/>
+              </a:solidFill>
+              <a:highlight>
+                <a:srgbClr val="1E1E1E"/>
+              </a:highlight>
+              <a:latin typeface="Courier New"/>
+              <a:ea typeface="Courier New"/>
+              <a:cs typeface="Courier New"/>
+              <a:sym typeface="Courier New"/>
+            </a:endParaRPr>
+          </a:p>
+          <a:p>
+            <a:pPr indent="0" lvl="0" marL="0" rtl="0" algn="l">
+              <a:spcBef>
+                <a:spcPts val="0"/>
+              </a:spcBef>
+              <a:spcAft>
+                <a:spcPts val="0"/>
+              </a:spcAft>
+              <a:buNone/>
+            </a:pPr>
+            <a:r>
+              <a:t/>
+            </a:r>
+            <a:endParaRPr sz="1800">
+              <a:solidFill>
+                <a:schemeClr val="dk2"/>
+              </a:solidFill>
+            </a:endParaRPr>
+          </a:p>
+        </p:txBody>
+      </p:sp>
+      <p:sp>
+        <p:nvSpPr>
+          <p:cNvPr id="93" name="Google Shape;93;p18"/>
+          <p:cNvSpPr txBox="1"/>
+          <p:nvPr/>
+        </p:nvSpPr>
+        <p:spPr>
+          <a:xfrm>
+            <a:off x="3426475" y="2869900"/>
+            <a:ext cx="2726700" cy="1568400"/>
+          </a:xfrm>
+          <a:prstGeom prst="rect">
+            <a:avLst/>
+          </a:prstGeom>
+          <a:noFill/>
+          <a:ln>
+            <a:noFill/>
+          </a:ln>
+        </p:spPr>
+        <p:txBody>
+          <a:bodyPr anchorCtr="0" anchor="t" bIns="91425" lIns="91425" spcFirstLastPara="1" rIns="91425" wrap="square" tIns="91425">
+            <a:noAutofit/>
+          </a:bodyPr>
+          <a:lstStyle/>
+          <a:p>
+            <a:pPr indent="0" lvl="0" marL="0" rtl="0" algn="just">
+              <a:lnSpc>
+                <a:spcPct val="135714"/>
+              </a:lnSpc>
+              <a:spcBef>
+                <a:spcPts val="0"/>
+              </a:spcBef>
+              <a:spcAft>
+                <a:spcPts val="0"/>
+              </a:spcAft>
+              <a:buNone/>
+            </a:pPr>
+            <a:r>
+              <a:rPr lang="es" sz="1100">
+                <a:solidFill>
+                  <a:schemeClr val="lt1"/>
+                </a:solidFill>
+                <a:latin typeface="Open Sans Light"/>
+                <a:ea typeface="Open Sans Light"/>
+                <a:cs typeface="Open Sans Light"/>
+                <a:sym typeface="Open Sans Light"/>
+              </a:rPr>
+              <a:t>Los alumnos que hacen ejercicio físico🏃 dos o más veces por semana obtienen mejores resultados siendo los que entrenan 5 o 6 veces por semana los que mejores notas </a:t>
+            </a:r>
+            <a:r>
+              <a:rPr lang="es" sz="1100">
+                <a:solidFill>
+                  <a:schemeClr val="lt1"/>
+                </a:solidFill>
+                <a:latin typeface="Open Sans Light"/>
+                <a:ea typeface="Open Sans Light"/>
+                <a:cs typeface="Open Sans Light"/>
+                <a:sym typeface="Open Sans Light"/>
+              </a:rPr>
+              <a:t>obtienen.</a:t>
+            </a:r>
+            <a:endParaRPr sz="1800">
+              <a:solidFill>
+                <a:schemeClr val="dk2"/>
+              </a:solidFill>
+            </a:endParaRPr>
+          </a:p>
+        </p:txBody>
+      </p:sp>
       <p:pic>
         <p:nvPicPr>
-          <p:cNvPr id="90" name="Google Shape;90;p18"/>
+          <p:cNvPr id="94" name="Google Shape;94;p18" title="newplot(1).png"/>
           <p:cNvPicPr preferRelativeResize="0"/>
           <p:nvPr/>
         </p:nvPicPr>
@@ -9089,8 +8729,8 @@
         </p:blipFill>
         <p:spPr>
           <a:xfrm>
-            <a:off x="3623200" y="1060675"/>
-            <a:ext cx="5303975" cy="3507274"/>
+            <a:off x="6440100" y="856475"/>
+            <a:ext cx="2392199" cy="1841200"/>
           </a:xfrm>
           <a:prstGeom prst="rect">
             <a:avLst/>
@@ -9101,9 +8741,185 @@
           </a:ln>
         </p:spPr>
       </p:pic>
+      <p:sp>
+        <p:nvSpPr>
+          <p:cNvPr id="95" name="Google Shape;95;p18"/>
+          <p:cNvSpPr txBox="1"/>
+          <p:nvPr/>
+        </p:nvSpPr>
+        <p:spPr>
+          <a:xfrm>
+            <a:off x="6440100" y="2919550"/>
+            <a:ext cx="2330400" cy="951600"/>
+          </a:xfrm>
+          <a:prstGeom prst="rect">
+            <a:avLst/>
+          </a:prstGeom>
+          <a:noFill/>
+          <a:ln>
+            <a:noFill/>
+          </a:ln>
+        </p:spPr>
+        <p:txBody>
+          <a:bodyPr anchorCtr="0" anchor="t" bIns="91425" lIns="91425" spcFirstLastPara="1" rIns="91425" wrap="square" tIns="91425">
+            <a:noAutofit/>
+          </a:bodyPr>
+          <a:lstStyle/>
+          <a:p>
+            <a:pPr indent="0" lvl="0" marL="0" rtl="0" algn="just">
+              <a:lnSpc>
+                <a:spcPct val="135714"/>
+              </a:lnSpc>
+              <a:spcBef>
+                <a:spcPts val="0"/>
+              </a:spcBef>
+              <a:spcAft>
+                <a:spcPts val="0"/>
+              </a:spcAft>
+              <a:buClr>
+                <a:schemeClr val="dk1"/>
+              </a:buClr>
+              <a:buSzPts val="1100"/>
+              <a:buFont typeface="Arial"/>
+              <a:buNone/>
+            </a:pPr>
+            <a:r>
+              <a:rPr lang="es" sz="1100">
+                <a:solidFill>
+                  <a:schemeClr val="lt1"/>
+                </a:solidFill>
+                <a:latin typeface="Open Sans Light"/>
+                <a:ea typeface="Open Sans Light"/>
+                <a:cs typeface="Open Sans Light"/>
+                <a:sym typeface="Open Sans Light"/>
+              </a:rPr>
+              <a:t>La correlación entre el resultado del examen y las horas de sueño💤 es escasamente positiva.</a:t>
+            </a:r>
+            <a:endParaRPr sz="1050">
+              <a:solidFill>
+                <a:srgbClr val="D4D4D4"/>
+              </a:solidFill>
+              <a:highlight>
+                <a:srgbClr val="1E1E1E"/>
+              </a:highlight>
+              <a:latin typeface="Courier New"/>
+              <a:ea typeface="Courier New"/>
+              <a:cs typeface="Courier New"/>
+              <a:sym typeface="Courier New"/>
+            </a:endParaRPr>
+          </a:p>
+          <a:p>
+            <a:pPr indent="0" lvl="0" marL="0" rtl="0" algn="l">
+              <a:spcBef>
+                <a:spcPts val="0"/>
+              </a:spcBef>
+              <a:spcAft>
+                <a:spcPts val="0"/>
+              </a:spcAft>
+              <a:buNone/>
+            </a:pPr>
+            <a:r>
+              <a:t/>
+            </a:r>
+            <a:endParaRPr sz="1800">
+              <a:solidFill>
+                <a:schemeClr val="dk2"/>
+              </a:solidFill>
+            </a:endParaRPr>
+          </a:p>
+        </p:txBody>
+      </p:sp>
+      <p:sp>
+        <p:nvSpPr>
+          <p:cNvPr id="96" name="Google Shape;96;p18"/>
+          <p:cNvSpPr txBox="1"/>
+          <p:nvPr/>
+        </p:nvSpPr>
+        <p:spPr>
+          <a:xfrm>
+            <a:off x="472650" y="4249625"/>
+            <a:ext cx="8030700" cy="572700"/>
+          </a:xfrm>
+          <a:prstGeom prst="rect">
+            <a:avLst/>
+          </a:prstGeom>
+          <a:noFill/>
+          <a:ln>
+            <a:noFill/>
+          </a:ln>
+        </p:spPr>
+        <p:txBody>
+          <a:bodyPr anchorCtr="0" anchor="t" bIns="91425" lIns="91425" spcFirstLastPara="1" rIns="91425" wrap="square" tIns="91425">
+            <a:noAutofit/>
+          </a:bodyPr>
+          <a:lstStyle/>
+          <a:p>
+            <a:pPr indent="0" lvl="0" marL="0" rtl="0" algn="l">
+              <a:lnSpc>
+                <a:spcPct val="135714"/>
+              </a:lnSpc>
+              <a:spcBef>
+                <a:spcPts val="0"/>
+              </a:spcBef>
+              <a:spcAft>
+                <a:spcPts val="0"/>
+              </a:spcAft>
+              <a:buClr>
+                <a:schemeClr val="dk1"/>
+              </a:buClr>
+              <a:buSzPts val="1100"/>
+              <a:buFont typeface="Arial"/>
+              <a:buNone/>
+            </a:pPr>
+            <a:r>
+              <a:rPr b="1" lang="es" sz="1100">
+                <a:solidFill>
+                  <a:schemeClr val="lt1"/>
+                </a:solidFill>
+                <a:latin typeface="Open Sans"/>
+                <a:ea typeface="Open Sans"/>
+                <a:cs typeface="Open Sans"/>
+                <a:sym typeface="Open Sans"/>
+              </a:rPr>
+              <a:t>A partir de las visualizaciones, se podría decir que llevar una vida saludable tiene un impacto ligeramente positivo📈en el rendimiento académico.</a:t>
+            </a:r>
+            <a:endParaRPr b="1" sz="1050">
+              <a:solidFill>
+                <a:srgbClr val="D4D4D4"/>
+              </a:solidFill>
+              <a:highlight>
+                <a:srgbClr val="1E1E1E"/>
+              </a:highlight>
+              <a:latin typeface="Courier New"/>
+              <a:ea typeface="Courier New"/>
+              <a:cs typeface="Courier New"/>
+              <a:sym typeface="Courier New"/>
+            </a:endParaRPr>
+          </a:p>
+          <a:p>
+            <a:pPr indent="0" lvl="0" marL="0" rtl="0" algn="l">
+              <a:spcBef>
+                <a:spcPts val="0"/>
+              </a:spcBef>
+              <a:spcAft>
+                <a:spcPts val="0"/>
+              </a:spcAft>
+              <a:buNone/>
+            </a:pPr>
+            <a:r>
+              <a:t/>
+            </a:r>
+            <a:endParaRPr sz="1800">
+              <a:solidFill>
+                <a:schemeClr val="dk2"/>
+              </a:solidFill>
+            </a:endParaRPr>
+          </a:p>
+        </p:txBody>
+      </p:sp>
       <p:pic>
         <p:nvPicPr>
-          <p:cNvPr id="91" name="Google Shape;91;p18"/>
+          <p:cNvPr id="97" name="Google Shape;97;p18" title="newplot(7).png"/>
           <p:cNvPicPr preferRelativeResize="0"/>
           <p:nvPr/>
         </p:nvPicPr>
@@ -9117,8 +8933,8 @@
         </p:blipFill>
         <p:spPr>
           <a:xfrm>
-            <a:off x="841250" y="3289200"/>
-            <a:ext cx="2135325" cy="1328175"/>
+            <a:off x="257850" y="876550"/>
+            <a:ext cx="2881680" cy="1801050"/>
           </a:xfrm>
           <a:prstGeom prst="rect">
             <a:avLst/>
@@ -9149,7 +8965,7 @@
     </p:bg>
     <p:spTree>
       <p:nvGrpSpPr>
-        <p:cNvPr id="95" name="Shape 95"/>
+        <p:cNvPr id="101" name="Shape 101"/>
         <p:cNvGrpSpPr/>
         <p:nvPr/>
       </p:nvGrpSpPr>
@@ -9163,7 +8979,7 @@
       </p:grpSpPr>
       <p:sp>
         <p:nvSpPr>
-          <p:cNvPr id="96" name="Google Shape;96;p19"/>
+          <p:cNvPr id="102" name="Google Shape;102;p19"/>
           <p:cNvSpPr txBox="1"/>
           <p:nvPr>
             <p:ph type="title"/>
@@ -9171,8 +8987,8 @@
         </p:nvSpPr>
         <p:spPr>
           <a:xfrm>
-            <a:off x="311700" y="337625"/>
-            <a:ext cx="8520600" cy="572700"/>
+            <a:off x="311700" y="230675"/>
+            <a:ext cx="8520600" cy="821400"/>
           </a:xfrm>
           <a:prstGeom prst="rect">
             <a:avLst/>
@@ -9185,20 +9001,16 @@
           <a:lstStyle/>
           <a:p>
             <a:pPr indent="0" lvl="0" marL="0" rtl="0" algn="ctr">
-              <a:lnSpc>
-                <a:spcPct val="115000"/>
-              </a:lnSpc>
               <a:spcBef>
                 <a:spcPts val="1200"/>
               </a:spcBef>
               <a:spcAft>
-                <a:spcPts val="1200"/>
-              </a:spcAft>
-              <a:buSzPts val="990"/>
+                <a:spcPts val="0"/>
+              </a:spcAft>
               <a:buNone/>
             </a:pPr>
             <a:r>
-              <a:rPr lang="es" sz="1700">
+              <a:rPr lang="es" sz="1400">
                 <a:solidFill>
                   <a:schemeClr val="lt1"/>
                 </a:solidFill>
@@ -9207,22 +9019,30 @@
                 <a:cs typeface="Open Sans Light"/>
                 <a:sym typeface="Open Sans Light"/>
               </a:rPr>
-              <a:t>¿Cómo afecta el tiempo dedicado a las </a:t>
-            </a:r>
-            <a:r>
-              <a:rPr b="1" lang="es" sz="1700">
-                <a:solidFill>
-                  <a:schemeClr val="lt1"/>
-                </a:solidFill>
-                <a:latin typeface="Open Sans"/>
-                <a:ea typeface="Open Sans"/>
-                <a:cs typeface="Open Sans"/>
-                <a:sym typeface="Open Sans"/>
-              </a:rPr>
-              <a:t>redes sociales</a:t>
-            </a:r>
-            <a:r>
-              <a:rPr lang="es" sz="1700">
+              <a:t>¿Cómo afecta el tiempo dedicado a las 📱redes sociales y  netflix📱 en el resultado académico? </a:t>
+            </a:r>
+            <a:endParaRPr sz="1400">
+              <a:solidFill>
+                <a:schemeClr val="lt1"/>
+              </a:solidFill>
+              <a:latin typeface="Open Sans Light"/>
+              <a:ea typeface="Open Sans Light"/>
+              <a:cs typeface="Open Sans Light"/>
+              <a:sym typeface="Open Sans Light"/>
+            </a:endParaRPr>
+          </a:p>
+          <a:p>
+            <a:pPr indent="0" lvl="0" marL="0" rtl="0" algn="ctr">
+              <a:spcBef>
+                <a:spcPts val="1200"/>
+              </a:spcBef>
+              <a:spcAft>
+                <a:spcPts val="1200"/>
+              </a:spcAft>
+              <a:buNone/>
+            </a:pPr>
+            <a:r>
+              <a:rPr lang="es" sz="1400">
                 <a:solidFill>
                   <a:schemeClr val="lt1"/>
                 </a:solidFill>
@@ -9231,55 +9051,7 @@
                 <a:cs typeface="Open Sans Light"/>
                 <a:sym typeface="Open Sans Light"/>
               </a:rPr>
-              <a:t> y  </a:t>
-            </a:r>
-            <a:r>
-              <a:rPr b="1" lang="es" sz="1700">
-                <a:solidFill>
-                  <a:schemeClr val="lt1"/>
-                </a:solidFill>
-                <a:latin typeface="Open Sans"/>
-                <a:ea typeface="Open Sans"/>
-                <a:cs typeface="Open Sans"/>
-                <a:sym typeface="Open Sans"/>
-              </a:rPr>
-              <a:t>netflix</a:t>
-            </a:r>
-            <a:r>
-              <a:rPr lang="es" sz="1700">
-                <a:solidFill>
-                  <a:schemeClr val="lt1"/>
-                </a:solidFill>
-                <a:latin typeface="Open Sans Light"/>
-                <a:ea typeface="Open Sans Light"/>
-                <a:cs typeface="Open Sans Light"/>
-                <a:sym typeface="Open Sans Light"/>
-              </a:rPr>
-              <a:t> en el resultado académico? ¿Es importante tener buen </a:t>
-            </a:r>
-            <a:r>
-              <a:rPr b="1" lang="es" sz="1700">
-                <a:solidFill>
-                  <a:schemeClr val="lt1"/>
-                </a:solidFill>
-                <a:latin typeface="Open Sans"/>
-                <a:ea typeface="Open Sans"/>
-                <a:cs typeface="Open Sans"/>
-                <a:sym typeface="Open Sans"/>
-              </a:rPr>
-              <a:t>acceso a internet</a:t>
-            </a:r>
-            <a:r>
-              <a:rPr lang="es" sz="1700">
-                <a:solidFill>
-                  <a:schemeClr val="lt1"/>
-                </a:solidFill>
-                <a:latin typeface="Open Sans Light"/>
-                <a:ea typeface="Open Sans Light"/>
-                <a:cs typeface="Open Sans Light"/>
-                <a:sym typeface="Open Sans Light"/>
-              </a:rPr>
-              <a:t> para tener buenas notas?</a:t>
+              <a:t>¿Es importante tener buen acceso a internet para tener buenas notas?</a:t>
             </a:r>
             <a:endParaRPr sz="1700"/>
           </a:p>
@@ -9287,7 +9059,7 @@
       </p:sp>
       <p:pic>
         <p:nvPicPr>
-          <p:cNvPr id="97" name="Google Shape;97;p19"/>
+          <p:cNvPr id="103" name="Google Shape;103;p19" title="newplot(3).png"/>
           <p:cNvPicPr preferRelativeResize="0"/>
           <p:nvPr/>
         </p:nvPicPr>
@@ -9301,8 +9073,8 @@
         </p:blipFill>
         <p:spPr>
           <a:xfrm>
-            <a:off x="474550" y="1363375"/>
-            <a:ext cx="3833551" cy="2785775"/>
+            <a:off x="4669035" y="1161725"/>
+            <a:ext cx="3406590" cy="2307200"/>
           </a:xfrm>
           <a:prstGeom prst="rect">
             <a:avLst/>
@@ -9315,7 +9087,7 @@
       </p:pic>
       <p:pic>
         <p:nvPicPr>
-          <p:cNvPr id="98" name="Google Shape;98;p19"/>
+          <p:cNvPr id="104" name="Google Shape;104;p19"/>
           <p:cNvPicPr preferRelativeResize="0"/>
           <p:nvPr/>
         </p:nvPicPr>
@@ -9329,8 +9101,8 @@
         </p:blipFill>
         <p:spPr>
           <a:xfrm>
-            <a:off x="4490625" y="1363375"/>
-            <a:ext cx="4254000" cy="2785774"/>
+            <a:off x="905150" y="1161725"/>
+            <a:ext cx="3230099" cy="2307200"/>
           </a:xfrm>
           <a:prstGeom prst="rect">
             <a:avLst/>
@@ -9341,6 +9113,157 @@
           </a:ln>
         </p:spPr>
       </p:pic>
+      <p:sp>
+        <p:nvSpPr>
+          <p:cNvPr id="105" name="Google Shape;105;p19"/>
+          <p:cNvSpPr txBox="1"/>
+          <p:nvPr/>
+        </p:nvSpPr>
+        <p:spPr>
+          <a:xfrm>
+            <a:off x="718550" y="3716750"/>
+            <a:ext cx="3603300" cy="1035300"/>
+          </a:xfrm>
+          <a:prstGeom prst="rect">
+            <a:avLst/>
+          </a:prstGeom>
+          <a:noFill/>
+          <a:ln>
+            <a:noFill/>
+          </a:ln>
+        </p:spPr>
+        <p:txBody>
+          <a:bodyPr anchorCtr="0" anchor="t" bIns="91425" lIns="91425" spcFirstLastPara="1" rIns="91425" wrap="square" tIns="91425">
+            <a:noAutofit/>
+          </a:bodyPr>
+          <a:lstStyle/>
+          <a:p>
+            <a:pPr indent="0" lvl="0" marL="0" rtl="0" algn="just">
+              <a:lnSpc>
+                <a:spcPct val="135714"/>
+              </a:lnSpc>
+              <a:spcBef>
+                <a:spcPts val="0"/>
+              </a:spcBef>
+              <a:spcAft>
+                <a:spcPts val="0"/>
+              </a:spcAft>
+              <a:buClr>
+                <a:schemeClr val="dk1"/>
+              </a:buClr>
+              <a:buSzPts val="1100"/>
+              <a:buFont typeface="Arial"/>
+              <a:buNone/>
+            </a:pPr>
+            <a:r>
+              <a:rPr lang="es" sz="1100">
+                <a:solidFill>
+                  <a:schemeClr val="lt1"/>
+                </a:solidFill>
+                <a:latin typeface="Open Sans Light"/>
+                <a:ea typeface="Open Sans Light"/>
+                <a:cs typeface="Open Sans Light"/>
+                <a:sym typeface="Open Sans Light"/>
+              </a:rPr>
+              <a:t>El tiempo dedicado a las redes sociales como el tiempo de uso de la plataforma Netflix tienen una correlación levemente negativa📉 con la nota del examen.</a:t>
+            </a:r>
+            <a:endParaRPr sz="1100">
+              <a:solidFill>
+                <a:schemeClr val="lt1"/>
+              </a:solidFill>
+              <a:latin typeface="Open Sans Light"/>
+              <a:ea typeface="Open Sans Light"/>
+              <a:cs typeface="Open Sans Light"/>
+              <a:sym typeface="Open Sans Light"/>
+            </a:endParaRPr>
+          </a:p>
+        </p:txBody>
+      </p:sp>
+      <p:sp>
+        <p:nvSpPr>
+          <p:cNvPr id="106" name="Google Shape;106;p19"/>
+          <p:cNvSpPr txBox="1"/>
+          <p:nvPr/>
+        </p:nvSpPr>
+        <p:spPr>
+          <a:xfrm>
+            <a:off x="4571988" y="3694400"/>
+            <a:ext cx="3800100" cy="866100"/>
+          </a:xfrm>
+          <a:prstGeom prst="rect">
+            <a:avLst/>
+          </a:prstGeom>
+          <a:noFill/>
+          <a:ln>
+            <a:noFill/>
+          </a:ln>
+        </p:spPr>
+        <p:txBody>
+          <a:bodyPr anchorCtr="0" anchor="t" bIns="91425" lIns="91425" spcFirstLastPara="1" rIns="91425" wrap="square" tIns="91425">
+            <a:noAutofit/>
+          </a:bodyPr>
+          <a:lstStyle/>
+          <a:p>
+            <a:pPr indent="0" lvl="0" marL="0" rtl="0" algn="just">
+              <a:lnSpc>
+                <a:spcPct val="135714"/>
+              </a:lnSpc>
+              <a:spcBef>
+                <a:spcPts val="0"/>
+              </a:spcBef>
+              <a:spcAft>
+                <a:spcPts val="0"/>
+              </a:spcAft>
+              <a:buClr>
+                <a:schemeClr val="dk1"/>
+              </a:buClr>
+              <a:buSzPts val="1100"/>
+              <a:buFont typeface="Arial"/>
+              <a:buNone/>
+            </a:pPr>
+            <a:r>
+              <a:rPr lang="es" sz="1100">
+                <a:solidFill>
+                  <a:schemeClr val="lt1"/>
+                </a:solidFill>
+                <a:latin typeface="Open Sans Light"/>
+                <a:ea typeface="Open Sans Light"/>
+                <a:cs typeface="Open Sans Light"/>
+                <a:sym typeface="Open Sans Light"/>
+              </a:rPr>
+              <a:t>Los alumnos que cuentan con un acceso a internet🛜 promedio muestran mejores resultados académicos.</a:t>
+            </a:r>
+            <a:endParaRPr sz="1100">
+              <a:solidFill>
+                <a:schemeClr val="lt1"/>
+              </a:solidFill>
+              <a:latin typeface="Open Sans Light"/>
+              <a:ea typeface="Open Sans Light"/>
+              <a:cs typeface="Open Sans Light"/>
+              <a:sym typeface="Open Sans Light"/>
+            </a:endParaRPr>
+          </a:p>
+          <a:p>
+            <a:pPr indent="0" lvl="0" marL="0" rtl="0" algn="l">
+              <a:spcBef>
+                <a:spcPts val="0"/>
+              </a:spcBef>
+              <a:spcAft>
+                <a:spcPts val="0"/>
+              </a:spcAft>
+              <a:buNone/>
+            </a:pPr>
+            <a:r>
+              <a:t/>
+            </a:r>
+            <a:endParaRPr sz="1800">
+              <a:solidFill>
+                <a:schemeClr val="dk2"/>
+              </a:solidFill>
+            </a:endParaRPr>
+          </a:p>
+        </p:txBody>
+      </p:sp>
     </p:spTree>
   </p:cSld>
   <p:clrMapOvr>
@@ -9361,7 +9284,7 @@
     </p:bg>
     <p:spTree>
       <p:nvGrpSpPr>
-        <p:cNvPr id="102" name="Shape 102"/>
+        <p:cNvPr id="110" name="Shape 110"/>
         <p:cNvGrpSpPr/>
         <p:nvPr/>
       </p:nvGrpSpPr>
@@ -9375,7 +9298,7 @@
       </p:grpSpPr>
       <p:sp>
         <p:nvSpPr>
-          <p:cNvPr id="103" name="Google Shape;103;p20"/>
+          <p:cNvPr id="111" name="Google Shape;111;p20"/>
           <p:cNvSpPr txBox="1"/>
           <p:nvPr>
             <p:ph type="title"/>
@@ -9442,7 +9365,31 @@
                 <a:cs typeface="Open Sans Light"/>
                 <a:sym typeface="Open Sans Light"/>
               </a:rPr>
-              <a:t>para el éxito académico?</a:t>
+              <a:t>para el éxito académico</a:t>
+            </a:r>
+            <a:r>
+              <a:rPr b="1" lang="es" sz="1100">
+                <a:solidFill>
+                  <a:schemeClr val="lt1"/>
+                </a:solidFill>
+                <a:latin typeface="Open Sans"/>
+                <a:ea typeface="Open Sans"/>
+                <a:cs typeface="Open Sans"/>
+                <a:sym typeface="Open Sans"/>
+              </a:rPr>
+              <a:t>📈</a:t>
+            </a:r>
+            <a:r>
+              <a:rPr lang="es" sz="1700">
+                <a:solidFill>
+                  <a:schemeClr val="lt1"/>
+                </a:solidFill>
+                <a:latin typeface="Open Sans Light"/>
+                <a:ea typeface="Open Sans Light"/>
+                <a:cs typeface="Open Sans Light"/>
+                <a:sym typeface="Open Sans Light"/>
+              </a:rPr>
+              <a:t>?</a:t>
             </a:r>
             <a:endParaRPr sz="3100"/>
           </a:p>
@@ -9450,7 +9397,7 @@
       </p:sp>
       <p:pic>
         <p:nvPicPr>
-          <p:cNvPr id="104" name="Google Shape;104;p20"/>
+          <p:cNvPr id="112" name="Google Shape;112;p20" title="newplot(5).png"/>
           <p:cNvPicPr preferRelativeResize="0"/>
           <p:nvPr/>
         </p:nvPicPr>
@@ -9464,8 +9411,8 @@
         </p:blipFill>
         <p:spPr>
           <a:xfrm>
-            <a:off x="485300" y="1159375"/>
-            <a:ext cx="4499299" cy="3100149"/>
+            <a:off x="1243150" y="1157625"/>
+            <a:ext cx="2900238" cy="2537700"/>
           </a:xfrm>
           <a:prstGeom prst="rect">
             <a:avLst/>
@@ -9478,7 +9425,7 @@
       </p:pic>
       <p:pic>
         <p:nvPicPr>
-          <p:cNvPr id="105" name="Google Shape;105;p20"/>
+          <p:cNvPr id="113" name="Google Shape;113;p20"/>
           <p:cNvPicPr preferRelativeResize="0"/>
           <p:nvPr/>
         </p:nvPicPr>
@@ -9492,8 +9439,8 @@
         </p:blipFill>
         <p:spPr>
           <a:xfrm>
-            <a:off x="5210075" y="1159375"/>
-            <a:ext cx="3167700" cy="2148875"/>
+            <a:off x="4429550" y="1157625"/>
+            <a:ext cx="3410825" cy="2537700"/>
           </a:xfrm>
           <a:prstGeom prst="rect">
             <a:avLst/>
@@ -9504,6 +9451,178 @@
           </a:ln>
         </p:spPr>
       </p:pic>
+      <p:sp>
+        <p:nvSpPr>
+          <p:cNvPr id="114" name="Google Shape;114;p20"/>
+          <p:cNvSpPr txBox="1"/>
+          <p:nvPr/>
+        </p:nvSpPr>
+        <p:spPr>
+          <a:xfrm>
+            <a:off x="1246350" y="3992900"/>
+            <a:ext cx="6651300" cy="727200"/>
+          </a:xfrm>
+          <a:prstGeom prst="rect">
+            <a:avLst/>
+          </a:prstGeom>
+          <a:noFill/>
+          <a:ln>
+            <a:noFill/>
+          </a:ln>
+        </p:spPr>
+        <p:txBody>
+          <a:bodyPr anchorCtr="0" anchor="t" bIns="91425" lIns="91425" spcFirstLastPara="1" rIns="91425" wrap="square" tIns="91425">
+            <a:noAutofit/>
+          </a:bodyPr>
+          <a:lstStyle/>
+          <a:p>
+            <a:pPr indent="0" lvl="0" marL="0" rtl="0" algn="l">
+              <a:lnSpc>
+                <a:spcPct val="135714"/>
+              </a:lnSpc>
+              <a:spcBef>
+                <a:spcPts val="0"/>
+              </a:spcBef>
+              <a:spcAft>
+                <a:spcPts val="0"/>
+              </a:spcAft>
+              <a:buClr>
+                <a:schemeClr val="dk1"/>
+              </a:buClr>
+              <a:buSzPts val="1100"/>
+              <a:buFont typeface="Arial"/>
+              <a:buNone/>
+            </a:pPr>
+            <a:r>
+              <a:rPr lang="es" sz="1100">
+                <a:solidFill>
+                  <a:schemeClr val="lt1"/>
+                </a:solidFill>
+                <a:latin typeface="Open Sans Light"/>
+                <a:ea typeface="Open Sans Light"/>
+                <a:cs typeface="Open Sans Light"/>
+                <a:sym typeface="Open Sans Light"/>
+              </a:rPr>
+              <a:t>Definitivamente los hábitos de estudio</a:t>
+            </a:r>
+            <a:r>
+              <a:rPr lang="es" sz="1100">
+                <a:solidFill>
+                  <a:schemeClr val="lt1"/>
+                </a:solidFill>
+                <a:latin typeface="Open Sans"/>
+                <a:ea typeface="Open Sans"/>
+                <a:cs typeface="Open Sans"/>
+                <a:sym typeface="Open Sans"/>
+              </a:rPr>
+              <a:t>📖</a:t>
+            </a:r>
+            <a:r>
+              <a:rPr lang="es" sz="1100">
+                <a:solidFill>
+                  <a:schemeClr val="lt1"/>
+                </a:solidFill>
+                <a:latin typeface="Open Sans Light"/>
+                <a:ea typeface="Open Sans Light"/>
+                <a:cs typeface="Open Sans Light"/>
+                <a:sym typeface="Open Sans Light"/>
+              </a:rPr>
+              <a:t> (horas de estudio al día) resultan </a:t>
+            </a:r>
+            <a:r>
+              <a:rPr b="1" lang="es" sz="1100">
+                <a:solidFill>
+                  <a:schemeClr val="lt1"/>
+                </a:solidFill>
+                <a:latin typeface="Open Sans"/>
+                <a:ea typeface="Open Sans"/>
+                <a:cs typeface="Open Sans"/>
+                <a:sym typeface="Open Sans"/>
+              </a:rPr>
+              <a:t>determinantes</a:t>
+            </a:r>
+            <a:r>
+              <a:rPr lang="es" sz="1100">
+                <a:solidFill>
+                  <a:schemeClr val="lt1"/>
+                </a:solidFill>
+                <a:latin typeface="Open Sans Light"/>
+                <a:ea typeface="Open Sans Light"/>
+                <a:cs typeface="Open Sans Light"/>
+                <a:sym typeface="Open Sans Light"/>
+              </a:rPr>
+              <a:t> para el éxito académico (mejores notas), con una </a:t>
+            </a:r>
+            <a:r>
+              <a:rPr b="1" lang="es" sz="1100">
+                <a:solidFill>
+                  <a:schemeClr val="lt1"/>
+                </a:solidFill>
+                <a:latin typeface="Open Sans"/>
+                <a:ea typeface="Open Sans"/>
+                <a:cs typeface="Open Sans"/>
+                <a:sym typeface="Open Sans"/>
+              </a:rPr>
+              <a:t>correlación positiva de 0,83</a:t>
+            </a:r>
+            <a:r>
+              <a:rPr b="1" lang="es" sz="1100">
+                <a:solidFill>
+                  <a:schemeClr val="lt1"/>
+                </a:solidFill>
+                <a:latin typeface="Open Sans"/>
+                <a:ea typeface="Open Sans"/>
+                <a:cs typeface="Open Sans"/>
+                <a:sym typeface="Open Sans"/>
+              </a:rPr>
+              <a:t>📈</a:t>
+            </a:r>
+            <a:r>
+              <a:rPr b="1" lang="es" sz="1100">
+                <a:solidFill>
+                  <a:schemeClr val="lt1"/>
+                </a:solidFill>
+                <a:latin typeface="Open Sans"/>
+                <a:ea typeface="Open Sans"/>
+                <a:cs typeface="Open Sans"/>
+                <a:sym typeface="Open Sans"/>
+              </a:rPr>
+              <a:t>.</a:t>
+            </a:r>
+            <a:endParaRPr b="1" sz="1050">
+              <a:solidFill>
+                <a:srgbClr val="D4D4D4"/>
+              </a:solidFill>
+              <a:highlight>
+                <a:srgbClr val="1E1E1E"/>
+              </a:highlight>
+              <a:latin typeface="Courier New"/>
+              <a:ea typeface="Courier New"/>
+              <a:cs typeface="Courier New"/>
+              <a:sym typeface="Courier New"/>
+            </a:endParaRPr>
+          </a:p>
+          <a:p>
+            <a:pPr indent="0" lvl="0" marL="0" rtl="0" algn="l">
+              <a:spcBef>
+                <a:spcPts val="0"/>
+              </a:spcBef>
+              <a:spcAft>
+                <a:spcPts val="0"/>
+              </a:spcAft>
+              <a:buNone/>
+            </a:pPr>
+            <a:r>
+              <a:t/>
+            </a:r>
+            <a:endParaRPr sz="1800">
+              <a:solidFill>
+                <a:schemeClr val="dk2"/>
+              </a:solidFill>
+            </a:endParaRPr>
+          </a:p>
+        </p:txBody>
+      </p:sp>
     </p:spTree>
   </p:cSld>
   <p:clrMapOvr>
@@ -9524,7 +9643,7 @@
     </p:bg>
     <p:spTree>
       <p:nvGrpSpPr>
-        <p:cNvPr id="109" name="Shape 109"/>
+        <p:cNvPr id="118" name="Shape 118"/>
         <p:cNvGrpSpPr/>
         <p:nvPr/>
       </p:nvGrpSpPr>
@@ -9538,7 +9657,7 @@
       </p:grpSpPr>
       <p:sp>
         <p:nvSpPr>
-          <p:cNvPr id="110" name="Google Shape;110;p21"/>
+          <p:cNvPr id="119" name="Google Shape;119;p21"/>
           <p:cNvSpPr txBox="1"/>
           <p:nvPr>
             <p:ph type="title"/>
@@ -9570,7 +9689,7 @@
               <a:buNone/>
             </a:pPr>
             <a:r>
-              <a:rPr lang="es" sz="2420">
+              <a:rPr lang="es" sz="2020">
                 <a:solidFill>
                   <a:schemeClr val="lt1"/>
                 </a:solidFill>
@@ -9595,7 +9714,7 @@
       </p:sp>
       <p:sp>
         <p:nvSpPr>
-          <p:cNvPr id="111" name="Google Shape;111;p21"/>
+          <p:cNvPr id="120" name="Google Shape;120;p21"/>
           <p:cNvSpPr txBox="1"/>
           <p:nvPr>
             <p:ph idx="1" type="body"/>
@@ -9604,7 +9723,7 @@
         <p:spPr>
           <a:xfrm>
             <a:off x="216900" y="959975"/>
-            <a:ext cx="8615400" cy="3609000"/>
+            <a:ext cx="8615400" cy="3792300"/>
           </a:xfrm>
           <a:prstGeom prst="rect">
             <a:avLst/>
@@ -9617,465 +9736,150 @@
           <a:lstStyle/>
           <a:p>
             <a:pPr indent="0" lvl="0" marL="0" rtl="0" algn="l">
-              <a:lnSpc>
-                <a:spcPct val="150000"/>
-              </a:lnSpc>
-              <a:spcBef>
-                <a:spcPts val="0"/>
-              </a:spcBef>
-              <a:spcAft>
-                <a:spcPts val="0"/>
-              </a:spcAft>
-              <a:buSzPts val="935"/>
+              <a:spcBef>
+                <a:spcPts val="1200"/>
+              </a:spcBef>
+              <a:spcAft>
+                <a:spcPts val="0"/>
+              </a:spcAft>
+              <a:buClr>
+                <a:schemeClr val="dk1"/>
+              </a:buClr>
+              <a:buSzPts val="1100"/>
+              <a:buFont typeface="Arial"/>
               <a:buNone/>
             </a:pPr>
             <a:r>
-              <a:rPr lang="es" sz="1320">
+              <a:rPr lang="es" sz="1200">
                 <a:solidFill>
                   <a:schemeClr val="lt1"/>
                 </a:solidFill>
-                <a:latin typeface="Open Sans ExtraBold"/>
-                <a:ea typeface="Open Sans ExtraBold"/>
-                <a:cs typeface="Open Sans ExtraBold"/>
-                <a:sym typeface="Open Sans ExtraBold"/>
+                <a:latin typeface="Open Sans Light"/>
+                <a:ea typeface="Open Sans Light"/>
+                <a:cs typeface="Open Sans Light"/>
+                <a:sym typeface="Open Sans Light"/>
               </a:rPr>
-              <a:t>Pregunta </a:t>
-            </a:r>
-            <a:r>
-              <a:rPr lang="es" sz="1320">
-                <a:solidFill>
-                  <a:schemeClr val="lt1"/>
-                </a:solidFill>
-                <a:latin typeface="Open Sans ExtraBold"/>
-                <a:ea typeface="Open Sans ExtraBold"/>
-                <a:cs typeface="Open Sans ExtraBold"/>
-                <a:sym typeface="Open Sans ExtraBold"/>
-              </a:rPr>
-              <a:t>1:</a:t>
-            </a:r>
-            <a:endParaRPr sz="1320">
+              <a:t>Hemos llegado al final de nuestra exploración sobre el impacto de los hábitos en el rendimiento académico. A través del análisis de este dataset  hemos podido desentrañar algunas relaciones clave que nos permiten comprender mejor qué impulsa el éxito estudiantil.</a:t>
+            </a:r>
+            <a:endParaRPr sz="1200">
               <a:solidFill>
                 <a:schemeClr val="lt1"/>
               </a:solidFill>
-              <a:latin typeface="Open Sans ExtraBold"/>
-              <a:ea typeface="Open Sans ExtraBold"/>
-              <a:cs typeface="Open Sans ExtraBold"/>
-              <a:sym typeface="Open Sans ExtraBold"/>
-            </a:endParaRPr>
-          </a:p>
-          <a:p>
-            <a:pPr indent="-304323" lvl="0" marL="457200" rtl="0" algn="l">
-              <a:lnSpc>
-                <a:spcPct val="115000"/>
-              </a:lnSpc>
-              <a:spcBef>
-                <a:spcPts val="0"/>
-              </a:spcBef>
-              <a:spcAft>
-                <a:spcPts val="0"/>
-              </a:spcAft>
-              <a:buClr>
-                <a:schemeClr val="lt1"/>
-              </a:buClr>
-              <a:buSzPts val="1193"/>
-              <a:buFont typeface="Open Sans"/>
-              <a:buChar char="❏"/>
-            </a:pPr>
-            <a:r>
-              <a:rPr lang="es" sz="1192">
-                <a:solidFill>
-                  <a:schemeClr val="lt1"/>
-                </a:solidFill>
-                <a:latin typeface="Open Sans"/>
-                <a:ea typeface="Open Sans"/>
-                <a:cs typeface="Open Sans"/>
-                <a:sym typeface="Open Sans"/>
-              </a:rPr>
-              <a:t>Se observa que aquellos alumnos que llevan una alimentación buena o justa obtienen levemente mejores resultados que aquellos alumnos que se alimentan a base de una dieta pobre.</a:t>
-            </a:r>
-            <a:endParaRPr sz="1192">
-              <a:solidFill>
-                <a:schemeClr val="lt1"/>
-              </a:solidFill>
-              <a:latin typeface="Open Sans"/>
-              <a:ea typeface="Open Sans"/>
-              <a:cs typeface="Open Sans"/>
-              <a:sym typeface="Open Sans"/>
-            </a:endParaRPr>
-          </a:p>
-          <a:p>
-            <a:pPr indent="-304323" lvl="0" marL="457200" rtl="0" algn="l">
-              <a:lnSpc>
-                <a:spcPct val="115000"/>
-              </a:lnSpc>
-              <a:spcBef>
-                <a:spcPts val="0"/>
-              </a:spcBef>
-              <a:spcAft>
-                <a:spcPts val="0"/>
-              </a:spcAft>
-              <a:buClr>
-                <a:schemeClr val="lt1"/>
-              </a:buClr>
-              <a:buSzPts val="1193"/>
-              <a:buFont typeface="Open Sans"/>
-              <a:buChar char="❏"/>
-            </a:pPr>
-            <a:r>
-              <a:rPr lang="es" sz="1192">
-                <a:solidFill>
-                  <a:schemeClr val="lt1"/>
-                </a:solidFill>
-                <a:latin typeface="Open Sans"/>
-                <a:ea typeface="Open Sans"/>
-                <a:cs typeface="Open Sans"/>
-                <a:sym typeface="Open Sans"/>
-              </a:rPr>
-              <a:t>La correlación en entre el resultado del exámen y las horas de sueño es escasamente positiva.</a:t>
-            </a:r>
-            <a:endParaRPr sz="1192">
-              <a:solidFill>
-                <a:schemeClr val="lt1"/>
-              </a:solidFill>
-              <a:latin typeface="Open Sans"/>
-              <a:ea typeface="Open Sans"/>
-              <a:cs typeface="Open Sans"/>
-              <a:sym typeface="Open Sans"/>
-            </a:endParaRPr>
-          </a:p>
-          <a:p>
-            <a:pPr indent="-304323" lvl="0" marL="457200" rtl="0" algn="l">
-              <a:lnSpc>
-                <a:spcPct val="115000"/>
-              </a:lnSpc>
-              <a:spcBef>
-                <a:spcPts val="0"/>
-              </a:spcBef>
-              <a:spcAft>
-                <a:spcPts val="0"/>
-              </a:spcAft>
-              <a:buClr>
-                <a:schemeClr val="lt1"/>
-              </a:buClr>
-              <a:buSzPts val="1193"/>
-              <a:buFont typeface="Open Sans"/>
-              <a:buChar char="❏"/>
-            </a:pPr>
-            <a:r>
-              <a:rPr lang="es" sz="1192">
-                <a:solidFill>
-                  <a:schemeClr val="lt1"/>
-                </a:solidFill>
-                <a:latin typeface="Open Sans"/>
-                <a:ea typeface="Open Sans"/>
-                <a:cs typeface="Open Sans"/>
-                <a:sym typeface="Open Sans"/>
-              </a:rPr>
-              <a:t>Los alumnos que practican ejercicio físico dos o más veces por semana obtienen mejores resultados que los demás. Siendo los que practican 5 o 6 veces por semana los que mejores resultados obtuvieron.</a:t>
-            </a:r>
-            <a:endParaRPr sz="1192">
-              <a:solidFill>
-                <a:schemeClr val="lt1"/>
-              </a:solidFill>
-              <a:latin typeface="Open Sans"/>
-              <a:ea typeface="Open Sans"/>
-              <a:cs typeface="Open Sans"/>
-              <a:sym typeface="Open Sans"/>
+              <a:latin typeface="Open Sans Light"/>
+              <a:ea typeface="Open Sans Light"/>
+              <a:cs typeface="Open Sans Light"/>
+              <a:sym typeface="Open Sans Light"/>
             </a:endParaRPr>
           </a:p>
           <a:p>
             <a:pPr indent="0" lvl="0" marL="0" rtl="0" algn="l">
-              <a:lnSpc>
-                <a:spcPct val="115000"/>
-              </a:lnSpc>
-              <a:spcBef>
-                <a:spcPts val="0"/>
-              </a:spcBef>
-              <a:spcAft>
-                <a:spcPts val="0"/>
-              </a:spcAft>
+              <a:spcBef>
+                <a:spcPts val="1200"/>
+              </a:spcBef>
+              <a:spcAft>
+                <a:spcPts val="0"/>
+              </a:spcAft>
+              <a:buClr>
+                <a:schemeClr val="dk1"/>
+              </a:buClr>
+              <a:buSzPts val="1100"/>
+              <a:buFont typeface="Arial"/>
               <a:buNone/>
             </a:pPr>
             <a:r>
-              <a:t/>
-            </a:r>
-            <a:endParaRPr sz="1192">
+              <a:rPr lang="es" sz="1200">
+                <a:solidFill>
+                  <a:schemeClr val="lt1"/>
+                </a:solidFill>
+                <a:latin typeface="Open Sans Light"/>
+                <a:ea typeface="Open Sans Light"/>
+                <a:cs typeface="Open Sans Light"/>
+                <a:sym typeface="Open Sans Light"/>
+              </a:rPr>
+              <a:t>Hemos observado que, si bien una vida saludable (alimentación, ejercicio y sueño) tiene un impacto positivo, aunque ligeramente, en el rendimiento, no es el factor más determinante. De manera similar, el tiempo dedicado a las redes sociales y plataformas de entretenimiento muestra una correlación levemente negativa, sugiriendo que el equilibrio es clave. También destacamos que un acceso a internet promedio se asoció con mejores resultados, lo que subraya la importancia de la infraestructura digital sin caer en el exceso.</a:t>
+            </a:r>
+            <a:endParaRPr sz="1200">
               <a:solidFill>
                 <a:schemeClr val="lt1"/>
               </a:solidFill>
-              <a:latin typeface="Open Sans"/>
-              <a:ea typeface="Open Sans"/>
-              <a:cs typeface="Open Sans"/>
-              <a:sym typeface="Open Sans"/>
+              <a:latin typeface="Open Sans Light"/>
+              <a:ea typeface="Open Sans Light"/>
+              <a:cs typeface="Open Sans Light"/>
+              <a:sym typeface="Open Sans Light"/>
             </a:endParaRPr>
           </a:p>
           <a:p>
             <a:pPr indent="0" lvl="0" marL="0" rtl="0" algn="l">
-              <a:lnSpc>
-                <a:spcPct val="150000"/>
-              </a:lnSpc>
-              <a:spcBef>
-                <a:spcPts val="0"/>
-              </a:spcBef>
-              <a:spcAft>
-                <a:spcPts val="0"/>
-              </a:spcAft>
-              <a:buSzPts val="935"/>
+              <a:spcBef>
+                <a:spcPts val="1200"/>
+              </a:spcBef>
+              <a:spcAft>
+                <a:spcPts val="0"/>
+              </a:spcAft>
+              <a:buClr>
+                <a:schemeClr val="dk1"/>
+              </a:buClr>
+              <a:buSzPts val="1100"/>
+              <a:buFont typeface="Arial"/>
               <a:buNone/>
             </a:pPr>
             <a:r>
-              <a:rPr lang="es" sz="1320">
+              <a:rPr lang="es" sz="1200">
                 <a:solidFill>
                   <a:schemeClr val="lt1"/>
                 </a:solidFill>
-                <a:latin typeface="Open Sans ExtraBold"/>
-                <a:ea typeface="Open Sans ExtraBold"/>
-                <a:cs typeface="Open Sans ExtraBold"/>
-                <a:sym typeface="Open Sans ExtraBold"/>
+                <a:latin typeface="Open Sans Light"/>
+                <a:ea typeface="Open Sans Light"/>
+                <a:cs typeface="Open Sans Light"/>
+                <a:sym typeface="Open Sans Light"/>
               </a:rPr>
-              <a:t>Pregunta 2: </a:t>
-            </a:r>
-            <a:endParaRPr sz="1192">
+              <a:t>Sin embargo, el hallazgo más contundente de nuestra investigación es que los hábitos de estudio son, con gran diferencia, el predictor más significativo del éxito académico.</a:t>
+            </a:r>
+            <a:endParaRPr sz="1200">
               <a:solidFill>
                 <a:schemeClr val="lt1"/>
               </a:solidFill>
-              <a:latin typeface="Open Sans"/>
-              <a:ea typeface="Open Sans"/>
-              <a:cs typeface="Open Sans"/>
-              <a:sym typeface="Open Sans"/>
-            </a:endParaRPr>
-          </a:p>
-          <a:p>
-            <a:pPr indent="-304323" lvl="0" marL="457200" marR="0" rtl="0" algn="l">
-              <a:lnSpc>
-                <a:spcPct val="115714"/>
-              </a:lnSpc>
-              <a:spcBef>
-                <a:spcPts val="95"/>
-              </a:spcBef>
-              <a:spcAft>
-                <a:spcPts val="0"/>
-              </a:spcAft>
-              <a:buClr>
-                <a:schemeClr val="lt1"/>
-              </a:buClr>
-              <a:buSzPts val="1193"/>
-              <a:buFont typeface="Open Sans"/>
-              <a:buChar char="❏"/>
-            </a:pPr>
-            <a:r>
-              <a:rPr lang="es" sz="1192">
-                <a:solidFill>
-                  <a:schemeClr val="lt1"/>
-                </a:solidFill>
-                <a:latin typeface="Open Sans"/>
-                <a:ea typeface="Open Sans"/>
-                <a:cs typeface="Open Sans"/>
-                <a:sym typeface="Open Sans"/>
-              </a:rPr>
-              <a:t>Tanto el tiempo dedicado a las redes sociales como el tiempo usando la plataforma netflix tienen una correlación levemente negativa con la nota de exámen.</a:t>
-            </a:r>
-            <a:endParaRPr sz="1192">
-              <a:solidFill>
-                <a:schemeClr val="lt1"/>
-              </a:solidFill>
-              <a:latin typeface="Open Sans"/>
-              <a:ea typeface="Open Sans"/>
-              <a:cs typeface="Open Sans"/>
-              <a:sym typeface="Open Sans"/>
-            </a:endParaRPr>
-          </a:p>
-          <a:p>
-            <a:pPr indent="-304323" lvl="0" marL="457200" marR="0" rtl="0" algn="l">
-              <a:lnSpc>
-                <a:spcPct val="115714"/>
-              </a:lnSpc>
-              <a:spcBef>
-                <a:spcPts val="0"/>
-              </a:spcBef>
-              <a:spcAft>
-                <a:spcPts val="0"/>
-              </a:spcAft>
-              <a:buClr>
-                <a:schemeClr val="lt1"/>
-              </a:buClr>
-              <a:buSzPts val="1193"/>
-              <a:buFont typeface="Open Sans"/>
-              <a:buChar char="❏"/>
-            </a:pPr>
-            <a:r>
-              <a:rPr lang="es" sz="1192">
-                <a:solidFill>
-                  <a:schemeClr val="lt1"/>
-                </a:solidFill>
-                <a:latin typeface="Open Sans"/>
-                <a:ea typeface="Open Sans"/>
-                <a:cs typeface="Open Sans"/>
-                <a:sym typeface="Open Sans"/>
-              </a:rPr>
-              <a:t>En cuanto a la calidad de internet, no hay diferencias considerables en el resultado del exámen entre los alumnos que cuentan con acceso distintas calidades de internet.</a:t>
-            </a:r>
-            <a:endParaRPr sz="1192">
-              <a:solidFill>
-                <a:schemeClr val="lt1"/>
-              </a:solidFill>
-              <a:latin typeface="Open Sans"/>
-              <a:ea typeface="Open Sans"/>
-              <a:cs typeface="Open Sans"/>
-              <a:sym typeface="Open Sans"/>
-            </a:endParaRPr>
-          </a:p>
-          <a:p>
-            <a:pPr indent="0" lvl="0" marL="457200" marR="0" rtl="0" algn="l">
-              <a:lnSpc>
-                <a:spcPct val="115714"/>
-              </a:lnSpc>
-              <a:spcBef>
-                <a:spcPts val="0"/>
-              </a:spcBef>
-              <a:spcAft>
-                <a:spcPts val="0"/>
-              </a:spcAft>
-              <a:buNone/>
-            </a:pPr>
-            <a:r>
-              <a:t/>
-            </a:r>
-            <a:endParaRPr sz="1192">
-              <a:solidFill>
-                <a:schemeClr val="lt1"/>
-              </a:solidFill>
-              <a:latin typeface="Open Sans"/>
-              <a:ea typeface="Open Sans"/>
-              <a:cs typeface="Open Sans"/>
-              <a:sym typeface="Open Sans"/>
+              <a:latin typeface="Open Sans Light"/>
+              <a:ea typeface="Open Sans Light"/>
+              <a:cs typeface="Open Sans Light"/>
+              <a:sym typeface="Open Sans Light"/>
             </a:endParaRPr>
           </a:p>
           <a:p>
             <a:pPr indent="0" lvl="0" marL="0" rtl="0" algn="l">
-              <a:lnSpc>
-                <a:spcPct val="150000"/>
-              </a:lnSpc>
-              <a:spcBef>
-                <a:spcPts val="0"/>
-              </a:spcBef>
-              <a:spcAft>
-                <a:spcPts val="0"/>
-              </a:spcAft>
-              <a:buSzPts val="935"/>
+              <a:spcBef>
+                <a:spcPts val="1200"/>
+              </a:spcBef>
+              <a:spcAft>
+                <a:spcPts val="0"/>
+              </a:spcAft>
+              <a:buClr>
+                <a:schemeClr val="dk1"/>
+              </a:buClr>
+              <a:buSzPts val="1100"/>
+              <a:buFont typeface="Arial"/>
               <a:buNone/>
             </a:pPr>
             <a:r>
-              <a:rPr lang="es" sz="1320">
+              <a:rPr lang="es" sz="1200">
                 <a:solidFill>
                   <a:schemeClr val="lt1"/>
                 </a:solidFill>
-                <a:latin typeface="Open Sans ExtraBold"/>
-                <a:ea typeface="Open Sans ExtraBold"/>
-                <a:cs typeface="Open Sans ExtraBold"/>
-                <a:sym typeface="Open Sans ExtraBold"/>
+                <a:latin typeface="Open Sans Light"/>
+                <a:ea typeface="Open Sans Light"/>
+                <a:cs typeface="Open Sans Light"/>
+                <a:sym typeface="Open Sans Light"/>
               </a:rPr>
-              <a:t>Pregunta 3:</a:t>
-            </a:r>
-            <a:endParaRPr sz="1320">
+              <a:t>En resumen, si bien un estilo de vida equilibrado contribuye al bienestar general del estudiante, es la disciplina y la constancia en el estudio lo que marca la verdadera diferencia en el aula. Espero que esta presentación haya brindado información valiosa tanto para investigadores de datos como para cualquier persona interesada en comprender mejor los complejos factores que dan forma al futuro académico de los estudiantes.</a:t>
+            </a:r>
+            <a:endParaRPr sz="1200">
               <a:solidFill>
                 <a:schemeClr val="lt1"/>
               </a:solidFill>
-              <a:latin typeface="Open Sans ExtraBold"/>
-              <a:ea typeface="Open Sans ExtraBold"/>
-              <a:cs typeface="Open Sans ExtraBold"/>
-              <a:sym typeface="Open Sans ExtraBold"/>
-            </a:endParaRPr>
-          </a:p>
-          <a:p>
-            <a:pPr indent="-304323" lvl="0" marL="457200" rtl="0" algn="l">
-              <a:lnSpc>
-                <a:spcPct val="115714"/>
-              </a:lnSpc>
-              <a:spcBef>
-                <a:spcPts val="0"/>
-              </a:spcBef>
-              <a:spcAft>
-                <a:spcPts val="0"/>
-              </a:spcAft>
-              <a:buClr>
-                <a:schemeClr val="lt1"/>
-              </a:buClr>
-              <a:buSzPts val="1193"/>
-              <a:buFont typeface="Open Sans"/>
-              <a:buChar char="❏"/>
-            </a:pPr>
-            <a:r>
-              <a:rPr lang="es" sz="1192">
-                <a:solidFill>
-                  <a:schemeClr val="lt1"/>
-                </a:solidFill>
-                <a:latin typeface="Open Sans"/>
-                <a:ea typeface="Open Sans"/>
-                <a:cs typeface="Open Sans"/>
-                <a:sym typeface="Open Sans"/>
-              </a:rPr>
-              <a:t>Los hábitos de estudio (horas de estudio por día) resultan ser determinantes para el éxito académico (mejores notas) con una </a:t>
-            </a:r>
-            <a:r>
-              <a:rPr lang="es" sz="1192">
-                <a:solidFill>
-                  <a:schemeClr val="lt1"/>
-                </a:solidFill>
-                <a:latin typeface="Open Sans"/>
-                <a:ea typeface="Open Sans"/>
-                <a:cs typeface="Open Sans"/>
-                <a:sym typeface="Open Sans"/>
-              </a:rPr>
-              <a:t>correlación</a:t>
-            </a:r>
-            <a:r>
-              <a:rPr lang="es" sz="1192">
-                <a:solidFill>
-                  <a:schemeClr val="lt1"/>
-                </a:solidFill>
-                <a:latin typeface="Open Sans"/>
-                <a:ea typeface="Open Sans"/>
-                <a:cs typeface="Open Sans"/>
-                <a:sym typeface="Open Sans"/>
-              </a:rPr>
-              <a:t> positiva de 0.83.</a:t>
-            </a:r>
-            <a:endParaRPr sz="1192">
-              <a:solidFill>
-                <a:schemeClr val="lt1"/>
-              </a:solidFill>
-              <a:latin typeface="Open Sans"/>
-              <a:ea typeface="Open Sans"/>
-              <a:cs typeface="Open Sans"/>
-              <a:sym typeface="Open Sans"/>
-            </a:endParaRPr>
-          </a:p>
-          <a:p>
-            <a:pPr indent="0" lvl="0" marL="0" rtl="0" algn="l">
-              <a:lnSpc>
-                <a:spcPct val="115714"/>
-              </a:lnSpc>
-              <a:spcBef>
-                <a:spcPts val="0"/>
-              </a:spcBef>
-              <a:spcAft>
-                <a:spcPts val="0"/>
-              </a:spcAft>
-              <a:buSzPts val="935"/>
-              <a:buNone/>
-            </a:pPr>
-            <a:r>
-              <a:t/>
-            </a:r>
-            <a:endParaRPr sz="1092">
-              <a:solidFill>
-                <a:schemeClr val="lt1"/>
-              </a:solidFill>
-              <a:latin typeface="Open Sans"/>
-              <a:ea typeface="Open Sans"/>
-              <a:cs typeface="Open Sans"/>
-              <a:sym typeface="Open Sans"/>
+              <a:latin typeface="Open Sans Light"/>
+              <a:ea typeface="Open Sans Light"/>
+              <a:cs typeface="Open Sans Light"/>
+              <a:sym typeface="Open Sans Light"/>
             </a:endParaRPr>
           </a:p>
           <a:p>
@@ -10084,7 +9888,7 @@
                 <a:spcPct val="95000"/>
               </a:lnSpc>
               <a:spcBef>
-                <a:spcPts val="0"/>
+                <a:spcPts val="1200"/>
               </a:spcBef>
               <a:spcAft>
                 <a:spcPts val="1200"/>
@@ -10101,7 +9905,7 @@
       </p:sp>
       <p:pic>
         <p:nvPicPr>
-          <p:cNvPr descr="Woman is studying financial business documents at her desk (proporcionado por Getty Images)" id="112" name="Google Shape;112;p21"/>
+          <p:cNvPr descr="Woman is studying financial business documents at her desk (proporcionado por Getty Images)" id="121" name="Google Shape;121;p21"/>
           <p:cNvPicPr preferRelativeResize="0"/>
           <p:nvPr/>
         </p:nvPicPr>
@@ -10135,6 +9939,285 @@
 </file>
 
 <file path=ppt/theme/theme1.xml><?xml version="1.0" encoding="utf-8"?>
+<a:theme xmlns:a="http://schemas.openxmlformats.org/drawingml/2006/main" xmlns:r="http://schemas.openxmlformats.org/officeDocument/2006/relationships" name="Simple Light">
+  <a:themeElements>
+    <a:clrScheme name="Simple Light">
+      <a:dk1>
+        <a:srgbClr val="000000"/>
+      </a:dk1>
+      <a:lt1>
+        <a:srgbClr val="FFFFFF"/>
+      </a:lt1>
+      <a:dk2>
+        <a:srgbClr val="595959"/>
+      </a:dk2>
+      <a:lt2>
+        <a:srgbClr val="EEEEEE"/>
+      </a:lt2>
+      <a:accent1>
+        <a:srgbClr val="4285F4"/>
+      </a:accent1>
+      <a:accent2>
+        <a:srgbClr val="212121"/>
+      </a:accent2>
+      <a:accent3>
+        <a:srgbClr val="78909C"/>
+      </a:accent3>
+      <a:accent4>
+        <a:srgbClr val="FFAB40"/>
+      </a:accent4>
+      <a:accent5>
+        <a:srgbClr val="0097A7"/>
+      </a:accent5>
+      <a:accent6>
+        <a:srgbClr val="EEFF41"/>
+      </a:accent6>
+      <a:hlink>
+        <a:srgbClr val="0097A7"/>
+      </a:hlink>
+      <a:folHlink>
+        <a:srgbClr val="0097A7"/>
+      </a:folHlink>
+    </a:clrScheme>
+    <a:fontScheme name="Office">
+      <a:majorFont>
+        <a:latin typeface="Arial"/>
+        <a:ea typeface=""/>
+        <a:cs typeface=""/>
+        <a:font script="Jpan" typeface="ＭＳ Ｐゴシック"/>
+        <a:font script="Hang" typeface="맑은 고딕"/>
+        <a:font script="Hans" typeface="宋体"/>
+        <a:font script="Hant" typeface="新細明體"/>
+        <a:font script="Arab" typeface="Times New Roman"/>
+        <a:font script="Hebr" typeface="Times New Roman"/>
+        <a:font script="Thai" typeface="Angsana New"/>
+        <a:font script="Ethi" typeface="Nyala"/>
+        <a:font script="Beng" typeface="Vrinda"/>
+        <a:font script="Gujr" typeface="Shruti"/>
+        <a:font script="Khmr" typeface="MoolBoran"/>
+        <a:font script="Knda" typeface="Tunga"/>
+        <a:font script="Guru" typeface="Raavi"/>
+        <a:font script="Cans" typeface="Euphemia"/>
+        <a:font script="Cher" typeface="Plantagenet Cherokee"/>
+        <a:font script="Yiii" typeface="Microsoft Yi Baiti"/>
+        <a:font script="Tibt" typeface="Microsoft Himalaya"/>
+        <a:font script="Thaa" typeface="MV Boli"/>
+        <a:font script="Deva" typeface="Mangal"/>
+        <a:font script="Telu" typeface="Gautami"/>
+        <a:font script="Taml" typeface="Latha"/>
+        <a:font script="Syrc" typeface="Estrangelo Edessa"/>
+        <a:font script="Orya" typeface="Kalinga"/>
+        <a:font script="Mlym" typeface="Kartika"/>
+        <a:font script="Laoo" typeface="DokChampa"/>
+        <a:font script="Sinh" typeface="Iskoola Pota"/>
+        <a:font script="Mong" typeface="Mongolian Baiti"/>
+        <a:font script="Viet" typeface="Times New Roman"/>
+        <a:font script="Uigh" typeface="Microsoft Uighur"/>
+        <a:font script="Geor" typeface="Sylfaen"/>
+      </a:majorFont>
+      <a:minorFont>
+        <a:latin typeface="Arial"/>
+        <a:ea typeface=""/>
+        <a:cs typeface=""/>
+        <a:font script="Jpan" typeface="ＭＳ Ｐゴシック"/>
+        <a:font script="Hang" typeface="맑은 고딕"/>
+        <a:font script="Hans" typeface="宋体"/>
+        <a:font script="Hant" typeface="新細明體"/>
+        <a:font script="Arab" typeface="Arial"/>
+        <a:font script="Hebr" typeface="Arial"/>
+        <a:font script="Thai" typeface="Cordia New"/>
+        <a:font script="Ethi" typeface="Nyala"/>
+        <a:font script="Beng" typeface="Vrinda"/>
+        <a:font script="Gujr" typeface="Shruti"/>
+        <a:font script="Khmr" typeface="DaunPenh"/>
+        <a:font script="Knda" typeface="Tunga"/>
+        <a:font script="Guru" typeface="Raavi"/>
+        <a:font script="Cans" typeface="Euphemia"/>
+        <a:font script="Cher" typeface="Plantagenet Cherokee"/>
+        <a:font script="Yiii" typeface="Microsoft Yi Baiti"/>
+        <a:font script="Tibt" typeface="Microsoft Himalaya"/>
+        <a:font script="Thaa" typeface="MV Boli"/>
+        <a:font script="Deva" typeface="Mangal"/>
+        <a:font script="Telu" typeface="Gautami"/>
+        <a:font script="Taml" typeface="Latha"/>
+        <a:font script="Syrc" typeface="Estrangelo Edessa"/>
+        <a:font script="Orya" typeface="Kalinga"/>
+        <a:font script="Mlym" typeface="Kartika"/>
+        <a:font script="Laoo" typeface="DokChampa"/>
+        <a:font script="Sinh" typeface="Iskoola Pota"/>
+        <a:font script="Mong" typeface="Mongolian Baiti"/>
+        <a:font script="Viet" typeface="Arial"/>
+        <a:font script="Uigh" typeface="Microsoft Uighur"/>
+        <a:font script="Geor" typeface="Sylfaen"/>
+      </a:minorFont>
+    </a:fontScheme>
+    <a:fmtScheme name="Office">
+      <a:fillStyleLst>
+        <a:solidFill>
+          <a:schemeClr val="phClr"/>
+        </a:solidFill>
+        <a:gradFill rotWithShape="1">
+          <a:gsLst>
+            <a:gs pos="0">
+              <a:schemeClr val="phClr">
+                <a:tint val="50000"/>
+                <a:satMod val="300000"/>
+              </a:schemeClr>
+            </a:gs>
+            <a:gs pos="35000">
+              <a:schemeClr val="phClr">
+                <a:tint val="37000"/>
+                <a:satMod val="300000"/>
+              </a:schemeClr>
+            </a:gs>
+            <a:gs pos="100000">
+              <a:schemeClr val="phClr">
+                <a:tint val="15000"/>
+                <a:satMod val="350000"/>
+              </a:schemeClr>
+            </a:gs>
+          </a:gsLst>
+          <a:lin ang="16200000" scaled="1"/>
+        </a:gradFill>
+        <a:gradFill rotWithShape="1">
+          <a:gsLst>
+            <a:gs pos="0">
+              <a:schemeClr val="phClr">
+                <a:tint val="100000"/>
+                <a:shade val="100000"/>
+                <a:satMod val="130000"/>
+              </a:schemeClr>
+            </a:gs>
+            <a:gs pos="100000">
+              <a:schemeClr val="phClr">
+                <a:tint val="50000"/>
+                <a:shade val="100000"/>
+                <a:satMod val="350000"/>
+              </a:schemeClr>
+            </a:gs>
+          </a:gsLst>
+          <a:lin ang="16200000" scaled="0"/>
+        </a:gradFill>
+      </a:fillStyleLst>
+      <a:lnStyleLst>
+        <a:ln w="9525" cap="flat" cmpd="sng" algn="ctr">
+          <a:solidFill>
+            <a:schemeClr val="phClr">
+              <a:shade val="95000"/>
+              <a:satMod val="105000"/>
+            </a:schemeClr>
+          </a:solidFill>
+          <a:prstDash val="solid"/>
+        </a:ln>
+        <a:ln w="25400" cap="flat" cmpd="sng" algn="ctr">
+          <a:solidFill>
+            <a:schemeClr val="phClr"/>
+          </a:solidFill>
+          <a:prstDash val="solid"/>
+        </a:ln>
+        <a:ln w="38100" cap="flat" cmpd="sng" algn="ctr">
+          <a:solidFill>
+            <a:schemeClr val="phClr"/>
+          </a:solidFill>
+          <a:prstDash val="solid"/>
+        </a:ln>
+      </a:lnStyleLst>
+      <a:effectStyleLst>
+        <a:effectStyle>
+          <a:effectLst>
+            <a:outerShdw blurRad="40000" dist="20000" dir="5400000" rotWithShape="0">
+              <a:srgbClr val="000000">
+                <a:alpha val="38000"/>
+              </a:srgbClr>
+            </a:outerShdw>
+          </a:effectLst>
+        </a:effectStyle>
+        <a:effectStyle>
+          <a:effectLst>
+            <a:outerShdw blurRad="40000" dist="23000" dir="5400000" rotWithShape="0">
+              <a:srgbClr val="000000">
+                <a:alpha val="35000"/>
+              </a:srgbClr>
+            </a:outerShdw>
+          </a:effectLst>
+        </a:effectStyle>
+        <a:effectStyle>
+          <a:effectLst>
+            <a:outerShdw blurRad="40000" dist="23000" dir="5400000" rotWithShape="0">
+              <a:srgbClr val="000000">
+                <a:alpha val="35000"/>
+              </a:srgbClr>
+            </a:outerShdw>
+          </a:effectLst>
+          <a:scene3d>
+            <a:camera prst="orthographicFront">
+              <a:rot lat="0" lon="0" rev="0"/>
+            </a:camera>
+            <a:lightRig rig="threePt" dir="t">
+              <a:rot lat="0" lon="0" rev="1200000"/>
+            </a:lightRig>
+          </a:scene3d>
+          <a:sp3d>
+            <a:bevelT w="63500" h="25400"/>
+          </a:sp3d>
+        </a:effectStyle>
+      </a:effectStyleLst>
+      <a:bgFillStyleLst>
+        <a:solidFill>
+          <a:schemeClr val="phClr"/>
+        </a:solidFill>
+        <a:gradFill rotWithShape="1">
+          <a:gsLst>
+            <a:gs pos="0">
+              <a:schemeClr val="phClr">
+                <a:tint val="40000"/>
+                <a:satMod val="350000"/>
+              </a:schemeClr>
+            </a:gs>
+            <a:gs pos="40000">
+              <a:schemeClr val="phClr">
+                <a:tint val="45000"/>
+                <a:shade val="99000"/>
+                <a:satMod val="350000"/>
+              </a:schemeClr>
+            </a:gs>
+            <a:gs pos="100000">
+              <a:schemeClr val="phClr">
+                <a:shade val="20000"/>
+                <a:satMod val="255000"/>
+              </a:schemeClr>
+            </a:gs>
+          </a:gsLst>
+          <a:path path="circle">
+            <a:fillToRect l="50000" t="-80000" r="50000" b="180000"/>
+          </a:path>
+        </a:gradFill>
+        <a:gradFill rotWithShape="1">
+          <a:gsLst>
+            <a:gs pos="0">
+              <a:schemeClr val="phClr">
+                <a:tint val="80000"/>
+                <a:satMod val="300000"/>
+              </a:schemeClr>
+            </a:gs>
+            <a:gs pos="100000">
+              <a:schemeClr val="phClr">
+                <a:shade val="30000"/>
+                <a:satMod val="200000"/>
+              </a:schemeClr>
+            </a:gs>
+          </a:gsLst>
+          <a:path path="circle">
+            <a:fillToRect l="50000" t="50000" r="50000" b="50000"/>
+          </a:path>
+        </a:gradFill>
+      </a:bgFillStyleLst>
+    </a:fmtScheme>
+  </a:themeElements>
+</a:theme>
+</file>
+
+<file path=ppt/theme/theme2.xml><?xml version="1.0" encoding="utf-8"?>
 <a:theme xmlns:a="http://schemas.openxmlformats.org/drawingml/2006/main" xmlns:r="http://schemas.openxmlformats.org/officeDocument/2006/relationships">
   <a:themeElements>
     <a:clrScheme name="Default">
@@ -10411,283 +10494,4 @@
     </a:fmtScheme>
   </a:themeElements>
 </a:theme>
-</file>
-
-<file path=ppt/theme/theme2.xml><?xml version="1.0" encoding="utf-8"?>
-<a:theme xmlns:a="http://schemas.openxmlformats.org/drawingml/2006/main" xmlns:r="http://schemas.openxmlformats.org/officeDocument/2006/relationships" name="Simple Light">
-  <a:themeElements>
-    <a:clrScheme name="Simple Light">
-      <a:dk1>
-        <a:srgbClr val="000000"/>
-      </a:dk1>
-      <a:lt1>
-        <a:srgbClr val="FFFFFF"/>
-      </a:lt1>
-      <a:dk2>
-        <a:srgbClr val="595959"/>
-      </a:dk2>
-      <a:lt2>
-        <a:srgbClr val="EEEEEE"/>
-      </a:lt2>
-      <a:accent1>
-        <a:srgbClr val="4285F4"/>
-      </a:accent1>
-      <a:accent2>
-        <a:srgbClr val="212121"/>
-      </a:accent2>
-      <a:accent3>
-        <a:srgbClr val="78909C"/>
-      </a:accent3>
-      <a:accent4>
-        <a:srgbClr val="FFAB40"/>
-      </a:accent4>
-      <a:accent5>
-        <a:srgbClr val="0097A7"/>
-      </a:accent5>
-      <a:accent6>
-        <a:srgbClr val="EEFF41"/>
-      </a:accent6>
-      <a:hlink>
-        <a:srgbClr val="0097A7"/>
-      </a:hlink>
-      <a:folHlink>
-        <a:srgbClr val="0097A7"/>
-      </a:folHlink>
-    </a:clrScheme>
-    <a:fontScheme name="Office">
-      <a:majorFont>
-        <a:latin typeface="Arial"/>
-        <a:ea typeface=""/>
-        <a:cs typeface=""/>
-        <a:font script="Jpan" typeface="ＭＳ Ｐゴシック"/>
-        <a:font script="Hang" typeface="맑은 고딕"/>
-        <a:font script="Hans" typeface="宋体"/>
-        <a:font script="Hant" typeface="新細明體"/>
-        <a:font script="Arab" typeface="Times New Roman"/>
-        <a:font script="Hebr" typeface="Times New Roman"/>
-        <a:font script="Thai" typeface="Angsana New"/>
-        <a:font script="Ethi" typeface="Nyala"/>
-        <a:font script="Beng" typeface="Vrinda"/>
-        <a:font script="Gujr" typeface="Shruti"/>
-        <a:font script="Khmr" typeface="MoolBoran"/>
-        <a:font script="Knda" typeface="Tunga"/>
-        <a:font script="Guru" typeface="Raavi"/>
-        <a:font script="Cans" typeface="Euphemia"/>
-        <a:font script="Cher" typeface="Plantagenet Cherokee"/>
-        <a:font script="Yiii" typeface="Microsoft Yi Baiti"/>
-        <a:font script="Tibt" typeface="Microsoft Himalaya"/>
-        <a:font script="Thaa" typeface="MV Boli"/>
-        <a:font script="Deva" typeface="Mangal"/>
-        <a:font script="Telu" typeface="Gautami"/>
-        <a:font script="Taml" typeface="Latha"/>
-        <a:font script="Syrc" typeface="Estrangelo Edessa"/>
-        <a:font script="Orya" typeface="Kalinga"/>
-        <a:font script="Mlym" typeface="Kartika"/>
-        <a:font script="Laoo" typeface="DokChampa"/>
-        <a:font script="Sinh" typeface="Iskoola Pota"/>
-        <a:font script="Mong" typeface="Mongolian Baiti"/>
-        <a:font script="Viet" typeface="Times New Roman"/>
-        <a:font script="Uigh" typeface="Microsoft Uighur"/>
-        <a:font script="Geor" typeface="Sylfaen"/>
-      </a:majorFont>
-      <a:minorFont>
-        <a:latin typeface="Arial"/>
-        <a:ea typeface=""/>
-        <a:cs typeface=""/>
-        <a:font script="Jpan" typeface="ＭＳ Ｐゴシック"/>
-        <a:font script="Hang" typeface="맑은 고딕"/>
-        <a:font script="Hans" typeface="宋体"/>
-        <a:font script="Hant" typeface="新細明體"/>
-        <a:font script="Arab" typeface="Arial"/>
-        <a:font script="Hebr" typeface="Arial"/>
-        <a:font script="Thai" typeface="Cordia New"/>
-        <a:font script="Ethi" typeface="Nyala"/>
-        <a:font script="Beng" typeface="Vrinda"/>
-        <a:font script="Gujr" typeface="Shruti"/>
-        <a:font script="Khmr" typeface="DaunPenh"/>
-        <a:font script="Knda" typeface="Tunga"/>
-        <a:font script="Guru" typeface="Raavi"/>
-        <a:font script="Cans" typeface="Euphemia"/>
-        <a:font script="Cher" typeface="Plantagenet Cherokee"/>
-        <a:font script="Yiii" typeface="Microsoft Yi Baiti"/>
-        <a:font script="Tibt" typeface="Microsoft Himalaya"/>
-        <a:font script="Thaa" typeface="MV Boli"/>
-        <a:font script="Deva" typeface="Mangal"/>
-        <a:font script="Telu" typeface="Gautami"/>
-        <a:font script="Taml" typeface="Latha"/>
-        <a:font script="Syrc" typeface="Estrangelo Edessa"/>
-        <a:font script="Orya" typeface="Kalinga"/>
-        <a:font script="Mlym" typeface="Kartika"/>
-        <a:font script="Laoo" typeface="DokChampa"/>
-        <a:font script="Sinh" typeface="Iskoola Pota"/>
-        <a:font script="Mong" typeface="Mongolian Baiti"/>
-        <a:font script="Viet" typeface="Arial"/>
-        <a:font script="Uigh" typeface="Microsoft Uighur"/>
-        <a:font script="Geor" typeface="Sylfaen"/>
-      </a:minorFont>
-    </a:fontScheme>
-    <a:fmtScheme name="Office">
-      <a:fillStyleLst>
-        <a:solidFill>
-          <a:schemeClr val="phClr"/>
-        </a:solidFill>
-        <a:gradFill rotWithShape="1">
-          <a:gsLst>
-            <a:gs pos="0">
-              <a:schemeClr val="phClr">
-                <a:tint val="50000"/>
-                <a:satMod val="300000"/>
-              </a:schemeClr>
-            </a:gs>
-            <a:gs pos="35000">
-              <a:schemeClr val="phClr">
-                <a:tint val="37000"/>
-                <a:satMod val="300000"/>
-              </a:schemeClr>
-            </a:gs>
-            <a:gs pos="100000">
-              <a:schemeClr val="phClr">
-                <a:tint val="15000"/>
-                <a:satMod val="350000"/>
-              </a:schemeClr>
-            </a:gs>
-          </a:gsLst>
-          <a:lin ang="16200000" scaled="1"/>
-        </a:gradFill>
-        <a:gradFill rotWithShape="1">
-          <a:gsLst>
-            <a:gs pos="0">
-              <a:schemeClr val="phClr">
-                <a:tint val="100000"/>
-                <a:shade val="100000"/>
-                <a:satMod val="130000"/>
-              </a:schemeClr>
-            </a:gs>
-            <a:gs pos="100000">
-              <a:schemeClr val="phClr">
-                <a:tint val="50000"/>
-                <a:shade val="100000"/>
-                <a:satMod val="350000"/>
-              </a:schemeClr>
-            </a:gs>
-          </a:gsLst>
-          <a:lin ang="16200000" scaled="0"/>
-        </a:gradFill>
-      </a:fillStyleLst>
-      <a:lnStyleLst>
-        <a:ln w="9525" cap="flat" cmpd="sng" algn="ctr">
-          <a:solidFill>
-            <a:schemeClr val="phClr">
-              <a:shade val="95000"/>
-              <a:satMod val="105000"/>
-            </a:schemeClr>
-          </a:solidFill>
-          <a:prstDash val="solid"/>
-        </a:ln>
-        <a:ln w="25400" cap="flat" cmpd="sng" algn="ctr">
-          <a:solidFill>
-            <a:schemeClr val="phClr"/>
-          </a:solidFill>
-          <a:prstDash val="solid"/>
-        </a:ln>
-        <a:ln w="38100" cap="flat" cmpd="sng" algn="ctr">
-          <a:solidFill>
-            <a:schemeClr val="phClr"/>
-          </a:solidFill>
-          <a:prstDash val="solid"/>
-        </a:ln>
-      </a:lnStyleLst>
-      <a:effectStyleLst>
-        <a:effectStyle>
-          <a:effectLst>
-            <a:outerShdw blurRad="40000" dist="20000" dir="5400000" rotWithShape="0">
-              <a:srgbClr val="000000">
-                <a:alpha val="38000"/>
-              </a:srgbClr>
-            </a:outerShdw>
-          </a:effectLst>
-        </a:effectStyle>
-        <a:effectStyle>
-          <a:effectLst>
-            <a:outerShdw blurRad="40000" dist="23000" dir="5400000" rotWithShape="0">
-              <a:srgbClr val="000000">
-                <a:alpha val="35000"/>
-              </a:srgbClr>
-            </a:outerShdw>
-          </a:effectLst>
-        </a:effectStyle>
-        <a:effectStyle>
-          <a:effectLst>
-            <a:outerShdw blurRad="40000" dist="23000" dir="5400000" rotWithShape="0">
-              <a:srgbClr val="000000">
-                <a:alpha val="35000"/>
-              </a:srgbClr>
-            </a:outerShdw>
-          </a:effectLst>
-          <a:scene3d>
-            <a:camera prst="orthographicFront">
-              <a:rot lat="0" lon="0" rev="0"/>
-            </a:camera>
-            <a:lightRig rig="threePt" dir="t">
-              <a:rot lat="0" lon="0" rev="1200000"/>
-            </a:lightRig>
-          </a:scene3d>
-          <a:sp3d>
-            <a:bevelT w="63500" h="25400"/>
-          </a:sp3d>
-        </a:effectStyle>
-      </a:effectStyleLst>
-      <a:bgFillStyleLst>
-        <a:solidFill>
-          <a:schemeClr val="phClr"/>
-        </a:solidFill>
-        <a:gradFill rotWithShape="1">
-          <a:gsLst>
-            <a:gs pos="0">
-              <a:schemeClr val="phClr">
-                <a:tint val="40000"/>
-                <a:satMod val="350000"/>
-              </a:schemeClr>
-            </a:gs>
-            <a:gs pos="40000">
-              <a:schemeClr val="phClr">
-                <a:tint val="45000"/>
-                <a:shade val="99000"/>
-                <a:satMod val="350000"/>
-              </a:schemeClr>
-            </a:gs>
-            <a:gs pos="100000">
-              <a:schemeClr val="phClr">
-                <a:shade val="20000"/>
-                <a:satMod val="255000"/>
-              </a:schemeClr>
-            </a:gs>
-          </a:gsLst>
-          <a:path path="circle">
-            <a:fillToRect l="50000" t="-80000" r="50000" b="180000"/>
-          </a:path>
-        </a:gradFill>
-        <a:gradFill rotWithShape="1">
-          <a:gsLst>
-            <a:gs pos="0">
-              <a:schemeClr val="phClr">
-                <a:tint val="80000"/>
-                <a:satMod val="300000"/>
-              </a:schemeClr>
-            </a:gs>
-            <a:gs pos="100000">
-              <a:schemeClr val="phClr">
-                <a:shade val="30000"/>
-                <a:satMod val="200000"/>
-              </a:schemeClr>
-            </a:gs>
-          </a:gsLst>
-          <a:path path="circle">
-            <a:fillToRect l="50000" t="50000" r="50000" b="50000"/>
-          </a:path>
-        </a:gradFill>
-      </a:bgFillStyleLst>
-    </a:fmtScheme>
-  </a:themeElements>
-</a:theme>
 </file>